--- a/Presentation1.pptx
+++ b/Presentation1.pptx
@@ -170,7 +170,6 @@
       </a:defRPr>
     </a:lvl9pPr>
   </p:defaultTextStyle>
-  <p:modifyVerifier cryptProviderType="rsaFull" cryptAlgorithmClass="hash" cryptAlgorithmType="typeAny" cryptAlgorithmSid="4" spinCount="100000" saltData="m9OGs59AWQCmX66BzPxA4A==" hashData="ZEamQ8DU6cxLhJ+I+t6nPYIJq5k="/>
 </p:presentation>
 </file>
 
@@ -256,7 +255,7 @@
           <a:p>
             <a:fld id="{CE197DB0-98D6-4128-BECA-542EE657443B}" type="datetimeFigureOut">
               <a:rPr lang="en-US" smtClean="0"/>
-              <a:t>9/3/2016</a:t>
+              <a:t>6/22/2017</a:t>
             </a:fld>
             <a:endParaRPr lang="en-US"/>
           </a:p>
@@ -524,6 +523,5235 @@
 </p:notesMaster>
 </file>
 
+<file path=ppt/notesSlides/notesSlide1.xml><?xml version="1.0" encoding="utf-8"?>
+<p:notes xmlns:a="http://schemas.openxmlformats.org/drawingml/2006/main" xmlns:r="http://schemas.openxmlformats.org/officeDocument/2006/relationships" xmlns:p="http://schemas.openxmlformats.org/presentationml/2006/main">
+  <p:cSld>
+    <p:spTree>
+      <p:nvGrpSpPr>
+        <p:cNvPr id="1" name=""/>
+        <p:cNvGrpSpPr/>
+        <p:nvPr/>
+      </p:nvGrpSpPr>
+      <p:grpSpPr>
+        <a:xfrm>
+          <a:off x="0" y="0"/>
+          <a:ext cx="0" cy="0"/>
+          <a:chOff x="0" y="0"/>
+          <a:chExt cx="0" cy="0"/>
+        </a:xfrm>
+      </p:grpSpPr>
+      <p:sp>
+        <p:nvSpPr>
+          <p:cNvPr id="2" name="Slide Image Placeholder 1"/>
+          <p:cNvSpPr>
+            <a:spLocks noGrp="1" noRot="1" noChangeAspect="1"/>
+          </p:cNvSpPr>
+          <p:nvPr>
+            <p:ph type="sldImg"/>
+          </p:nvPr>
+        </p:nvSpPr>
+        <p:spPr/>
+      </p:sp>
+      <p:sp>
+        <p:nvSpPr>
+          <p:cNvPr id="3" name="Notes Placeholder 2"/>
+          <p:cNvSpPr>
+            <a:spLocks noGrp="1"/>
+          </p:cNvSpPr>
+          <p:nvPr>
+            <p:ph type="body" idx="1"/>
+          </p:nvPr>
+        </p:nvSpPr>
+        <p:spPr/>
+        <p:txBody>
+          <a:bodyPr/>
+          <a:lstStyle/>
+          <a:p>
+            <a:r>
+              <a:rPr lang="en-US" dirty="0" smtClean="0"/>
+              <a:t>Lets start with the very basic unit of Cell Biology</a:t>
+            </a:r>
+            <a:r>
+              <a:rPr lang="en-US" baseline="0" dirty="0" smtClean="0"/>
+              <a:t> and then gradually will move to understand the entire physiology and anatomy of </a:t>
+            </a:r>
+            <a:r>
+              <a:rPr lang="en-US" baseline="0" smtClean="0"/>
+              <a:t>human body.</a:t>
+            </a:r>
+            <a:r>
+              <a:rPr lang="en-US" smtClean="0"/>
+              <a:t> </a:t>
+            </a:r>
+            <a:endParaRPr lang="en-US" dirty="0"/>
+          </a:p>
+        </p:txBody>
+      </p:sp>
+      <p:sp>
+        <p:nvSpPr>
+          <p:cNvPr id="4" name="Slide Number Placeholder 3"/>
+          <p:cNvSpPr>
+            <a:spLocks noGrp="1"/>
+          </p:cNvSpPr>
+          <p:nvPr>
+            <p:ph type="sldNum" sz="quarter" idx="10"/>
+          </p:nvPr>
+        </p:nvSpPr>
+        <p:spPr/>
+        <p:txBody>
+          <a:bodyPr/>
+          <a:lstStyle/>
+          <a:p>
+            <a:fld id="{FD2A2BEA-8C9D-497D-B359-4F5918B159B1}" type="slidenum">
+              <a:rPr lang="en-US" smtClean="0"/>
+              <a:t>1</a:t>
+            </a:fld>
+            <a:endParaRPr lang="en-US"/>
+          </a:p>
+        </p:txBody>
+      </p:sp>
+    </p:spTree>
+    <p:extLst>
+      <p:ext uri="{BB962C8B-B14F-4D97-AF65-F5344CB8AC3E}">
+        <p14:creationId xmlns:p14="http://schemas.microsoft.com/office/powerpoint/2010/main" val="648142524"/>
+      </p:ext>
+    </p:extLst>
+  </p:cSld>
+  <p:clrMapOvr>
+    <a:masterClrMapping/>
+  </p:clrMapOvr>
+</p:notes>
+</file>
+
+<file path=ppt/notesSlides/notesSlide10.xml><?xml version="1.0" encoding="utf-8"?>
+<p:notes xmlns:a="http://schemas.openxmlformats.org/drawingml/2006/main" xmlns:r="http://schemas.openxmlformats.org/officeDocument/2006/relationships" xmlns:p="http://schemas.openxmlformats.org/presentationml/2006/main">
+  <p:cSld>
+    <p:spTree>
+      <p:nvGrpSpPr>
+        <p:cNvPr id="1" name=""/>
+        <p:cNvGrpSpPr/>
+        <p:nvPr/>
+      </p:nvGrpSpPr>
+      <p:grpSpPr>
+        <a:xfrm>
+          <a:off x="0" y="0"/>
+          <a:ext cx="0" cy="0"/>
+          <a:chOff x="0" y="0"/>
+          <a:chExt cx="0" cy="0"/>
+        </a:xfrm>
+      </p:grpSpPr>
+      <p:sp>
+        <p:nvSpPr>
+          <p:cNvPr id="2" name="Slide Image Placeholder 1"/>
+          <p:cNvSpPr>
+            <a:spLocks noGrp="1" noRot="1" noChangeAspect="1"/>
+          </p:cNvSpPr>
+          <p:nvPr>
+            <p:ph type="sldImg"/>
+          </p:nvPr>
+        </p:nvSpPr>
+        <p:spPr/>
+      </p:sp>
+      <p:sp>
+        <p:nvSpPr>
+          <p:cNvPr id="3" name="Notes Placeholder 2"/>
+          <p:cNvSpPr>
+            <a:spLocks noGrp="1"/>
+          </p:cNvSpPr>
+          <p:nvPr>
+            <p:ph type="body" idx="1"/>
+          </p:nvPr>
+        </p:nvSpPr>
+        <p:spPr/>
+        <p:txBody>
+          <a:bodyPr/>
+          <a:lstStyle/>
+          <a:p>
+            <a:r>
+              <a:rPr lang="en-US" dirty="0" smtClean="0"/>
+              <a:t>Mitochondria is the Power House of cell which</a:t>
+            </a:r>
+            <a:r>
+              <a:rPr lang="en-US" baseline="0" dirty="0" smtClean="0"/>
+              <a:t> generates power for the various activities of cell.</a:t>
+            </a:r>
+            <a:endParaRPr lang="en-US" dirty="0"/>
+          </a:p>
+        </p:txBody>
+      </p:sp>
+      <p:sp>
+        <p:nvSpPr>
+          <p:cNvPr id="4" name="Slide Number Placeholder 3"/>
+          <p:cNvSpPr>
+            <a:spLocks noGrp="1"/>
+          </p:cNvSpPr>
+          <p:nvPr>
+            <p:ph type="sldNum" sz="quarter" idx="10"/>
+          </p:nvPr>
+        </p:nvSpPr>
+        <p:spPr/>
+        <p:txBody>
+          <a:bodyPr/>
+          <a:lstStyle/>
+          <a:p>
+            <a:fld id="{FD2A2BEA-8C9D-497D-B359-4F5918B159B1}" type="slidenum">
+              <a:rPr lang="en-US" smtClean="0"/>
+              <a:t>10</a:t>
+            </a:fld>
+            <a:endParaRPr lang="en-US"/>
+          </a:p>
+        </p:txBody>
+      </p:sp>
+    </p:spTree>
+    <p:extLst>
+      <p:ext uri="{BB962C8B-B14F-4D97-AF65-F5344CB8AC3E}">
+        <p14:creationId xmlns:p14="http://schemas.microsoft.com/office/powerpoint/2010/main" val="1429096764"/>
+      </p:ext>
+    </p:extLst>
+  </p:cSld>
+  <p:clrMapOvr>
+    <a:masterClrMapping/>
+  </p:clrMapOvr>
+</p:notes>
+</file>
+
+<file path=ppt/notesSlides/notesSlide11.xml><?xml version="1.0" encoding="utf-8"?>
+<p:notes xmlns:a="http://schemas.openxmlformats.org/drawingml/2006/main" xmlns:r="http://schemas.openxmlformats.org/officeDocument/2006/relationships" xmlns:p="http://schemas.openxmlformats.org/presentationml/2006/main">
+  <p:cSld>
+    <p:spTree>
+      <p:nvGrpSpPr>
+        <p:cNvPr id="1" name=""/>
+        <p:cNvGrpSpPr/>
+        <p:nvPr/>
+      </p:nvGrpSpPr>
+      <p:grpSpPr>
+        <a:xfrm>
+          <a:off x="0" y="0"/>
+          <a:ext cx="0" cy="0"/>
+          <a:chOff x="0" y="0"/>
+          <a:chExt cx="0" cy="0"/>
+        </a:xfrm>
+      </p:grpSpPr>
+      <p:sp>
+        <p:nvSpPr>
+          <p:cNvPr id="2" name="Slide Image Placeholder 1"/>
+          <p:cNvSpPr>
+            <a:spLocks noGrp="1" noRot="1" noChangeAspect="1"/>
+          </p:cNvSpPr>
+          <p:nvPr>
+            <p:ph type="sldImg"/>
+          </p:nvPr>
+        </p:nvSpPr>
+        <p:spPr/>
+      </p:sp>
+      <p:sp>
+        <p:nvSpPr>
+          <p:cNvPr id="3" name="Notes Placeholder 2"/>
+          <p:cNvSpPr>
+            <a:spLocks noGrp="1"/>
+          </p:cNvSpPr>
+          <p:nvPr>
+            <p:ph type="body" idx="1"/>
+          </p:nvPr>
+        </p:nvSpPr>
+        <p:spPr/>
+        <p:txBody>
+          <a:bodyPr/>
+          <a:lstStyle/>
+          <a:p>
+            <a:r>
+              <a:rPr lang="en-US" dirty="0" smtClean="0"/>
+              <a:t>Centrosome is a organelle which is mainly responsible for cell division.</a:t>
+            </a:r>
+            <a:endParaRPr lang="en-US" dirty="0"/>
+          </a:p>
+        </p:txBody>
+      </p:sp>
+      <p:sp>
+        <p:nvSpPr>
+          <p:cNvPr id="4" name="Slide Number Placeholder 3"/>
+          <p:cNvSpPr>
+            <a:spLocks noGrp="1"/>
+          </p:cNvSpPr>
+          <p:nvPr>
+            <p:ph type="sldNum" sz="quarter" idx="10"/>
+          </p:nvPr>
+        </p:nvSpPr>
+        <p:spPr/>
+        <p:txBody>
+          <a:bodyPr/>
+          <a:lstStyle/>
+          <a:p>
+            <a:fld id="{FD2A2BEA-8C9D-497D-B359-4F5918B159B1}" type="slidenum">
+              <a:rPr lang="en-US" smtClean="0"/>
+              <a:t>11</a:t>
+            </a:fld>
+            <a:endParaRPr lang="en-US"/>
+          </a:p>
+        </p:txBody>
+      </p:sp>
+    </p:spTree>
+    <p:extLst>
+      <p:ext uri="{BB962C8B-B14F-4D97-AF65-F5344CB8AC3E}">
+        <p14:creationId xmlns:p14="http://schemas.microsoft.com/office/powerpoint/2010/main" val="2899432541"/>
+      </p:ext>
+    </p:extLst>
+  </p:cSld>
+  <p:clrMapOvr>
+    <a:masterClrMapping/>
+  </p:clrMapOvr>
+</p:notes>
+</file>
+
+<file path=ppt/notesSlides/notesSlide12.xml><?xml version="1.0" encoding="utf-8"?>
+<p:notes xmlns:a="http://schemas.openxmlformats.org/drawingml/2006/main" xmlns:r="http://schemas.openxmlformats.org/officeDocument/2006/relationships" xmlns:p="http://schemas.openxmlformats.org/presentationml/2006/main">
+  <p:cSld>
+    <p:spTree>
+      <p:nvGrpSpPr>
+        <p:cNvPr id="1" name=""/>
+        <p:cNvGrpSpPr/>
+        <p:nvPr/>
+      </p:nvGrpSpPr>
+      <p:grpSpPr>
+        <a:xfrm>
+          <a:off x="0" y="0"/>
+          <a:ext cx="0" cy="0"/>
+          <a:chOff x="0" y="0"/>
+          <a:chExt cx="0" cy="0"/>
+        </a:xfrm>
+      </p:grpSpPr>
+      <p:sp>
+        <p:nvSpPr>
+          <p:cNvPr id="2" name="Slide Image Placeholder 1"/>
+          <p:cNvSpPr>
+            <a:spLocks noGrp="1" noRot="1" noChangeAspect="1"/>
+          </p:cNvSpPr>
+          <p:nvPr>
+            <p:ph type="sldImg"/>
+          </p:nvPr>
+        </p:nvSpPr>
+        <p:spPr/>
+      </p:sp>
+      <p:sp>
+        <p:nvSpPr>
+          <p:cNvPr id="3" name="Notes Placeholder 2"/>
+          <p:cNvSpPr>
+            <a:spLocks noGrp="1"/>
+          </p:cNvSpPr>
+          <p:nvPr>
+            <p:ph type="body" idx="1"/>
+          </p:nvPr>
+        </p:nvSpPr>
+        <p:spPr/>
+        <p:txBody>
+          <a:bodyPr/>
+          <a:lstStyle/>
+          <a:p>
+            <a:r>
+              <a:rPr lang="en-US" dirty="0" smtClean="0"/>
+              <a:t>Then comes the tissue which is basically made up of cells. Tissues</a:t>
+            </a:r>
+            <a:r>
+              <a:rPr lang="en-US" baseline="0" dirty="0" smtClean="0"/>
+              <a:t> are different based on specific structure and function; which are broadly of 4 types.</a:t>
+            </a:r>
+            <a:endParaRPr lang="en-US" dirty="0"/>
+          </a:p>
+        </p:txBody>
+      </p:sp>
+      <p:sp>
+        <p:nvSpPr>
+          <p:cNvPr id="4" name="Slide Number Placeholder 3"/>
+          <p:cNvSpPr>
+            <a:spLocks noGrp="1"/>
+          </p:cNvSpPr>
+          <p:nvPr>
+            <p:ph type="sldNum" sz="quarter" idx="10"/>
+          </p:nvPr>
+        </p:nvSpPr>
+        <p:spPr/>
+        <p:txBody>
+          <a:bodyPr/>
+          <a:lstStyle/>
+          <a:p>
+            <a:fld id="{FD2A2BEA-8C9D-497D-B359-4F5918B159B1}" type="slidenum">
+              <a:rPr lang="en-US" smtClean="0"/>
+              <a:t>12</a:t>
+            </a:fld>
+            <a:endParaRPr lang="en-US"/>
+          </a:p>
+        </p:txBody>
+      </p:sp>
+    </p:spTree>
+    <p:extLst>
+      <p:ext uri="{BB962C8B-B14F-4D97-AF65-F5344CB8AC3E}">
+        <p14:creationId xmlns:p14="http://schemas.microsoft.com/office/powerpoint/2010/main" val="442051790"/>
+      </p:ext>
+    </p:extLst>
+  </p:cSld>
+  <p:clrMapOvr>
+    <a:masterClrMapping/>
+  </p:clrMapOvr>
+</p:notes>
+</file>
+
+<file path=ppt/notesSlides/notesSlide13.xml><?xml version="1.0" encoding="utf-8"?>
+<p:notes xmlns:a="http://schemas.openxmlformats.org/drawingml/2006/main" xmlns:r="http://schemas.openxmlformats.org/officeDocument/2006/relationships" xmlns:p="http://schemas.openxmlformats.org/presentationml/2006/main">
+  <p:cSld>
+    <p:spTree>
+      <p:nvGrpSpPr>
+        <p:cNvPr id="1" name=""/>
+        <p:cNvGrpSpPr/>
+        <p:nvPr/>
+      </p:nvGrpSpPr>
+      <p:grpSpPr>
+        <a:xfrm>
+          <a:off x="0" y="0"/>
+          <a:ext cx="0" cy="0"/>
+          <a:chOff x="0" y="0"/>
+          <a:chExt cx="0" cy="0"/>
+        </a:xfrm>
+      </p:grpSpPr>
+      <p:sp>
+        <p:nvSpPr>
+          <p:cNvPr id="2" name="Slide Image Placeholder 1"/>
+          <p:cNvSpPr>
+            <a:spLocks noGrp="1" noRot="1" noChangeAspect="1"/>
+          </p:cNvSpPr>
+          <p:nvPr>
+            <p:ph type="sldImg"/>
+          </p:nvPr>
+        </p:nvSpPr>
+        <p:spPr/>
+      </p:sp>
+      <p:sp>
+        <p:nvSpPr>
+          <p:cNvPr id="3" name="Notes Placeholder 2"/>
+          <p:cNvSpPr>
+            <a:spLocks noGrp="1"/>
+          </p:cNvSpPr>
+          <p:nvPr>
+            <p:ph type="body" idx="1"/>
+          </p:nvPr>
+        </p:nvSpPr>
+        <p:spPr/>
+        <p:txBody>
+          <a:bodyPr/>
+          <a:lstStyle/>
+          <a:p>
+            <a:r>
+              <a:rPr lang="en-US" dirty="0" smtClean="0"/>
+              <a:t>Outer layer of body</a:t>
+            </a:r>
+            <a:r>
+              <a:rPr lang="en-US" baseline="0" dirty="0" smtClean="0"/>
+              <a:t> is mainly made up of Epithelial Tissue which is responsible for protection.</a:t>
+            </a:r>
+            <a:endParaRPr lang="en-US" dirty="0"/>
+          </a:p>
+        </p:txBody>
+      </p:sp>
+      <p:sp>
+        <p:nvSpPr>
+          <p:cNvPr id="4" name="Slide Number Placeholder 3"/>
+          <p:cNvSpPr>
+            <a:spLocks noGrp="1"/>
+          </p:cNvSpPr>
+          <p:nvPr>
+            <p:ph type="sldNum" sz="quarter" idx="10"/>
+          </p:nvPr>
+        </p:nvSpPr>
+        <p:spPr/>
+        <p:txBody>
+          <a:bodyPr/>
+          <a:lstStyle/>
+          <a:p>
+            <a:fld id="{FD2A2BEA-8C9D-497D-B359-4F5918B159B1}" type="slidenum">
+              <a:rPr lang="en-US" smtClean="0"/>
+              <a:t>13</a:t>
+            </a:fld>
+            <a:endParaRPr lang="en-US"/>
+          </a:p>
+        </p:txBody>
+      </p:sp>
+    </p:spTree>
+    <p:extLst>
+      <p:ext uri="{BB962C8B-B14F-4D97-AF65-F5344CB8AC3E}">
+        <p14:creationId xmlns:p14="http://schemas.microsoft.com/office/powerpoint/2010/main" val="2203293726"/>
+      </p:ext>
+    </p:extLst>
+  </p:cSld>
+  <p:clrMapOvr>
+    <a:masterClrMapping/>
+  </p:clrMapOvr>
+</p:notes>
+</file>
+
+<file path=ppt/notesSlides/notesSlide14.xml><?xml version="1.0" encoding="utf-8"?>
+<p:notes xmlns:a="http://schemas.openxmlformats.org/drawingml/2006/main" xmlns:r="http://schemas.openxmlformats.org/officeDocument/2006/relationships" xmlns:p="http://schemas.openxmlformats.org/presentationml/2006/main">
+  <p:cSld>
+    <p:spTree>
+      <p:nvGrpSpPr>
+        <p:cNvPr id="1" name=""/>
+        <p:cNvGrpSpPr/>
+        <p:nvPr/>
+      </p:nvGrpSpPr>
+      <p:grpSpPr>
+        <a:xfrm>
+          <a:off x="0" y="0"/>
+          <a:ext cx="0" cy="0"/>
+          <a:chOff x="0" y="0"/>
+          <a:chExt cx="0" cy="0"/>
+        </a:xfrm>
+      </p:grpSpPr>
+      <p:sp>
+        <p:nvSpPr>
+          <p:cNvPr id="2" name="Slide Image Placeholder 1"/>
+          <p:cNvSpPr>
+            <a:spLocks noGrp="1" noRot="1" noChangeAspect="1"/>
+          </p:cNvSpPr>
+          <p:nvPr>
+            <p:ph type="sldImg"/>
+          </p:nvPr>
+        </p:nvSpPr>
+        <p:spPr/>
+      </p:sp>
+      <p:sp>
+        <p:nvSpPr>
+          <p:cNvPr id="3" name="Notes Placeholder 2"/>
+          <p:cNvSpPr>
+            <a:spLocks noGrp="1"/>
+          </p:cNvSpPr>
+          <p:nvPr>
+            <p:ph type="body" idx="1"/>
+          </p:nvPr>
+        </p:nvSpPr>
+        <p:spPr/>
+        <p:txBody>
+          <a:bodyPr/>
+          <a:lstStyle/>
+          <a:p>
+            <a:r>
+              <a:rPr lang="en-US" dirty="0" smtClean="0"/>
+              <a:t>These are the different Epithelial Tissues …..</a:t>
+            </a:r>
+            <a:endParaRPr lang="en-US" dirty="0"/>
+          </a:p>
+        </p:txBody>
+      </p:sp>
+      <p:sp>
+        <p:nvSpPr>
+          <p:cNvPr id="4" name="Slide Number Placeholder 3"/>
+          <p:cNvSpPr>
+            <a:spLocks noGrp="1"/>
+          </p:cNvSpPr>
+          <p:nvPr>
+            <p:ph type="sldNum" sz="quarter" idx="10"/>
+          </p:nvPr>
+        </p:nvSpPr>
+        <p:spPr/>
+        <p:txBody>
+          <a:bodyPr/>
+          <a:lstStyle/>
+          <a:p>
+            <a:fld id="{FD2A2BEA-8C9D-497D-B359-4F5918B159B1}" type="slidenum">
+              <a:rPr lang="en-US" smtClean="0"/>
+              <a:t>14</a:t>
+            </a:fld>
+            <a:endParaRPr lang="en-US"/>
+          </a:p>
+        </p:txBody>
+      </p:sp>
+    </p:spTree>
+    <p:extLst>
+      <p:ext uri="{BB962C8B-B14F-4D97-AF65-F5344CB8AC3E}">
+        <p14:creationId xmlns:p14="http://schemas.microsoft.com/office/powerpoint/2010/main" val="349267206"/>
+      </p:ext>
+    </p:extLst>
+  </p:cSld>
+  <p:clrMapOvr>
+    <a:masterClrMapping/>
+  </p:clrMapOvr>
+</p:notes>
+</file>
+
+<file path=ppt/notesSlides/notesSlide15.xml><?xml version="1.0" encoding="utf-8"?>
+<p:notes xmlns:a="http://schemas.openxmlformats.org/drawingml/2006/main" xmlns:r="http://schemas.openxmlformats.org/officeDocument/2006/relationships" xmlns:p="http://schemas.openxmlformats.org/presentationml/2006/main">
+  <p:cSld>
+    <p:spTree>
+      <p:nvGrpSpPr>
+        <p:cNvPr id="1" name=""/>
+        <p:cNvGrpSpPr/>
+        <p:nvPr/>
+      </p:nvGrpSpPr>
+      <p:grpSpPr>
+        <a:xfrm>
+          <a:off x="0" y="0"/>
+          <a:ext cx="0" cy="0"/>
+          <a:chOff x="0" y="0"/>
+          <a:chExt cx="0" cy="0"/>
+        </a:xfrm>
+      </p:grpSpPr>
+      <p:sp>
+        <p:nvSpPr>
+          <p:cNvPr id="2" name="Slide Image Placeholder 1"/>
+          <p:cNvSpPr>
+            <a:spLocks noGrp="1" noRot="1" noChangeAspect="1"/>
+          </p:cNvSpPr>
+          <p:nvPr>
+            <p:ph type="sldImg"/>
+          </p:nvPr>
+        </p:nvSpPr>
+        <p:spPr/>
+      </p:sp>
+      <p:sp>
+        <p:nvSpPr>
+          <p:cNvPr id="3" name="Notes Placeholder 2"/>
+          <p:cNvSpPr>
+            <a:spLocks noGrp="1"/>
+          </p:cNvSpPr>
+          <p:nvPr>
+            <p:ph type="body" idx="1"/>
+          </p:nvPr>
+        </p:nvSpPr>
+        <p:spPr/>
+        <p:txBody>
+          <a:bodyPr/>
+          <a:lstStyle/>
+          <a:p>
+            <a:r>
+              <a:rPr lang="en-US" dirty="0" smtClean="0"/>
+              <a:t>Muscular tissue are of 3 types : these classification is based on function of the muscle</a:t>
+            </a:r>
+            <a:r>
+              <a:rPr lang="en-US" baseline="0" dirty="0" smtClean="0"/>
+              <a:t> - </a:t>
+            </a:r>
+            <a:endParaRPr lang="en-US" dirty="0"/>
+          </a:p>
+        </p:txBody>
+      </p:sp>
+      <p:sp>
+        <p:nvSpPr>
+          <p:cNvPr id="4" name="Slide Number Placeholder 3"/>
+          <p:cNvSpPr>
+            <a:spLocks noGrp="1"/>
+          </p:cNvSpPr>
+          <p:nvPr>
+            <p:ph type="sldNum" sz="quarter" idx="10"/>
+          </p:nvPr>
+        </p:nvSpPr>
+        <p:spPr/>
+        <p:txBody>
+          <a:bodyPr/>
+          <a:lstStyle/>
+          <a:p>
+            <a:fld id="{FD2A2BEA-8C9D-497D-B359-4F5918B159B1}" type="slidenum">
+              <a:rPr lang="en-US" smtClean="0"/>
+              <a:t>15</a:t>
+            </a:fld>
+            <a:endParaRPr lang="en-US"/>
+          </a:p>
+        </p:txBody>
+      </p:sp>
+    </p:spTree>
+    <p:extLst>
+      <p:ext uri="{BB962C8B-B14F-4D97-AF65-F5344CB8AC3E}">
+        <p14:creationId xmlns:p14="http://schemas.microsoft.com/office/powerpoint/2010/main" val="1672457911"/>
+      </p:ext>
+    </p:extLst>
+  </p:cSld>
+  <p:clrMapOvr>
+    <a:masterClrMapping/>
+  </p:clrMapOvr>
+</p:notes>
+</file>
+
+<file path=ppt/notesSlides/notesSlide16.xml><?xml version="1.0" encoding="utf-8"?>
+<p:notes xmlns:a="http://schemas.openxmlformats.org/drawingml/2006/main" xmlns:r="http://schemas.openxmlformats.org/officeDocument/2006/relationships" xmlns:p="http://schemas.openxmlformats.org/presentationml/2006/main">
+  <p:cSld>
+    <p:spTree>
+      <p:nvGrpSpPr>
+        <p:cNvPr id="1" name=""/>
+        <p:cNvGrpSpPr/>
+        <p:nvPr/>
+      </p:nvGrpSpPr>
+      <p:grpSpPr>
+        <a:xfrm>
+          <a:off x="0" y="0"/>
+          <a:ext cx="0" cy="0"/>
+          <a:chOff x="0" y="0"/>
+          <a:chExt cx="0" cy="0"/>
+        </a:xfrm>
+      </p:grpSpPr>
+      <p:sp>
+        <p:nvSpPr>
+          <p:cNvPr id="2" name="Slide Image Placeholder 1"/>
+          <p:cNvSpPr>
+            <a:spLocks noGrp="1" noRot="1" noChangeAspect="1"/>
+          </p:cNvSpPr>
+          <p:nvPr>
+            <p:ph type="sldImg"/>
+          </p:nvPr>
+        </p:nvSpPr>
+        <p:spPr/>
+      </p:sp>
+      <p:sp>
+        <p:nvSpPr>
+          <p:cNvPr id="3" name="Notes Placeholder 2"/>
+          <p:cNvSpPr>
+            <a:spLocks noGrp="1"/>
+          </p:cNvSpPr>
+          <p:nvPr>
+            <p:ph type="body" idx="1"/>
+          </p:nvPr>
+        </p:nvSpPr>
+        <p:spPr/>
+        <p:txBody>
+          <a:bodyPr/>
+          <a:lstStyle/>
+          <a:p>
+            <a:r>
+              <a:rPr lang="en-US" dirty="0" smtClean="0"/>
+              <a:t>These are different tissues in the body with the structure</a:t>
+            </a:r>
+            <a:r>
+              <a:rPr lang="en-US" baseline="0" dirty="0" smtClean="0"/>
+              <a:t> -</a:t>
+            </a:r>
+            <a:endParaRPr lang="en-US" dirty="0"/>
+          </a:p>
+        </p:txBody>
+      </p:sp>
+      <p:sp>
+        <p:nvSpPr>
+          <p:cNvPr id="4" name="Slide Number Placeholder 3"/>
+          <p:cNvSpPr>
+            <a:spLocks noGrp="1"/>
+          </p:cNvSpPr>
+          <p:nvPr>
+            <p:ph type="sldNum" sz="quarter" idx="10"/>
+          </p:nvPr>
+        </p:nvSpPr>
+        <p:spPr/>
+        <p:txBody>
+          <a:bodyPr/>
+          <a:lstStyle/>
+          <a:p>
+            <a:fld id="{FD2A2BEA-8C9D-497D-B359-4F5918B159B1}" type="slidenum">
+              <a:rPr lang="en-US" smtClean="0"/>
+              <a:t>16</a:t>
+            </a:fld>
+            <a:endParaRPr lang="en-US"/>
+          </a:p>
+        </p:txBody>
+      </p:sp>
+    </p:spTree>
+    <p:extLst>
+      <p:ext uri="{BB962C8B-B14F-4D97-AF65-F5344CB8AC3E}">
+        <p14:creationId xmlns:p14="http://schemas.microsoft.com/office/powerpoint/2010/main" val="3876620282"/>
+      </p:ext>
+    </p:extLst>
+  </p:cSld>
+  <p:clrMapOvr>
+    <a:masterClrMapping/>
+  </p:clrMapOvr>
+</p:notes>
+</file>
+
+<file path=ppt/notesSlides/notesSlide17.xml><?xml version="1.0" encoding="utf-8"?>
+<p:notes xmlns:a="http://schemas.openxmlformats.org/drawingml/2006/main" xmlns:r="http://schemas.openxmlformats.org/officeDocument/2006/relationships" xmlns:p="http://schemas.openxmlformats.org/presentationml/2006/main">
+  <p:cSld>
+    <p:spTree>
+      <p:nvGrpSpPr>
+        <p:cNvPr id="1" name=""/>
+        <p:cNvGrpSpPr/>
+        <p:nvPr/>
+      </p:nvGrpSpPr>
+      <p:grpSpPr>
+        <a:xfrm>
+          <a:off x="0" y="0"/>
+          <a:ext cx="0" cy="0"/>
+          <a:chOff x="0" y="0"/>
+          <a:chExt cx="0" cy="0"/>
+        </a:xfrm>
+      </p:grpSpPr>
+      <p:sp>
+        <p:nvSpPr>
+          <p:cNvPr id="2" name="Slide Image Placeholder 1"/>
+          <p:cNvSpPr>
+            <a:spLocks noGrp="1" noRot="1" noChangeAspect="1"/>
+          </p:cNvSpPr>
+          <p:nvPr>
+            <p:ph type="sldImg"/>
+          </p:nvPr>
+        </p:nvSpPr>
+        <p:spPr/>
+      </p:sp>
+      <p:sp>
+        <p:nvSpPr>
+          <p:cNvPr id="3" name="Notes Placeholder 2"/>
+          <p:cNvSpPr>
+            <a:spLocks noGrp="1"/>
+          </p:cNvSpPr>
+          <p:nvPr>
+            <p:ph type="body" idx="1"/>
+          </p:nvPr>
+        </p:nvSpPr>
+        <p:spPr/>
+        <p:txBody>
+          <a:bodyPr/>
+          <a:lstStyle/>
+          <a:p>
+            <a:r>
+              <a:rPr lang="en-US" dirty="0" smtClean="0"/>
+              <a:t>Coming to muscle tissue , different types of tissues with different structures and presence of nucleus differently.</a:t>
+            </a:r>
+            <a:endParaRPr lang="en-US" dirty="0"/>
+          </a:p>
+        </p:txBody>
+      </p:sp>
+      <p:sp>
+        <p:nvSpPr>
+          <p:cNvPr id="4" name="Slide Number Placeholder 3"/>
+          <p:cNvSpPr>
+            <a:spLocks noGrp="1"/>
+          </p:cNvSpPr>
+          <p:nvPr>
+            <p:ph type="sldNum" sz="quarter" idx="10"/>
+          </p:nvPr>
+        </p:nvSpPr>
+        <p:spPr/>
+        <p:txBody>
+          <a:bodyPr/>
+          <a:lstStyle/>
+          <a:p>
+            <a:fld id="{FD2A2BEA-8C9D-497D-B359-4F5918B159B1}" type="slidenum">
+              <a:rPr lang="en-US" smtClean="0"/>
+              <a:t>17</a:t>
+            </a:fld>
+            <a:endParaRPr lang="en-US"/>
+          </a:p>
+        </p:txBody>
+      </p:sp>
+    </p:spTree>
+    <p:extLst>
+      <p:ext uri="{BB962C8B-B14F-4D97-AF65-F5344CB8AC3E}">
+        <p14:creationId xmlns:p14="http://schemas.microsoft.com/office/powerpoint/2010/main" val="720641939"/>
+      </p:ext>
+    </p:extLst>
+  </p:cSld>
+  <p:clrMapOvr>
+    <a:masterClrMapping/>
+  </p:clrMapOvr>
+</p:notes>
+</file>
+
+<file path=ppt/notesSlides/notesSlide18.xml><?xml version="1.0" encoding="utf-8"?>
+<p:notes xmlns:a="http://schemas.openxmlformats.org/drawingml/2006/main" xmlns:r="http://schemas.openxmlformats.org/officeDocument/2006/relationships" xmlns:p="http://schemas.openxmlformats.org/presentationml/2006/main">
+  <p:cSld>
+    <p:spTree>
+      <p:nvGrpSpPr>
+        <p:cNvPr id="1" name=""/>
+        <p:cNvGrpSpPr/>
+        <p:nvPr/>
+      </p:nvGrpSpPr>
+      <p:grpSpPr>
+        <a:xfrm>
+          <a:off x="0" y="0"/>
+          <a:ext cx="0" cy="0"/>
+          <a:chOff x="0" y="0"/>
+          <a:chExt cx="0" cy="0"/>
+        </a:xfrm>
+      </p:grpSpPr>
+      <p:sp>
+        <p:nvSpPr>
+          <p:cNvPr id="2" name="Slide Image Placeholder 1"/>
+          <p:cNvSpPr>
+            <a:spLocks noGrp="1" noRot="1" noChangeAspect="1"/>
+          </p:cNvSpPr>
+          <p:nvPr>
+            <p:ph type="sldImg"/>
+          </p:nvPr>
+        </p:nvSpPr>
+        <p:spPr/>
+      </p:sp>
+      <p:sp>
+        <p:nvSpPr>
+          <p:cNvPr id="3" name="Notes Placeholder 2"/>
+          <p:cNvSpPr>
+            <a:spLocks noGrp="1"/>
+          </p:cNvSpPr>
+          <p:nvPr>
+            <p:ph type="body" idx="1"/>
+          </p:nvPr>
+        </p:nvSpPr>
+        <p:spPr/>
+        <p:txBody>
+          <a:bodyPr/>
+          <a:lstStyle/>
+          <a:p>
+            <a:r>
+              <a:rPr lang="en-US" dirty="0" smtClean="0"/>
+              <a:t>Connective tissue is mainly responsible for connecting one part of the body to the other.</a:t>
+            </a:r>
+            <a:endParaRPr lang="en-US" dirty="0"/>
+          </a:p>
+        </p:txBody>
+      </p:sp>
+      <p:sp>
+        <p:nvSpPr>
+          <p:cNvPr id="4" name="Slide Number Placeholder 3"/>
+          <p:cNvSpPr>
+            <a:spLocks noGrp="1"/>
+          </p:cNvSpPr>
+          <p:nvPr>
+            <p:ph type="sldNum" sz="quarter" idx="10"/>
+          </p:nvPr>
+        </p:nvSpPr>
+        <p:spPr/>
+        <p:txBody>
+          <a:bodyPr/>
+          <a:lstStyle/>
+          <a:p>
+            <a:fld id="{FD2A2BEA-8C9D-497D-B359-4F5918B159B1}" type="slidenum">
+              <a:rPr lang="en-US" smtClean="0"/>
+              <a:t>18</a:t>
+            </a:fld>
+            <a:endParaRPr lang="en-US"/>
+          </a:p>
+        </p:txBody>
+      </p:sp>
+    </p:spTree>
+    <p:extLst>
+      <p:ext uri="{BB962C8B-B14F-4D97-AF65-F5344CB8AC3E}">
+        <p14:creationId xmlns:p14="http://schemas.microsoft.com/office/powerpoint/2010/main" val="663205357"/>
+      </p:ext>
+    </p:extLst>
+  </p:cSld>
+  <p:clrMapOvr>
+    <a:masterClrMapping/>
+  </p:clrMapOvr>
+</p:notes>
+</file>
+
+<file path=ppt/notesSlides/notesSlide19.xml><?xml version="1.0" encoding="utf-8"?>
+<p:notes xmlns:a="http://schemas.openxmlformats.org/drawingml/2006/main" xmlns:r="http://schemas.openxmlformats.org/officeDocument/2006/relationships" xmlns:p="http://schemas.openxmlformats.org/presentationml/2006/main">
+  <p:cSld>
+    <p:spTree>
+      <p:nvGrpSpPr>
+        <p:cNvPr id="1" name=""/>
+        <p:cNvGrpSpPr/>
+        <p:nvPr/>
+      </p:nvGrpSpPr>
+      <p:grpSpPr>
+        <a:xfrm>
+          <a:off x="0" y="0"/>
+          <a:ext cx="0" cy="0"/>
+          <a:chOff x="0" y="0"/>
+          <a:chExt cx="0" cy="0"/>
+        </a:xfrm>
+      </p:grpSpPr>
+      <p:sp>
+        <p:nvSpPr>
+          <p:cNvPr id="2" name="Slide Image Placeholder 1"/>
+          <p:cNvSpPr>
+            <a:spLocks noGrp="1" noRot="1" noChangeAspect="1"/>
+          </p:cNvSpPr>
+          <p:nvPr>
+            <p:ph type="sldImg"/>
+          </p:nvPr>
+        </p:nvSpPr>
+        <p:spPr/>
+      </p:sp>
+      <p:sp>
+        <p:nvSpPr>
+          <p:cNvPr id="3" name="Notes Placeholder 2"/>
+          <p:cNvSpPr>
+            <a:spLocks noGrp="1"/>
+          </p:cNvSpPr>
+          <p:nvPr>
+            <p:ph type="body" idx="1"/>
+          </p:nvPr>
+        </p:nvSpPr>
+        <p:spPr/>
+        <p:txBody>
+          <a:bodyPr/>
+          <a:lstStyle/>
+          <a:p>
+            <a:r>
+              <a:rPr lang="en-US" dirty="0" smtClean="0"/>
+              <a:t>Brain and nerves are made up of this tissue ; the structural and functional unit of Nervous</a:t>
+            </a:r>
+            <a:r>
+              <a:rPr lang="en-US" baseline="0" dirty="0" smtClean="0"/>
+              <a:t> tissue is Nerve Cells which are called as Neurons.</a:t>
+            </a:r>
+            <a:endParaRPr lang="en-US" dirty="0"/>
+          </a:p>
+        </p:txBody>
+      </p:sp>
+      <p:sp>
+        <p:nvSpPr>
+          <p:cNvPr id="4" name="Slide Number Placeholder 3"/>
+          <p:cNvSpPr>
+            <a:spLocks noGrp="1"/>
+          </p:cNvSpPr>
+          <p:nvPr>
+            <p:ph type="sldNum" sz="quarter" idx="10"/>
+          </p:nvPr>
+        </p:nvSpPr>
+        <p:spPr/>
+        <p:txBody>
+          <a:bodyPr/>
+          <a:lstStyle/>
+          <a:p>
+            <a:fld id="{FD2A2BEA-8C9D-497D-B359-4F5918B159B1}" type="slidenum">
+              <a:rPr lang="en-US" smtClean="0"/>
+              <a:t>19</a:t>
+            </a:fld>
+            <a:endParaRPr lang="en-US"/>
+          </a:p>
+        </p:txBody>
+      </p:sp>
+    </p:spTree>
+    <p:extLst>
+      <p:ext uri="{BB962C8B-B14F-4D97-AF65-F5344CB8AC3E}">
+        <p14:creationId xmlns:p14="http://schemas.microsoft.com/office/powerpoint/2010/main" val="1005298998"/>
+      </p:ext>
+    </p:extLst>
+  </p:cSld>
+  <p:clrMapOvr>
+    <a:masterClrMapping/>
+  </p:clrMapOvr>
+</p:notes>
+</file>
+
+<file path=ppt/notesSlides/notesSlide2.xml><?xml version="1.0" encoding="utf-8"?>
+<p:notes xmlns:a="http://schemas.openxmlformats.org/drawingml/2006/main" xmlns:r="http://schemas.openxmlformats.org/officeDocument/2006/relationships" xmlns:p="http://schemas.openxmlformats.org/presentationml/2006/main">
+  <p:cSld>
+    <p:spTree>
+      <p:nvGrpSpPr>
+        <p:cNvPr id="1" name=""/>
+        <p:cNvGrpSpPr/>
+        <p:nvPr/>
+      </p:nvGrpSpPr>
+      <p:grpSpPr>
+        <a:xfrm>
+          <a:off x="0" y="0"/>
+          <a:ext cx="0" cy="0"/>
+          <a:chOff x="0" y="0"/>
+          <a:chExt cx="0" cy="0"/>
+        </a:xfrm>
+      </p:grpSpPr>
+      <p:sp>
+        <p:nvSpPr>
+          <p:cNvPr id="2" name="Slide Image Placeholder 1"/>
+          <p:cNvSpPr>
+            <a:spLocks noGrp="1" noRot="1" noChangeAspect="1"/>
+          </p:cNvSpPr>
+          <p:nvPr>
+            <p:ph type="sldImg"/>
+          </p:nvPr>
+        </p:nvSpPr>
+        <p:spPr/>
+      </p:sp>
+      <p:sp>
+        <p:nvSpPr>
+          <p:cNvPr id="3" name="Notes Placeholder 2"/>
+          <p:cNvSpPr>
+            <a:spLocks noGrp="1"/>
+          </p:cNvSpPr>
+          <p:nvPr>
+            <p:ph type="body" idx="1"/>
+          </p:nvPr>
+        </p:nvSpPr>
+        <p:spPr/>
+        <p:txBody>
+          <a:bodyPr/>
+          <a:lstStyle/>
+          <a:p>
+            <a:r>
+              <a:rPr lang="en-US" dirty="0" smtClean="0"/>
+              <a:t>In context of human body, lets first understand Cell , then Tissue and followed by Organ and System.</a:t>
+            </a:r>
+            <a:endParaRPr lang="en-US" dirty="0"/>
+          </a:p>
+        </p:txBody>
+      </p:sp>
+      <p:sp>
+        <p:nvSpPr>
+          <p:cNvPr id="4" name="Slide Number Placeholder 3"/>
+          <p:cNvSpPr>
+            <a:spLocks noGrp="1"/>
+          </p:cNvSpPr>
+          <p:nvPr>
+            <p:ph type="sldNum" sz="quarter" idx="10"/>
+          </p:nvPr>
+        </p:nvSpPr>
+        <p:spPr/>
+        <p:txBody>
+          <a:bodyPr/>
+          <a:lstStyle/>
+          <a:p>
+            <a:fld id="{FD2A2BEA-8C9D-497D-B359-4F5918B159B1}" type="slidenum">
+              <a:rPr lang="en-US" smtClean="0"/>
+              <a:t>2</a:t>
+            </a:fld>
+            <a:endParaRPr lang="en-US"/>
+          </a:p>
+        </p:txBody>
+      </p:sp>
+    </p:spTree>
+    <p:extLst>
+      <p:ext uri="{BB962C8B-B14F-4D97-AF65-F5344CB8AC3E}">
+        <p14:creationId xmlns:p14="http://schemas.microsoft.com/office/powerpoint/2010/main" val="3781763789"/>
+      </p:ext>
+    </p:extLst>
+  </p:cSld>
+  <p:clrMapOvr>
+    <a:masterClrMapping/>
+  </p:clrMapOvr>
+</p:notes>
+</file>
+
+<file path=ppt/notesSlides/notesSlide20.xml><?xml version="1.0" encoding="utf-8"?>
+<p:notes xmlns:a="http://schemas.openxmlformats.org/drawingml/2006/main" xmlns:r="http://schemas.openxmlformats.org/officeDocument/2006/relationships" xmlns:p="http://schemas.openxmlformats.org/presentationml/2006/main">
+  <p:cSld>
+    <p:spTree>
+      <p:nvGrpSpPr>
+        <p:cNvPr id="1" name=""/>
+        <p:cNvGrpSpPr/>
+        <p:nvPr/>
+      </p:nvGrpSpPr>
+      <p:grpSpPr>
+        <a:xfrm>
+          <a:off x="0" y="0"/>
+          <a:ext cx="0" cy="0"/>
+          <a:chOff x="0" y="0"/>
+          <a:chExt cx="0" cy="0"/>
+        </a:xfrm>
+      </p:grpSpPr>
+      <p:sp>
+        <p:nvSpPr>
+          <p:cNvPr id="2" name="Slide Image Placeholder 1"/>
+          <p:cNvSpPr>
+            <a:spLocks noGrp="1" noRot="1" noChangeAspect="1"/>
+          </p:cNvSpPr>
+          <p:nvPr>
+            <p:ph type="sldImg"/>
+          </p:nvPr>
+        </p:nvSpPr>
+        <p:spPr/>
+      </p:sp>
+      <p:sp>
+        <p:nvSpPr>
+          <p:cNvPr id="3" name="Notes Placeholder 2"/>
+          <p:cNvSpPr>
+            <a:spLocks noGrp="1"/>
+          </p:cNvSpPr>
+          <p:nvPr>
+            <p:ph type="body" idx="1"/>
+          </p:nvPr>
+        </p:nvSpPr>
+        <p:spPr/>
+        <p:txBody>
+          <a:bodyPr/>
+          <a:lstStyle/>
+          <a:p>
+            <a:r>
+              <a:rPr lang="en-US" dirty="0" smtClean="0"/>
+              <a:t>This</a:t>
+            </a:r>
+            <a:r>
+              <a:rPr lang="en-US" baseline="0" dirty="0" smtClean="0"/>
+              <a:t> is a Neuron picture.</a:t>
+            </a:r>
+            <a:endParaRPr lang="en-US" dirty="0"/>
+          </a:p>
+        </p:txBody>
+      </p:sp>
+      <p:sp>
+        <p:nvSpPr>
+          <p:cNvPr id="4" name="Slide Number Placeholder 3"/>
+          <p:cNvSpPr>
+            <a:spLocks noGrp="1"/>
+          </p:cNvSpPr>
+          <p:nvPr>
+            <p:ph type="sldNum" sz="quarter" idx="10"/>
+          </p:nvPr>
+        </p:nvSpPr>
+        <p:spPr/>
+        <p:txBody>
+          <a:bodyPr/>
+          <a:lstStyle/>
+          <a:p>
+            <a:fld id="{FD2A2BEA-8C9D-497D-B359-4F5918B159B1}" type="slidenum">
+              <a:rPr lang="en-US" smtClean="0"/>
+              <a:t>20</a:t>
+            </a:fld>
+            <a:endParaRPr lang="en-US"/>
+          </a:p>
+        </p:txBody>
+      </p:sp>
+    </p:spTree>
+    <p:extLst>
+      <p:ext uri="{BB962C8B-B14F-4D97-AF65-F5344CB8AC3E}">
+        <p14:creationId xmlns:p14="http://schemas.microsoft.com/office/powerpoint/2010/main" val="3476059938"/>
+      </p:ext>
+    </p:extLst>
+  </p:cSld>
+  <p:clrMapOvr>
+    <a:masterClrMapping/>
+  </p:clrMapOvr>
+</p:notes>
+</file>
+
+<file path=ppt/notesSlides/notesSlide21.xml><?xml version="1.0" encoding="utf-8"?>
+<p:notes xmlns:a="http://schemas.openxmlformats.org/drawingml/2006/main" xmlns:r="http://schemas.openxmlformats.org/officeDocument/2006/relationships" xmlns:p="http://schemas.openxmlformats.org/presentationml/2006/main">
+  <p:cSld>
+    <p:spTree>
+      <p:nvGrpSpPr>
+        <p:cNvPr id="1" name=""/>
+        <p:cNvGrpSpPr/>
+        <p:nvPr/>
+      </p:nvGrpSpPr>
+      <p:grpSpPr>
+        <a:xfrm>
+          <a:off x="0" y="0"/>
+          <a:ext cx="0" cy="0"/>
+          <a:chOff x="0" y="0"/>
+          <a:chExt cx="0" cy="0"/>
+        </a:xfrm>
+      </p:grpSpPr>
+      <p:sp>
+        <p:nvSpPr>
+          <p:cNvPr id="2" name="Slide Image Placeholder 1"/>
+          <p:cNvSpPr>
+            <a:spLocks noGrp="1" noRot="1" noChangeAspect="1"/>
+          </p:cNvSpPr>
+          <p:nvPr>
+            <p:ph type="sldImg"/>
+          </p:nvPr>
+        </p:nvSpPr>
+        <p:spPr/>
+      </p:sp>
+      <p:sp>
+        <p:nvSpPr>
+          <p:cNvPr id="3" name="Notes Placeholder 2"/>
+          <p:cNvSpPr>
+            <a:spLocks noGrp="1"/>
+          </p:cNvSpPr>
+          <p:nvPr>
+            <p:ph type="body" idx="1"/>
+          </p:nvPr>
+        </p:nvSpPr>
+        <p:spPr/>
+        <p:txBody>
+          <a:bodyPr/>
+          <a:lstStyle/>
+          <a:p>
+            <a:r>
+              <a:rPr lang="en-US" dirty="0" smtClean="0"/>
+              <a:t>Organs are made up of tissues and</a:t>
+            </a:r>
+            <a:r>
+              <a:rPr lang="en-US" baseline="0" dirty="0" smtClean="0"/>
+              <a:t> different organs perform different functions.</a:t>
+            </a:r>
+            <a:endParaRPr lang="en-US" dirty="0"/>
+          </a:p>
+        </p:txBody>
+      </p:sp>
+      <p:sp>
+        <p:nvSpPr>
+          <p:cNvPr id="4" name="Slide Number Placeholder 3"/>
+          <p:cNvSpPr>
+            <a:spLocks noGrp="1"/>
+          </p:cNvSpPr>
+          <p:nvPr>
+            <p:ph type="sldNum" sz="quarter" idx="10"/>
+          </p:nvPr>
+        </p:nvSpPr>
+        <p:spPr/>
+        <p:txBody>
+          <a:bodyPr/>
+          <a:lstStyle/>
+          <a:p>
+            <a:fld id="{FD2A2BEA-8C9D-497D-B359-4F5918B159B1}" type="slidenum">
+              <a:rPr lang="en-US" smtClean="0"/>
+              <a:t>21</a:t>
+            </a:fld>
+            <a:endParaRPr lang="en-US"/>
+          </a:p>
+        </p:txBody>
+      </p:sp>
+    </p:spTree>
+    <p:extLst>
+      <p:ext uri="{BB962C8B-B14F-4D97-AF65-F5344CB8AC3E}">
+        <p14:creationId xmlns:p14="http://schemas.microsoft.com/office/powerpoint/2010/main" val="504235558"/>
+      </p:ext>
+    </p:extLst>
+  </p:cSld>
+  <p:clrMapOvr>
+    <a:masterClrMapping/>
+  </p:clrMapOvr>
+</p:notes>
+</file>
+
+<file path=ppt/notesSlides/notesSlide22.xml><?xml version="1.0" encoding="utf-8"?>
+<p:notes xmlns:a="http://schemas.openxmlformats.org/drawingml/2006/main" xmlns:r="http://schemas.openxmlformats.org/officeDocument/2006/relationships" xmlns:p="http://schemas.openxmlformats.org/presentationml/2006/main">
+  <p:cSld>
+    <p:spTree>
+      <p:nvGrpSpPr>
+        <p:cNvPr id="1" name=""/>
+        <p:cNvGrpSpPr/>
+        <p:nvPr/>
+      </p:nvGrpSpPr>
+      <p:grpSpPr>
+        <a:xfrm>
+          <a:off x="0" y="0"/>
+          <a:ext cx="0" cy="0"/>
+          <a:chOff x="0" y="0"/>
+          <a:chExt cx="0" cy="0"/>
+        </a:xfrm>
+      </p:grpSpPr>
+      <p:sp>
+        <p:nvSpPr>
+          <p:cNvPr id="2" name="Slide Image Placeholder 1"/>
+          <p:cNvSpPr>
+            <a:spLocks noGrp="1" noRot="1" noChangeAspect="1"/>
+          </p:cNvSpPr>
+          <p:nvPr>
+            <p:ph type="sldImg"/>
+          </p:nvPr>
+        </p:nvSpPr>
+        <p:spPr/>
+      </p:sp>
+      <p:sp>
+        <p:nvSpPr>
+          <p:cNvPr id="3" name="Notes Placeholder 2"/>
+          <p:cNvSpPr>
+            <a:spLocks noGrp="1"/>
+          </p:cNvSpPr>
+          <p:nvPr>
+            <p:ph type="body" idx="1"/>
+          </p:nvPr>
+        </p:nvSpPr>
+        <p:spPr/>
+        <p:txBody>
+          <a:bodyPr/>
+          <a:lstStyle/>
+          <a:p>
+            <a:r>
+              <a:rPr lang="en-US" dirty="0" smtClean="0"/>
+              <a:t>This is a diagram of </a:t>
+            </a:r>
+            <a:r>
+              <a:rPr lang="en-US" dirty="0" err="1" smtClean="0"/>
+              <a:t>digetive</a:t>
+            </a:r>
+            <a:r>
+              <a:rPr lang="en-US" dirty="0" smtClean="0"/>
+              <a:t> system with different parts.</a:t>
+            </a:r>
+            <a:endParaRPr lang="en-US" dirty="0"/>
+          </a:p>
+        </p:txBody>
+      </p:sp>
+      <p:sp>
+        <p:nvSpPr>
+          <p:cNvPr id="4" name="Slide Number Placeholder 3"/>
+          <p:cNvSpPr>
+            <a:spLocks noGrp="1"/>
+          </p:cNvSpPr>
+          <p:nvPr>
+            <p:ph type="sldNum" sz="quarter" idx="10"/>
+          </p:nvPr>
+        </p:nvSpPr>
+        <p:spPr/>
+        <p:txBody>
+          <a:bodyPr/>
+          <a:lstStyle/>
+          <a:p>
+            <a:fld id="{FD2A2BEA-8C9D-497D-B359-4F5918B159B1}" type="slidenum">
+              <a:rPr lang="en-US" smtClean="0"/>
+              <a:t>23</a:t>
+            </a:fld>
+            <a:endParaRPr lang="en-US"/>
+          </a:p>
+        </p:txBody>
+      </p:sp>
+    </p:spTree>
+    <p:extLst>
+      <p:ext uri="{BB962C8B-B14F-4D97-AF65-F5344CB8AC3E}">
+        <p14:creationId xmlns:p14="http://schemas.microsoft.com/office/powerpoint/2010/main" val="871875900"/>
+      </p:ext>
+    </p:extLst>
+  </p:cSld>
+  <p:clrMapOvr>
+    <a:masterClrMapping/>
+  </p:clrMapOvr>
+</p:notes>
+</file>
+
+<file path=ppt/notesSlides/notesSlide23.xml><?xml version="1.0" encoding="utf-8"?>
+<p:notes xmlns:a="http://schemas.openxmlformats.org/drawingml/2006/main" xmlns:r="http://schemas.openxmlformats.org/officeDocument/2006/relationships" xmlns:p="http://schemas.openxmlformats.org/presentationml/2006/main">
+  <p:cSld>
+    <p:spTree>
+      <p:nvGrpSpPr>
+        <p:cNvPr id="1" name=""/>
+        <p:cNvGrpSpPr/>
+        <p:nvPr/>
+      </p:nvGrpSpPr>
+      <p:grpSpPr>
+        <a:xfrm>
+          <a:off x="0" y="0"/>
+          <a:ext cx="0" cy="0"/>
+          <a:chOff x="0" y="0"/>
+          <a:chExt cx="0" cy="0"/>
+        </a:xfrm>
+      </p:grpSpPr>
+      <p:sp>
+        <p:nvSpPr>
+          <p:cNvPr id="2" name="Slide Image Placeholder 1"/>
+          <p:cNvSpPr>
+            <a:spLocks noGrp="1" noRot="1" noChangeAspect="1"/>
+          </p:cNvSpPr>
+          <p:nvPr>
+            <p:ph type="sldImg"/>
+          </p:nvPr>
+        </p:nvSpPr>
+        <p:spPr/>
+      </p:sp>
+      <p:sp>
+        <p:nvSpPr>
+          <p:cNvPr id="3" name="Notes Placeholder 2"/>
+          <p:cNvSpPr>
+            <a:spLocks noGrp="1"/>
+          </p:cNvSpPr>
+          <p:nvPr>
+            <p:ph type="body" idx="1"/>
+          </p:nvPr>
+        </p:nvSpPr>
+        <p:spPr/>
+        <p:txBody>
+          <a:bodyPr/>
+          <a:lstStyle/>
+          <a:p>
+            <a:r>
+              <a:rPr lang="en-US" dirty="0" smtClean="0"/>
+              <a:t>Now, Digestive</a:t>
+            </a:r>
+            <a:r>
+              <a:rPr lang="en-US" baseline="0" dirty="0" smtClean="0"/>
+              <a:t> System is consisting of different parts , as discussed here.</a:t>
+            </a:r>
+            <a:endParaRPr lang="en-US" dirty="0"/>
+          </a:p>
+        </p:txBody>
+      </p:sp>
+      <p:sp>
+        <p:nvSpPr>
+          <p:cNvPr id="4" name="Slide Number Placeholder 3"/>
+          <p:cNvSpPr>
+            <a:spLocks noGrp="1"/>
+          </p:cNvSpPr>
+          <p:nvPr>
+            <p:ph type="sldNum" sz="quarter" idx="10"/>
+          </p:nvPr>
+        </p:nvSpPr>
+        <p:spPr/>
+        <p:txBody>
+          <a:bodyPr/>
+          <a:lstStyle/>
+          <a:p>
+            <a:fld id="{FD2A2BEA-8C9D-497D-B359-4F5918B159B1}" type="slidenum">
+              <a:rPr lang="en-US" smtClean="0"/>
+              <a:t>24</a:t>
+            </a:fld>
+            <a:endParaRPr lang="en-US"/>
+          </a:p>
+        </p:txBody>
+      </p:sp>
+    </p:spTree>
+    <p:extLst>
+      <p:ext uri="{BB962C8B-B14F-4D97-AF65-F5344CB8AC3E}">
+        <p14:creationId xmlns:p14="http://schemas.microsoft.com/office/powerpoint/2010/main" val="1739567283"/>
+      </p:ext>
+    </p:extLst>
+  </p:cSld>
+  <p:clrMapOvr>
+    <a:masterClrMapping/>
+  </p:clrMapOvr>
+</p:notes>
+</file>
+
+<file path=ppt/notesSlides/notesSlide24.xml><?xml version="1.0" encoding="utf-8"?>
+<p:notes xmlns:a="http://schemas.openxmlformats.org/drawingml/2006/main" xmlns:r="http://schemas.openxmlformats.org/officeDocument/2006/relationships" xmlns:p="http://schemas.openxmlformats.org/presentationml/2006/main">
+  <p:cSld>
+    <p:spTree>
+      <p:nvGrpSpPr>
+        <p:cNvPr id="1" name=""/>
+        <p:cNvGrpSpPr/>
+        <p:nvPr/>
+      </p:nvGrpSpPr>
+      <p:grpSpPr>
+        <a:xfrm>
+          <a:off x="0" y="0"/>
+          <a:ext cx="0" cy="0"/>
+          <a:chOff x="0" y="0"/>
+          <a:chExt cx="0" cy="0"/>
+        </a:xfrm>
+      </p:grpSpPr>
+      <p:sp>
+        <p:nvSpPr>
+          <p:cNvPr id="2" name="Slide Image Placeholder 1"/>
+          <p:cNvSpPr>
+            <a:spLocks noGrp="1" noRot="1" noChangeAspect="1"/>
+          </p:cNvSpPr>
+          <p:nvPr>
+            <p:ph type="sldImg"/>
+          </p:nvPr>
+        </p:nvSpPr>
+        <p:spPr/>
+      </p:sp>
+      <p:sp>
+        <p:nvSpPr>
+          <p:cNvPr id="3" name="Notes Placeholder 2"/>
+          <p:cNvSpPr>
+            <a:spLocks noGrp="1"/>
+          </p:cNvSpPr>
+          <p:nvPr>
+            <p:ph type="body" idx="1"/>
+          </p:nvPr>
+        </p:nvSpPr>
+        <p:spPr/>
+        <p:txBody>
+          <a:bodyPr/>
+          <a:lstStyle/>
+          <a:p>
+            <a:r>
+              <a:rPr lang="en-US" dirty="0" smtClean="0"/>
+              <a:t>Broadly,</a:t>
+            </a:r>
+            <a:r>
+              <a:rPr lang="en-US" baseline="0" dirty="0" smtClean="0"/>
+              <a:t> Digestive system is for Digestion through 5 steps - </a:t>
+            </a:r>
+            <a:endParaRPr lang="en-US" dirty="0"/>
+          </a:p>
+        </p:txBody>
+      </p:sp>
+      <p:sp>
+        <p:nvSpPr>
+          <p:cNvPr id="4" name="Slide Number Placeholder 3"/>
+          <p:cNvSpPr>
+            <a:spLocks noGrp="1"/>
+          </p:cNvSpPr>
+          <p:nvPr>
+            <p:ph type="sldNum" sz="quarter" idx="10"/>
+          </p:nvPr>
+        </p:nvSpPr>
+        <p:spPr/>
+        <p:txBody>
+          <a:bodyPr/>
+          <a:lstStyle/>
+          <a:p>
+            <a:fld id="{FD2A2BEA-8C9D-497D-B359-4F5918B159B1}" type="slidenum">
+              <a:rPr lang="en-US" smtClean="0"/>
+              <a:t>25</a:t>
+            </a:fld>
+            <a:endParaRPr lang="en-US"/>
+          </a:p>
+        </p:txBody>
+      </p:sp>
+    </p:spTree>
+    <p:extLst>
+      <p:ext uri="{BB962C8B-B14F-4D97-AF65-F5344CB8AC3E}">
+        <p14:creationId xmlns:p14="http://schemas.microsoft.com/office/powerpoint/2010/main" val="2290946966"/>
+      </p:ext>
+    </p:extLst>
+  </p:cSld>
+  <p:clrMapOvr>
+    <a:masterClrMapping/>
+  </p:clrMapOvr>
+</p:notes>
+</file>
+
+<file path=ppt/notesSlides/notesSlide25.xml><?xml version="1.0" encoding="utf-8"?>
+<p:notes xmlns:a="http://schemas.openxmlformats.org/drawingml/2006/main" xmlns:r="http://schemas.openxmlformats.org/officeDocument/2006/relationships" xmlns:p="http://schemas.openxmlformats.org/presentationml/2006/main">
+  <p:cSld>
+    <p:spTree>
+      <p:nvGrpSpPr>
+        <p:cNvPr id="1" name=""/>
+        <p:cNvGrpSpPr/>
+        <p:nvPr/>
+      </p:nvGrpSpPr>
+      <p:grpSpPr>
+        <a:xfrm>
+          <a:off x="0" y="0"/>
+          <a:ext cx="0" cy="0"/>
+          <a:chOff x="0" y="0"/>
+          <a:chExt cx="0" cy="0"/>
+        </a:xfrm>
+      </p:grpSpPr>
+      <p:sp>
+        <p:nvSpPr>
+          <p:cNvPr id="2" name="Slide Image Placeholder 1"/>
+          <p:cNvSpPr>
+            <a:spLocks noGrp="1" noRot="1" noChangeAspect="1"/>
+          </p:cNvSpPr>
+          <p:nvPr>
+            <p:ph type="sldImg"/>
+          </p:nvPr>
+        </p:nvSpPr>
+        <p:spPr/>
+      </p:sp>
+      <p:sp>
+        <p:nvSpPr>
+          <p:cNvPr id="3" name="Notes Placeholder 2"/>
+          <p:cNvSpPr>
+            <a:spLocks noGrp="1"/>
+          </p:cNvSpPr>
+          <p:nvPr>
+            <p:ph type="body" idx="1"/>
+          </p:nvPr>
+        </p:nvSpPr>
+        <p:spPr/>
+        <p:txBody>
+          <a:bodyPr/>
+          <a:lstStyle/>
+          <a:p>
+            <a:r>
+              <a:rPr lang="en-US" dirty="0" smtClean="0"/>
+              <a:t>Respiratory</a:t>
+            </a:r>
+            <a:r>
+              <a:rPr lang="en-US" baseline="0" dirty="0" smtClean="0"/>
+              <a:t> System is comprised of different parts with Upper and Lower Tract.</a:t>
+            </a:r>
+            <a:endParaRPr lang="en-US" dirty="0"/>
+          </a:p>
+        </p:txBody>
+      </p:sp>
+      <p:sp>
+        <p:nvSpPr>
+          <p:cNvPr id="4" name="Slide Number Placeholder 3"/>
+          <p:cNvSpPr>
+            <a:spLocks noGrp="1"/>
+          </p:cNvSpPr>
+          <p:nvPr>
+            <p:ph type="sldNum" sz="quarter" idx="10"/>
+          </p:nvPr>
+        </p:nvSpPr>
+        <p:spPr/>
+        <p:txBody>
+          <a:bodyPr/>
+          <a:lstStyle/>
+          <a:p>
+            <a:fld id="{FD2A2BEA-8C9D-497D-B359-4F5918B159B1}" type="slidenum">
+              <a:rPr lang="en-US" smtClean="0"/>
+              <a:t>26</a:t>
+            </a:fld>
+            <a:endParaRPr lang="en-US"/>
+          </a:p>
+        </p:txBody>
+      </p:sp>
+    </p:spTree>
+    <p:extLst>
+      <p:ext uri="{BB962C8B-B14F-4D97-AF65-F5344CB8AC3E}">
+        <p14:creationId xmlns:p14="http://schemas.microsoft.com/office/powerpoint/2010/main" val="2225553985"/>
+      </p:ext>
+    </p:extLst>
+  </p:cSld>
+  <p:clrMapOvr>
+    <a:masterClrMapping/>
+  </p:clrMapOvr>
+</p:notes>
+</file>
+
+<file path=ppt/notesSlides/notesSlide26.xml><?xml version="1.0" encoding="utf-8"?>
+<p:notes xmlns:a="http://schemas.openxmlformats.org/drawingml/2006/main" xmlns:r="http://schemas.openxmlformats.org/officeDocument/2006/relationships" xmlns:p="http://schemas.openxmlformats.org/presentationml/2006/main">
+  <p:cSld>
+    <p:spTree>
+      <p:nvGrpSpPr>
+        <p:cNvPr id="1" name=""/>
+        <p:cNvGrpSpPr/>
+        <p:nvPr/>
+      </p:nvGrpSpPr>
+      <p:grpSpPr>
+        <a:xfrm>
+          <a:off x="0" y="0"/>
+          <a:ext cx="0" cy="0"/>
+          <a:chOff x="0" y="0"/>
+          <a:chExt cx="0" cy="0"/>
+        </a:xfrm>
+      </p:grpSpPr>
+      <p:sp>
+        <p:nvSpPr>
+          <p:cNvPr id="2" name="Slide Image Placeholder 1"/>
+          <p:cNvSpPr>
+            <a:spLocks noGrp="1" noRot="1" noChangeAspect="1"/>
+          </p:cNvSpPr>
+          <p:nvPr>
+            <p:ph type="sldImg"/>
+          </p:nvPr>
+        </p:nvSpPr>
+        <p:spPr/>
+      </p:sp>
+      <p:sp>
+        <p:nvSpPr>
+          <p:cNvPr id="3" name="Notes Placeholder 2"/>
+          <p:cNvSpPr>
+            <a:spLocks noGrp="1"/>
+          </p:cNvSpPr>
+          <p:nvPr>
+            <p:ph type="body" idx="1"/>
+          </p:nvPr>
+        </p:nvSpPr>
+        <p:spPr/>
+        <p:txBody>
+          <a:bodyPr/>
+          <a:lstStyle/>
+          <a:p>
+            <a:r>
+              <a:rPr lang="en-US" dirty="0" smtClean="0"/>
+              <a:t>Broadly, this system is to control</a:t>
+            </a:r>
+            <a:r>
+              <a:rPr lang="en-US" baseline="0" dirty="0" smtClean="0"/>
+              <a:t> Inspiration &amp; Expiration</a:t>
+            </a:r>
+            <a:endParaRPr lang="en-US" dirty="0"/>
+          </a:p>
+        </p:txBody>
+      </p:sp>
+      <p:sp>
+        <p:nvSpPr>
+          <p:cNvPr id="4" name="Slide Number Placeholder 3"/>
+          <p:cNvSpPr>
+            <a:spLocks noGrp="1"/>
+          </p:cNvSpPr>
+          <p:nvPr>
+            <p:ph type="sldNum" sz="quarter" idx="10"/>
+          </p:nvPr>
+        </p:nvSpPr>
+        <p:spPr/>
+        <p:txBody>
+          <a:bodyPr/>
+          <a:lstStyle/>
+          <a:p>
+            <a:fld id="{FD2A2BEA-8C9D-497D-B359-4F5918B159B1}" type="slidenum">
+              <a:rPr lang="en-US" smtClean="0"/>
+              <a:t>28</a:t>
+            </a:fld>
+            <a:endParaRPr lang="en-US"/>
+          </a:p>
+        </p:txBody>
+      </p:sp>
+    </p:spTree>
+    <p:extLst>
+      <p:ext uri="{BB962C8B-B14F-4D97-AF65-F5344CB8AC3E}">
+        <p14:creationId xmlns:p14="http://schemas.microsoft.com/office/powerpoint/2010/main" val="3493672519"/>
+      </p:ext>
+    </p:extLst>
+  </p:cSld>
+  <p:clrMapOvr>
+    <a:masterClrMapping/>
+  </p:clrMapOvr>
+</p:notes>
+</file>
+
+<file path=ppt/notesSlides/notesSlide27.xml><?xml version="1.0" encoding="utf-8"?>
+<p:notes xmlns:a="http://schemas.openxmlformats.org/drawingml/2006/main" xmlns:r="http://schemas.openxmlformats.org/officeDocument/2006/relationships" xmlns:p="http://schemas.openxmlformats.org/presentationml/2006/main">
+  <p:cSld>
+    <p:spTree>
+      <p:nvGrpSpPr>
+        <p:cNvPr id="1" name=""/>
+        <p:cNvGrpSpPr/>
+        <p:nvPr/>
+      </p:nvGrpSpPr>
+      <p:grpSpPr>
+        <a:xfrm>
+          <a:off x="0" y="0"/>
+          <a:ext cx="0" cy="0"/>
+          <a:chOff x="0" y="0"/>
+          <a:chExt cx="0" cy="0"/>
+        </a:xfrm>
+      </p:grpSpPr>
+      <p:sp>
+        <p:nvSpPr>
+          <p:cNvPr id="2" name="Slide Image Placeholder 1"/>
+          <p:cNvSpPr>
+            <a:spLocks noGrp="1" noRot="1" noChangeAspect="1"/>
+          </p:cNvSpPr>
+          <p:nvPr>
+            <p:ph type="sldImg"/>
+          </p:nvPr>
+        </p:nvSpPr>
+        <p:spPr/>
+      </p:sp>
+      <p:sp>
+        <p:nvSpPr>
+          <p:cNvPr id="3" name="Notes Placeholder 2"/>
+          <p:cNvSpPr>
+            <a:spLocks noGrp="1"/>
+          </p:cNvSpPr>
+          <p:nvPr>
+            <p:ph type="body" idx="1"/>
+          </p:nvPr>
+        </p:nvSpPr>
+        <p:spPr/>
+        <p:txBody>
+          <a:bodyPr/>
+          <a:lstStyle/>
+          <a:p>
+            <a:endParaRPr lang="en-US" dirty="0"/>
+          </a:p>
+        </p:txBody>
+      </p:sp>
+      <p:sp>
+        <p:nvSpPr>
+          <p:cNvPr id="4" name="Slide Number Placeholder 3"/>
+          <p:cNvSpPr>
+            <a:spLocks noGrp="1"/>
+          </p:cNvSpPr>
+          <p:nvPr>
+            <p:ph type="sldNum" sz="quarter" idx="10"/>
+          </p:nvPr>
+        </p:nvSpPr>
+        <p:spPr/>
+        <p:txBody>
+          <a:bodyPr/>
+          <a:lstStyle/>
+          <a:p>
+            <a:fld id="{FD2A2BEA-8C9D-497D-B359-4F5918B159B1}" type="slidenum">
+              <a:rPr lang="en-US" smtClean="0"/>
+              <a:t>29</a:t>
+            </a:fld>
+            <a:endParaRPr lang="en-US"/>
+          </a:p>
+        </p:txBody>
+      </p:sp>
+    </p:spTree>
+    <p:extLst>
+      <p:ext uri="{BB962C8B-B14F-4D97-AF65-F5344CB8AC3E}">
+        <p14:creationId xmlns:p14="http://schemas.microsoft.com/office/powerpoint/2010/main" val="2812587894"/>
+      </p:ext>
+    </p:extLst>
+  </p:cSld>
+  <p:clrMapOvr>
+    <a:masterClrMapping/>
+  </p:clrMapOvr>
+</p:notes>
+</file>
+
+<file path=ppt/notesSlides/notesSlide28.xml><?xml version="1.0" encoding="utf-8"?>
+<p:notes xmlns:a="http://schemas.openxmlformats.org/drawingml/2006/main" xmlns:r="http://schemas.openxmlformats.org/officeDocument/2006/relationships" xmlns:p="http://schemas.openxmlformats.org/presentationml/2006/main">
+  <p:cSld>
+    <p:spTree>
+      <p:nvGrpSpPr>
+        <p:cNvPr id="1" name=""/>
+        <p:cNvGrpSpPr/>
+        <p:nvPr/>
+      </p:nvGrpSpPr>
+      <p:grpSpPr>
+        <a:xfrm>
+          <a:off x="0" y="0"/>
+          <a:ext cx="0" cy="0"/>
+          <a:chOff x="0" y="0"/>
+          <a:chExt cx="0" cy="0"/>
+        </a:xfrm>
+      </p:grpSpPr>
+      <p:sp>
+        <p:nvSpPr>
+          <p:cNvPr id="2" name="Slide Image Placeholder 1"/>
+          <p:cNvSpPr>
+            <a:spLocks noGrp="1" noRot="1" noChangeAspect="1"/>
+          </p:cNvSpPr>
+          <p:nvPr>
+            <p:ph type="sldImg"/>
+          </p:nvPr>
+        </p:nvSpPr>
+        <p:spPr/>
+      </p:sp>
+      <p:sp>
+        <p:nvSpPr>
+          <p:cNvPr id="3" name="Notes Placeholder 2"/>
+          <p:cNvSpPr>
+            <a:spLocks noGrp="1"/>
+          </p:cNvSpPr>
+          <p:nvPr>
+            <p:ph type="body" idx="1"/>
+          </p:nvPr>
+        </p:nvSpPr>
+        <p:spPr/>
+        <p:txBody>
+          <a:bodyPr/>
+          <a:lstStyle/>
+          <a:p>
+            <a:r>
+              <a:rPr lang="en-US" dirty="0" smtClean="0"/>
+              <a:t>This is the </a:t>
+            </a:r>
+            <a:r>
+              <a:rPr lang="en-US" dirty="0" err="1" smtClean="0"/>
+              <a:t>diagramatic</a:t>
+            </a:r>
+            <a:r>
+              <a:rPr lang="en-US" dirty="0" smtClean="0"/>
+              <a:t> presentation to make</a:t>
+            </a:r>
+            <a:r>
+              <a:rPr lang="en-US" baseline="0" dirty="0" smtClean="0"/>
+              <a:t> understand how this system collaborates with Circulatory System to purify the blood.</a:t>
+            </a:r>
+            <a:endParaRPr lang="en-US" dirty="0"/>
+          </a:p>
+        </p:txBody>
+      </p:sp>
+      <p:sp>
+        <p:nvSpPr>
+          <p:cNvPr id="4" name="Slide Number Placeholder 3"/>
+          <p:cNvSpPr>
+            <a:spLocks noGrp="1"/>
+          </p:cNvSpPr>
+          <p:nvPr>
+            <p:ph type="sldNum" sz="quarter" idx="10"/>
+          </p:nvPr>
+        </p:nvSpPr>
+        <p:spPr/>
+        <p:txBody>
+          <a:bodyPr/>
+          <a:lstStyle/>
+          <a:p>
+            <a:fld id="{FD2A2BEA-8C9D-497D-B359-4F5918B159B1}" type="slidenum">
+              <a:rPr lang="en-US" smtClean="0"/>
+              <a:t>31</a:t>
+            </a:fld>
+            <a:endParaRPr lang="en-US"/>
+          </a:p>
+        </p:txBody>
+      </p:sp>
+    </p:spTree>
+    <p:extLst>
+      <p:ext uri="{BB962C8B-B14F-4D97-AF65-F5344CB8AC3E}">
+        <p14:creationId xmlns:p14="http://schemas.microsoft.com/office/powerpoint/2010/main" val="446011785"/>
+      </p:ext>
+    </p:extLst>
+  </p:cSld>
+  <p:clrMapOvr>
+    <a:masterClrMapping/>
+  </p:clrMapOvr>
+</p:notes>
+</file>
+
+<file path=ppt/notesSlides/notesSlide29.xml><?xml version="1.0" encoding="utf-8"?>
+<p:notes xmlns:a="http://schemas.openxmlformats.org/drawingml/2006/main" xmlns:r="http://schemas.openxmlformats.org/officeDocument/2006/relationships" xmlns:p="http://schemas.openxmlformats.org/presentationml/2006/main">
+  <p:cSld>
+    <p:spTree>
+      <p:nvGrpSpPr>
+        <p:cNvPr id="1" name=""/>
+        <p:cNvGrpSpPr/>
+        <p:nvPr/>
+      </p:nvGrpSpPr>
+      <p:grpSpPr>
+        <a:xfrm>
+          <a:off x="0" y="0"/>
+          <a:ext cx="0" cy="0"/>
+          <a:chOff x="0" y="0"/>
+          <a:chExt cx="0" cy="0"/>
+        </a:xfrm>
+      </p:grpSpPr>
+      <p:sp>
+        <p:nvSpPr>
+          <p:cNvPr id="2" name="Slide Image Placeholder 1"/>
+          <p:cNvSpPr>
+            <a:spLocks noGrp="1" noRot="1" noChangeAspect="1"/>
+          </p:cNvSpPr>
+          <p:nvPr>
+            <p:ph type="sldImg"/>
+          </p:nvPr>
+        </p:nvSpPr>
+        <p:spPr/>
+      </p:sp>
+      <p:sp>
+        <p:nvSpPr>
+          <p:cNvPr id="3" name="Notes Placeholder 2"/>
+          <p:cNvSpPr>
+            <a:spLocks noGrp="1"/>
+          </p:cNvSpPr>
+          <p:nvPr>
+            <p:ph type="body" idx="1"/>
+          </p:nvPr>
+        </p:nvSpPr>
+        <p:spPr/>
+        <p:txBody>
+          <a:bodyPr/>
+          <a:lstStyle/>
+          <a:p>
+            <a:r>
+              <a:rPr lang="en-US" dirty="0" smtClean="0"/>
+              <a:t>Circulatory is</a:t>
+            </a:r>
+            <a:r>
+              <a:rPr lang="en-US" baseline="0" dirty="0" smtClean="0"/>
+              <a:t> comprised of different parts.</a:t>
+            </a:r>
+            <a:endParaRPr lang="en-US" dirty="0"/>
+          </a:p>
+        </p:txBody>
+      </p:sp>
+      <p:sp>
+        <p:nvSpPr>
+          <p:cNvPr id="4" name="Slide Number Placeholder 3"/>
+          <p:cNvSpPr>
+            <a:spLocks noGrp="1"/>
+          </p:cNvSpPr>
+          <p:nvPr>
+            <p:ph type="sldNum" sz="quarter" idx="10"/>
+          </p:nvPr>
+        </p:nvSpPr>
+        <p:spPr/>
+        <p:txBody>
+          <a:bodyPr/>
+          <a:lstStyle/>
+          <a:p>
+            <a:fld id="{FD2A2BEA-8C9D-497D-B359-4F5918B159B1}" type="slidenum">
+              <a:rPr lang="en-US" smtClean="0"/>
+              <a:t>32</a:t>
+            </a:fld>
+            <a:endParaRPr lang="en-US"/>
+          </a:p>
+        </p:txBody>
+      </p:sp>
+    </p:spTree>
+    <p:extLst>
+      <p:ext uri="{BB962C8B-B14F-4D97-AF65-F5344CB8AC3E}">
+        <p14:creationId xmlns:p14="http://schemas.microsoft.com/office/powerpoint/2010/main" val="814276562"/>
+      </p:ext>
+    </p:extLst>
+  </p:cSld>
+  <p:clrMapOvr>
+    <a:masterClrMapping/>
+  </p:clrMapOvr>
+</p:notes>
+</file>
+
+<file path=ppt/notesSlides/notesSlide3.xml><?xml version="1.0" encoding="utf-8"?>
+<p:notes xmlns:a="http://schemas.openxmlformats.org/drawingml/2006/main" xmlns:r="http://schemas.openxmlformats.org/officeDocument/2006/relationships" xmlns:p="http://schemas.openxmlformats.org/presentationml/2006/main">
+  <p:cSld>
+    <p:spTree>
+      <p:nvGrpSpPr>
+        <p:cNvPr id="1" name=""/>
+        <p:cNvGrpSpPr/>
+        <p:nvPr/>
+      </p:nvGrpSpPr>
+      <p:grpSpPr>
+        <a:xfrm>
+          <a:off x="0" y="0"/>
+          <a:ext cx="0" cy="0"/>
+          <a:chOff x="0" y="0"/>
+          <a:chExt cx="0" cy="0"/>
+        </a:xfrm>
+      </p:grpSpPr>
+      <p:sp>
+        <p:nvSpPr>
+          <p:cNvPr id="2" name="Slide Image Placeholder 1"/>
+          <p:cNvSpPr>
+            <a:spLocks noGrp="1" noRot="1" noChangeAspect="1"/>
+          </p:cNvSpPr>
+          <p:nvPr>
+            <p:ph type="sldImg"/>
+          </p:nvPr>
+        </p:nvSpPr>
+        <p:spPr/>
+      </p:sp>
+      <p:sp>
+        <p:nvSpPr>
+          <p:cNvPr id="3" name="Notes Placeholder 2"/>
+          <p:cNvSpPr>
+            <a:spLocks noGrp="1"/>
+          </p:cNvSpPr>
+          <p:nvPr>
+            <p:ph type="body" idx="1"/>
+          </p:nvPr>
+        </p:nvSpPr>
+        <p:spPr/>
+        <p:txBody>
+          <a:bodyPr/>
+          <a:lstStyle/>
+          <a:p>
+            <a:pPr marL="0" marR="0" indent="0" algn="l" defTabSz="914400" rtl="0" eaLnBrk="1" fontAlgn="auto" latinLnBrk="0" hangingPunct="1">
+              <a:lnSpc>
+                <a:spcPct val="100000"/>
+              </a:lnSpc>
+              <a:spcBef>
+                <a:spcPts val="0"/>
+              </a:spcBef>
+              <a:spcAft>
+                <a:spcPts val="0"/>
+              </a:spcAft>
+              <a:buClrTx/>
+              <a:buSzTx/>
+              <a:buFontTx/>
+              <a:buNone/>
+              <a:tabLst/>
+              <a:defRPr/>
+            </a:pPr>
+            <a:r>
+              <a:rPr lang="en-US" dirty="0" smtClean="0"/>
+              <a:t>Cell is the basic Structural &amp; Functional Unit of Body. And the study of that is called as cytology. Now cell is the basic integral unit of human body and it does the basic required functions of body which are ,mentioned in the slide.  </a:t>
+            </a:r>
+          </a:p>
+          <a:p>
+            <a:pPr marL="0" marR="0" indent="0" algn="l" defTabSz="914400" rtl="0" eaLnBrk="1" fontAlgn="auto" latinLnBrk="0" hangingPunct="1">
+              <a:lnSpc>
+                <a:spcPct val="100000"/>
+              </a:lnSpc>
+              <a:spcBef>
+                <a:spcPts val="0"/>
+              </a:spcBef>
+              <a:spcAft>
+                <a:spcPts val="0"/>
+              </a:spcAft>
+              <a:buClrTx/>
+              <a:buSzTx/>
+              <a:buFontTx/>
+              <a:buNone/>
+              <a:tabLst/>
+              <a:defRPr/>
+            </a:pPr>
+            <a:r>
+              <a:rPr lang="en-US" dirty="0" smtClean="0"/>
+              <a:t>One of these functions , is the Metabolism which is the most important function of body which is again of 2 types. One, is breaking down and the other is forming up complex things from simpler things. These 2 process always go on to maintain</a:t>
+            </a:r>
+            <a:r>
+              <a:rPr lang="en-US" baseline="0" dirty="0" smtClean="0"/>
+              <a:t> the equilibrium in human body.</a:t>
+            </a:r>
+            <a:endParaRPr lang="en-US" dirty="0" smtClean="0"/>
+          </a:p>
+          <a:p>
+            <a:endParaRPr lang="en-US" dirty="0"/>
+          </a:p>
+        </p:txBody>
+      </p:sp>
+      <p:sp>
+        <p:nvSpPr>
+          <p:cNvPr id="4" name="Slide Number Placeholder 3"/>
+          <p:cNvSpPr>
+            <a:spLocks noGrp="1"/>
+          </p:cNvSpPr>
+          <p:nvPr>
+            <p:ph type="sldNum" sz="quarter" idx="10"/>
+          </p:nvPr>
+        </p:nvSpPr>
+        <p:spPr/>
+        <p:txBody>
+          <a:bodyPr/>
+          <a:lstStyle/>
+          <a:p>
+            <a:fld id="{FD2A2BEA-8C9D-497D-B359-4F5918B159B1}" type="slidenum">
+              <a:rPr lang="en-US" smtClean="0"/>
+              <a:t>3</a:t>
+            </a:fld>
+            <a:endParaRPr lang="en-US"/>
+          </a:p>
+        </p:txBody>
+      </p:sp>
+    </p:spTree>
+    <p:extLst>
+      <p:ext uri="{BB962C8B-B14F-4D97-AF65-F5344CB8AC3E}">
+        <p14:creationId xmlns:p14="http://schemas.microsoft.com/office/powerpoint/2010/main" val="2248086178"/>
+      </p:ext>
+    </p:extLst>
+  </p:cSld>
+  <p:clrMapOvr>
+    <a:masterClrMapping/>
+  </p:clrMapOvr>
+</p:notes>
+</file>
+
+<file path=ppt/notesSlides/notesSlide30.xml><?xml version="1.0" encoding="utf-8"?>
+<p:notes xmlns:a="http://schemas.openxmlformats.org/drawingml/2006/main" xmlns:r="http://schemas.openxmlformats.org/officeDocument/2006/relationships" xmlns:p="http://schemas.openxmlformats.org/presentationml/2006/main">
+  <p:cSld>
+    <p:spTree>
+      <p:nvGrpSpPr>
+        <p:cNvPr id="1" name=""/>
+        <p:cNvGrpSpPr/>
+        <p:nvPr/>
+      </p:nvGrpSpPr>
+      <p:grpSpPr>
+        <a:xfrm>
+          <a:off x="0" y="0"/>
+          <a:ext cx="0" cy="0"/>
+          <a:chOff x="0" y="0"/>
+          <a:chExt cx="0" cy="0"/>
+        </a:xfrm>
+      </p:grpSpPr>
+      <p:sp>
+        <p:nvSpPr>
+          <p:cNvPr id="2" name="Slide Image Placeholder 1"/>
+          <p:cNvSpPr>
+            <a:spLocks noGrp="1" noRot="1" noChangeAspect="1"/>
+          </p:cNvSpPr>
+          <p:nvPr>
+            <p:ph type="sldImg"/>
+          </p:nvPr>
+        </p:nvSpPr>
+        <p:spPr/>
+      </p:sp>
+      <p:sp>
+        <p:nvSpPr>
+          <p:cNvPr id="3" name="Notes Placeholder 2"/>
+          <p:cNvSpPr>
+            <a:spLocks noGrp="1"/>
+          </p:cNvSpPr>
+          <p:nvPr>
+            <p:ph type="body" idx="1"/>
+          </p:nvPr>
+        </p:nvSpPr>
+        <p:spPr/>
+        <p:txBody>
+          <a:bodyPr/>
+          <a:lstStyle/>
+          <a:p>
+            <a:r>
+              <a:rPr lang="en-US" dirty="0" smtClean="0"/>
+              <a:t>Blood is the main component of this system which helps to happen different</a:t>
+            </a:r>
+            <a:r>
+              <a:rPr lang="en-US" baseline="0" dirty="0" smtClean="0"/>
+              <a:t> important functions of human body.</a:t>
+            </a:r>
+            <a:endParaRPr lang="en-US" dirty="0"/>
+          </a:p>
+        </p:txBody>
+      </p:sp>
+      <p:sp>
+        <p:nvSpPr>
+          <p:cNvPr id="4" name="Slide Number Placeholder 3"/>
+          <p:cNvSpPr>
+            <a:spLocks noGrp="1"/>
+          </p:cNvSpPr>
+          <p:nvPr>
+            <p:ph type="sldNum" sz="quarter" idx="10"/>
+          </p:nvPr>
+        </p:nvSpPr>
+        <p:spPr/>
+        <p:txBody>
+          <a:bodyPr/>
+          <a:lstStyle/>
+          <a:p>
+            <a:fld id="{FD2A2BEA-8C9D-497D-B359-4F5918B159B1}" type="slidenum">
+              <a:rPr lang="en-US" smtClean="0"/>
+              <a:t>34</a:t>
+            </a:fld>
+            <a:endParaRPr lang="en-US"/>
+          </a:p>
+        </p:txBody>
+      </p:sp>
+    </p:spTree>
+    <p:extLst>
+      <p:ext uri="{BB962C8B-B14F-4D97-AF65-F5344CB8AC3E}">
+        <p14:creationId xmlns:p14="http://schemas.microsoft.com/office/powerpoint/2010/main" val="2314509518"/>
+      </p:ext>
+    </p:extLst>
+  </p:cSld>
+  <p:clrMapOvr>
+    <a:masterClrMapping/>
+  </p:clrMapOvr>
+</p:notes>
+</file>
+
+<file path=ppt/notesSlides/notesSlide31.xml><?xml version="1.0" encoding="utf-8"?>
+<p:notes xmlns:a="http://schemas.openxmlformats.org/drawingml/2006/main" xmlns:r="http://schemas.openxmlformats.org/officeDocument/2006/relationships" xmlns:p="http://schemas.openxmlformats.org/presentationml/2006/main">
+  <p:cSld>
+    <p:spTree>
+      <p:nvGrpSpPr>
+        <p:cNvPr id="1" name=""/>
+        <p:cNvGrpSpPr/>
+        <p:nvPr/>
+      </p:nvGrpSpPr>
+      <p:grpSpPr>
+        <a:xfrm>
+          <a:off x="0" y="0"/>
+          <a:ext cx="0" cy="0"/>
+          <a:chOff x="0" y="0"/>
+          <a:chExt cx="0" cy="0"/>
+        </a:xfrm>
+      </p:grpSpPr>
+      <p:sp>
+        <p:nvSpPr>
+          <p:cNvPr id="2" name="Slide Image Placeholder 1"/>
+          <p:cNvSpPr>
+            <a:spLocks noGrp="1" noRot="1" noChangeAspect="1"/>
+          </p:cNvSpPr>
+          <p:nvPr>
+            <p:ph type="sldImg"/>
+          </p:nvPr>
+        </p:nvSpPr>
+        <p:spPr/>
+      </p:sp>
+      <p:sp>
+        <p:nvSpPr>
+          <p:cNvPr id="3" name="Notes Placeholder 2"/>
+          <p:cNvSpPr>
+            <a:spLocks noGrp="1"/>
+          </p:cNvSpPr>
+          <p:nvPr>
+            <p:ph type="body" idx="1"/>
+          </p:nvPr>
+        </p:nvSpPr>
+        <p:spPr/>
+        <p:txBody>
+          <a:bodyPr/>
+          <a:lstStyle/>
+          <a:p>
+            <a:r>
+              <a:rPr lang="en-US" dirty="0" smtClean="0"/>
+              <a:t>Urinary System is</a:t>
+            </a:r>
+            <a:r>
+              <a:rPr lang="en-US" baseline="0" dirty="0" smtClean="0"/>
+              <a:t> to remove the urine </a:t>
+            </a:r>
+            <a:r>
+              <a:rPr lang="en-US" baseline="0" dirty="0" err="1" smtClean="0"/>
+              <a:t>etc</a:t>
+            </a:r>
+            <a:r>
+              <a:rPr lang="en-US" baseline="0" dirty="0" smtClean="0"/>
+              <a:t> excretory materials of body.</a:t>
+            </a:r>
+            <a:endParaRPr lang="en-US" dirty="0"/>
+          </a:p>
+        </p:txBody>
+      </p:sp>
+      <p:sp>
+        <p:nvSpPr>
+          <p:cNvPr id="4" name="Slide Number Placeholder 3"/>
+          <p:cNvSpPr>
+            <a:spLocks noGrp="1"/>
+          </p:cNvSpPr>
+          <p:nvPr>
+            <p:ph type="sldNum" sz="quarter" idx="10"/>
+          </p:nvPr>
+        </p:nvSpPr>
+        <p:spPr/>
+        <p:txBody>
+          <a:bodyPr/>
+          <a:lstStyle/>
+          <a:p>
+            <a:fld id="{FD2A2BEA-8C9D-497D-B359-4F5918B159B1}" type="slidenum">
+              <a:rPr lang="en-US" smtClean="0"/>
+              <a:t>35</a:t>
+            </a:fld>
+            <a:endParaRPr lang="en-US"/>
+          </a:p>
+        </p:txBody>
+      </p:sp>
+    </p:spTree>
+    <p:extLst>
+      <p:ext uri="{BB962C8B-B14F-4D97-AF65-F5344CB8AC3E}">
+        <p14:creationId xmlns:p14="http://schemas.microsoft.com/office/powerpoint/2010/main" val="1598870362"/>
+      </p:ext>
+    </p:extLst>
+  </p:cSld>
+  <p:clrMapOvr>
+    <a:masterClrMapping/>
+  </p:clrMapOvr>
+</p:notes>
+</file>
+
+<file path=ppt/notesSlides/notesSlide32.xml><?xml version="1.0" encoding="utf-8"?>
+<p:notes xmlns:a="http://schemas.openxmlformats.org/drawingml/2006/main" xmlns:r="http://schemas.openxmlformats.org/officeDocument/2006/relationships" xmlns:p="http://schemas.openxmlformats.org/presentationml/2006/main">
+  <p:cSld>
+    <p:spTree>
+      <p:nvGrpSpPr>
+        <p:cNvPr id="1" name=""/>
+        <p:cNvGrpSpPr/>
+        <p:nvPr/>
+      </p:nvGrpSpPr>
+      <p:grpSpPr>
+        <a:xfrm>
+          <a:off x="0" y="0"/>
+          <a:ext cx="0" cy="0"/>
+          <a:chOff x="0" y="0"/>
+          <a:chExt cx="0" cy="0"/>
+        </a:xfrm>
+      </p:grpSpPr>
+      <p:sp>
+        <p:nvSpPr>
+          <p:cNvPr id="2" name="Slide Image Placeholder 1"/>
+          <p:cNvSpPr>
+            <a:spLocks noGrp="1" noRot="1" noChangeAspect="1"/>
+          </p:cNvSpPr>
+          <p:nvPr>
+            <p:ph type="sldImg"/>
+          </p:nvPr>
+        </p:nvSpPr>
+        <p:spPr/>
+      </p:sp>
+      <p:sp>
+        <p:nvSpPr>
+          <p:cNvPr id="3" name="Notes Placeholder 2"/>
+          <p:cNvSpPr>
+            <a:spLocks noGrp="1"/>
+          </p:cNvSpPr>
+          <p:nvPr>
+            <p:ph type="body" idx="1"/>
+          </p:nvPr>
+        </p:nvSpPr>
+        <p:spPr/>
+        <p:txBody>
+          <a:bodyPr/>
+          <a:lstStyle/>
+          <a:p>
+            <a:r>
+              <a:rPr lang="en-US" dirty="0" smtClean="0"/>
+              <a:t>This system is for other</a:t>
+            </a:r>
+            <a:r>
+              <a:rPr lang="en-US" baseline="0" dirty="0" smtClean="0"/>
+              <a:t> Excretory </a:t>
+            </a:r>
+            <a:r>
+              <a:rPr lang="en-US" baseline="0" dirty="0" smtClean="0"/>
+              <a:t>Materials  </a:t>
+            </a:r>
+            <a:r>
+              <a:rPr lang="en-US" baseline="0" dirty="0" smtClean="0"/>
+              <a:t>which are classified in accordance with details mentioned in this slide.</a:t>
+            </a:r>
+            <a:endParaRPr lang="en-US" dirty="0"/>
+          </a:p>
+        </p:txBody>
+      </p:sp>
+      <p:sp>
+        <p:nvSpPr>
+          <p:cNvPr id="4" name="Slide Number Placeholder 3"/>
+          <p:cNvSpPr>
+            <a:spLocks noGrp="1"/>
+          </p:cNvSpPr>
+          <p:nvPr>
+            <p:ph type="sldNum" sz="quarter" idx="10"/>
+          </p:nvPr>
+        </p:nvSpPr>
+        <p:spPr/>
+        <p:txBody>
+          <a:bodyPr/>
+          <a:lstStyle/>
+          <a:p>
+            <a:fld id="{FD2A2BEA-8C9D-497D-B359-4F5918B159B1}" type="slidenum">
+              <a:rPr lang="en-US" smtClean="0"/>
+              <a:t>36</a:t>
+            </a:fld>
+            <a:endParaRPr lang="en-US"/>
+          </a:p>
+        </p:txBody>
+      </p:sp>
+    </p:spTree>
+    <p:extLst>
+      <p:ext uri="{BB962C8B-B14F-4D97-AF65-F5344CB8AC3E}">
+        <p14:creationId xmlns:p14="http://schemas.microsoft.com/office/powerpoint/2010/main" val="2125685524"/>
+      </p:ext>
+    </p:extLst>
+  </p:cSld>
+  <p:clrMapOvr>
+    <a:masterClrMapping/>
+  </p:clrMapOvr>
+</p:notes>
+</file>
+
+<file path=ppt/notesSlides/notesSlide33.xml><?xml version="1.0" encoding="utf-8"?>
+<p:notes xmlns:a="http://schemas.openxmlformats.org/drawingml/2006/main" xmlns:r="http://schemas.openxmlformats.org/officeDocument/2006/relationships" xmlns:p="http://schemas.openxmlformats.org/presentationml/2006/main">
+  <p:cSld>
+    <p:spTree>
+      <p:nvGrpSpPr>
+        <p:cNvPr id="1" name=""/>
+        <p:cNvGrpSpPr/>
+        <p:nvPr/>
+      </p:nvGrpSpPr>
+      <p:grpSpPr>
+        <a:xfrm>
+          <a:off x="0" y="0"/>
+          <a:ext cx="0" cy="0"/>
+          <a:chOff x="0" y="0"/>
+          <a:chExt cx="0" cy="0"/>
+        </a:xfrm>
+      </p:grpSpPr>
+      <p:sp>
+        <p:nvSpPr>
+          <p:cNvPr id="2" name="Slide Image Placeholder 1"/>
+          <p:cNvSpPr>
+            <a:spLocks noGrp="1" noRot="1" noChangeAspect="1"/>
+          </p:cNvSpPr>
+          <p:nvPr>
+            <p:ph type="sldImg"/>
+          </p:nvPr>
+        </p:nvSpPr>
+        <p:spPr/>
+      </p:sp>
+      <p:sp>
+        <p:nvSpPr>
+          <p:cNvPr id="3" name="Notes Placeholder 2"/>
+          <p:cNvSpPr>
+            <a:spLocks noGrp="1"/>
+          </p:cNvSpPr>
+          <p:nvPr>
+            <p:ph type="body" idx="1"/>
+          </p:nvPr>
+        </p:nvSpPr>
+        <p:spPr/>
+        <p:txBody>
+          <a:bodyPr/>
+          <a:lstStyle/>
+          <a:p>
+            <a:r>
+              <a:rPr lang="en-US" dirty="0" smtClean="0"/>
+              <a:t>This is how about cross-sectional diagram of human kidney.</a:t>
+            </a:r>
+            <a:endParaRPr lang="en-US" dirty="0"/>
+          </a:p>
+        </p:txBody>
+      </p:sp>
+      <p:sp>
+        <p:nvSpPr>
+          <p:cNvPr id="4" name="Slide Number Placeholder 3"/>
+          <p:cNvSpPr>
+            <a:spLocks noGrp="1"/>
+          </p:cNvSpPr>
+          <p:nvPr>
+            <p:ph type="sldNum" sz="quarter" idx="10"/>
+          </p:nvPr>
+        </p:nvSpPr>
+        <p:spPr/>
+        <p:txBody>
+          <a:bodyPr/>
+          <a:lstStyle/>
+          <a:p>
+            <a:fld id="{FD2A2BEA-8C9D-497D-B359-4F5918B159B1}" type="slidenum">
+              <a:rPr lang="en-US" smtClean="0"/>
+              <a:t>37</a:t>
+            </a:fld>
+            <a:endParaRPr lang="en-US"/>
+          </a:p>
+        </p:txBody>
+      </p:sp>
+    </p:spTree>
+    <p:extLst>
+      <p:ext uri="{BB962C8B-B14F-4D97-AF65-F5344CB8AC3E}">
+        <p14:creationId xmlns:p14="http://schemas.microsoft.com/office/powerpoint/2010/main" val="2189760642"/>
+      </p:ext>
+    </p:extLst>
+  </p:cSld>
+  <p:clrMapOvr>
+    <a:masterClrMapping/>
+  </p:clrMapOvr>
+</p:notes>
+</file>
+
+<file path=ppt/notesSlides/notesSlide34.xml><?xml version="1.0" encoding="utf-8"?>
+<p:notes xmlns:a="http://schemas.openxmlformats.org/drawingml/2006/main" xmlns:r="http://schemas.openxmlformats.org/officeDocument/2006/relationships" xmlns:p="http://schemas.openxmlformats.org/presentationml/2006/main">
+  <p:cSld>
+    <p:spTree>
+      <p:nvGrpSpPr>
+        <p:cNvPr id="1" name=""/>
+        <p:cNvGrpSpPr/>
+        <p:nvPr/>
+      </p:nvGrpSpPr>
+      <p:grpSpPr>
+        <a:xfrm>
+          <a:off x="0" y="0"/>
+          <a:ext cx="0" cy="0"/>
+          <a:chOff x="0" y="0"/>
+          <a:chExt cx="0" cy="0"/>
+        </a:xfrm>
+      </p:grpSpPr>
+      <p:sp>
+        <p:nvSpPr>
+          <p:cNvPr id="2" name="Slide Image Placeholder 1"/>
+          <p:cNvSpPr>
+            <a:spLocks noGrp="1" noRot="1" noChangeAspect="1"/>
+          </p:cNvSpPr>
+          <p:nvPr>
+            <p:ph type="sldImg"/>
+          </p:nvPr>
+        </p:nvSpPr>
+        <p:spPr/>
+      </p:sp>
+      <p:sp>
+        <p:nvSpPr>
+          <p:cNvPr id="3" name="Notes Placeholder 2"/>
+          <p:cNvSpPr>
+            <a:spLocks noGrp="1"/>
+          </p:cNvSpPr>
+          <p:nvPr>
+            <p:ph type="body" idx="1"/>
+          </p:nvPr>
+        </p:nvSpPr>
+        <p:spPr/>
+        <p:txBody>
+          <a:bodyPr/>
+          <a:lstStyle/>
+          <a:p>
+            <a:r>
+              <a:rPr lang="en-US" dirty="0" smtClean="0"/>
+              <a:t>And this all about</a:t>
+            </a:r>
+            <a:r>
+              <a:rPr lang="en-US" baseline="0" dirty="0" smtClean="0"/>
+              <a:t> Nephron connected with Collecting Tubule in yellow mark at right.</a:t>
+            </a:r>
+            <a:endParaRPr lang="en-US" dirty="0"/>
+          </a:p>
+        </p:txBody>
+      </p:sp>
+      <p:sp>
+        <p:nvSpPr>
+          <p:cNvPr id="4" name="Slide Number Placeholder 3"/>
+          <p:cNvSpPr>
+            <a:spLocks noGrp="1"/>
+          </p:cNvSpPr>
+          <p:nvPr>
+            <p:ph type="sldNum" sz="quarter" idx="10"/>
+          </p:nvPr>
+        </p:nvSpPr>
+        <p:spPr/>
+        <p:txBody>
+          <a:bodyPr/>
+          <a:lstStyle/>
+          <a:p>
+            <a:fld id="{FD2A2BEA-8C9D-497D-B359-4F5918B159B1}" type="slidenum">
+              <a:rPr lang="en-US" smtClean="0"/>
+              <a:t>38</a:t>
+            </a:fld>
+            <a:endParaRPr lang="en-US"/>
+          </a:p>
+        </p:txBody>
+      </p:sp>
+    </p:spTree>
+    <p:extLst>
+      <p:ext uri="{BB962C8B-B14F-4D97-AF65-F5344CB8AC3E}">
+        <p14:creationId xmlns:p14="http://schemas.microsoft.com/office/powerpoint/2010/main" val="1550272473"/>
+      </p:ext>
+    </p:extLst>
+  </p:cSld>
+  <p:clrMapOvr>
+    <a:masterClrMapping/>
+  </p:clrMapOvr>
+</p:notes>
+</file>
+
+<file path=ppt/notesSlides/notesSlide35.xml><?xml version="1.0" encoding="utf-8"?>
+<p:notes xmlns:a="http://schemas.openxmlformats.org/drawingml/2006/main" xmlns:r="http://schemas.openxmlformats.org/officeDocument/2006/relationships" xmlns:p="http://schemas.openxmlformats.org/presentationml/2006/main">
+  <p:cSld>
+    <p:spTree>
+      <p:nvGrpSpPr>
+        <p:cNvPr id="1" name=""/>
+        <p:cNvGrpSpPr/>
+        <p:nvPr/>
+      </p:nvGrpSpPr>
+      <p:grpSpPr>
+        <a:xfrm>
+          <a:off x="0" y="0"/>
+          <a:ext cx="0" cy="0"/>
+          <a:chOff x="0" y="0"/>
+          <a:chExt cx="0" cy="0"/>
+        </a:xfrm>
+      </p:grpSpPr>
+      <p:sp>
+        <p:nvSpPr>
+          <p:cNvPr id="2" name="Slide Image Placeholder 1"/>
+          <p:cNvSpPr>
+            <a:spLocks noGrp="1" noRot="1" noChangeAspect="1"/>
+          </p:cNvSpPr>
+          <p:nvPr>
+            <p:ph type="sldImg"/>
+          </p:nvPr>
+        </p:nvSpPr>
+        <p:spPr/>
+      </p:sp>
+      <p:sp>
+        <p:nvSpPr>
+          <p:cNvPr id="3" name="Notes Placeholder 2"/>
+          <p:cNvSpPr>
+            <a:spLocks noGrp="1"/>
+          </p:cNvSpPr>
+          <p:nvPr>
+            <p:ph type="body" idx="1"/>
+          </p:nvPr>
+        </p:nvSpPr>
+        <p:spPr/>
+        <p:txBody>
+          <a:bodyPr/>
+          <a:lstStyle/>
+          <a:p>
+            <a:r>
+              <a:rPr lang="en-US" dirty="0" smtClean="0"/>
+              <a:t>SO the function of Excretory System is to purify body from waste materials.</a:t>
+            </a:r>
+            <a:endParaRPr lang="en-US" dirty="0"/>
+          </a:p>
+        </p:txBody>
+      </p:sp>
+      <p:sp>
+        <p:nvSpPr>
+          <p:cNvPr id="4" name="Slide Number Placeholder 3"/>
+          <p:cNvSpPr>
+            <a:spLocks noGrp="1"/>
+          </p:cNvSpPr>
+          <p:nvPr>
+            <p:ph type="sldNum" sz="quarter" idx="10"/>
+          </p:nvPr>
+        </p:nvSpPr>
+        <p:spPr/>
+        <p:txBody>
+          <a:bodyPr/>
+          <a:lstStyle/>
+          <a:p>
+            <a:fld id="{FD2A2BEA-8C9D-497D-B359-4F5918B159B1}" type="slidenum">
+              <a:rPr lang="en-US" smtClean="0"/>
+              <a:t>39</a:t>
+            </a:fld>
+            <a:endParaRPr lang="en-US"/>
+          </a:p>
+        </p:txBody>
+      </p:sp>
+    </p:spTree>
+    <p:extLst>
+      <p:ext uri="{BB962C8B-B14F-4D97-AF65-F5344CB8AC3E}">
+        <p14:creationId xmlns:p14="http://schemas.microsoft.com/office/powerpoint/2010/main" val="175106528"/>
+      </p:ext>
+    </p:extLst>
+  </p:cSld>
+  <p:clrMapOvr>
+    <a:masterClrMapping/>
+  </p:clrMapOvr>
+</p:notes>
+</file>
+
+<file path=ppt/notesSlides/notesSlide36.xml><?xml version="1.0" encoding="utf-8"?>
+<p:notes xmlns:a="http://schemas.openxmlformats.org/drawingml/2006/main" xmlns:r="http://schemas.openxmlformats.org/officeDocument/2006/relationships" xmlns:p="http://schemas.openxmlformats.org/presentationml/2006/main">
+  <p:cSld>
+    <p:spTree>
+      <p:nvGrpSpPr>
+        <p:cNvPr id="1" name=""/>
+        <p:cNvGrpSpPr/>
+        <p:nvPr/>
+      </p:nvGrpSpPr>
+      <p:grpSpPr>
+        <a:xfrm>
+          <a:off x="0" y="0"/>
+          <a:ext cx="0" cy="0"/>
+          <a:chOff x="0" y="0"/>
+          <a:chExt cx="0" cy="0"/>
+        </a:xfrm>
+      </p:grpSpPr>
+      <p:sp>
+        <p:nvSpPr>
+          <p:cNvPr id="2" name="Slide Image Placeholder 1"/>
+          <p:cNvSpPr>
+            <a:spLocks noGrp="1" noRot="1" noChangeAspect="1"/>
+          </p:cNvSpPr>
+          <p:nvPr>
+            <p:ph type="sldImg"/>
+          </p:nvPr>
+        </p:nvSpPr>
+        <p:spPr/>
+      </p:sp>
+      <p:sp>
+        <p:nvSpPr>
+          <p:cNvPr id="3" name="Notes Placeholder 2"/>
+          <p:cNvSpPr>
+            <a:spLocks noGrp="1"/>
+          </p:cNvSpPr>
+          <p:nvPr>
+            <p:ph type="body" idx="1"/>
+          </p:nvPr>
+        </p:nvSpPr>
+        <p:spPr/>
+        <p:txBody>
+          <a:bodyPr/>
+          <a:lstStyle/>
+          <a:p>
+            <a:r>
+              <a:rPr lang="en-US" dirty="0" smtClean="0"/>
+              <a:t>Nervous System : the basic structural</a:t>
+            </a:r>
+            <a:r>
+              <a:rPr lang="en-US" baseline="0" dirty="0" smtClean="0"/>
+              <a:t> and functional unit is Neuron. This system is of 2 types based on Functional aspects.</a:t>
+            </a:r>
+            <a:endParaRPr lang="en-US" dirty="0"/>
+          </a:p>
+        </p:txBody>
+      </p:sp>
+      <p:sp>
+        <p:nvSpPr>
+          <p:cNvPr id="4" name="Slide Number Placeholder 3"/>
+          <p:cNvSpPr>
+            <a:spLocks noGrp="1"/>
+          </p:cNvSpPr>
+          <p:nvPr>
+            <p:ph type="sldNum" sz="quarter" idx="10"/>
+          </p:nvPr>
+        </p:nvSpPr>
+        <p:spPr/>
+        <p:txBody>
+          <a:bodyPr/>
+          <a:lstStyle/>
+          <a:p>
+            <a:fld id="{FD2A2BEA-8C9D-497D-B359-4F5918B159B1}" type="slidenum">
+              <a:rPr lang="en-US" smtClean="0"/>
+              <a:t>40</a:t>
+            </a:fld>
+            <a:endParaRPr lang="en-US"/>
+          </a:p>
+        </p:txBody>
+      </p:sp>
+    </p:spTree>
+    <p:extLst>
+      <p:ext uri="{BB962C8B-B14F-4D97-AF65-F5344CB8AC3E}">
+        <p14:creationId xmlns:p14="http://schemas.microsoft.com/office/powerpoint/2010/main" val="851909932"/>
+      </p:ext>
+    </p:extLst>
+  </p:cSld>
+  <p:clrMapOvr>
+    <a:masterClrMapping/>
+  </p:clrMapOvr>
+</p:notes>
+</file>
+
+<file path=ppt/notesSlides/notesSlide37.xml><?xml version="1.0" encoding="utf-8"?>
+<p:notes xmlns:a="http://schemas.openxmlformats.org/drawingml/2006/main" xmlns:r="http://schemas.openxmlformats.org/officeDocument/2006/relationships" xmlns:p="http://schemas.openxmlformats.org/presentationml/2006/main">
+  <p:cSld>
+    <p:spTree>
+      <p:nvGrpSpPr>
+        <p:cNvPr id="1" name=""/>
+        <p:cNvGrpSpPr/>
+        <p:nvPr/>
+      </p:nvGrpSpPr>
+      <p:grpSpPr>
+        <a:xfrm>
+          <a:off x="0" y="0"/>
+          <a:ext cx="0" cy="0"/>
+          <a:chOff x="0" y="0"/>
+          <a:chExt cx="0" cy="0"/>
+        </a:xfrm>
+      </p:grpSpPr>
+      <p:sp>
+        <p:nvSpPr>
+          <p:cNvPr id="2" name="Slide Image Placeholder 1"/>
+          <p:cNvSpPr>
+            <a:spLocks noGrp="1" noRot="1" noChangeAspect="1"/>
+          </p:cNvSpPr>
+          <p:nvPr>
+            <p:ph type="sldImg"/>
+          </p:nvPr>
+        </p:nvSpPr>
+        <p:spPr/>
+      </p:sp>
+      <p:sp>
+        <p:nvSpPr>
+          <p:cNvPr id="3" name="Notes Placeholder 2"/>
+          <p:cNvSpPr>
+            <a:spLocks noGrp="1"/>
+          </p:cNvSpPr>
+          <p:nvPr>
+            <p:ph type="body" idx="1"/>
+          </p:nvPr>
+        </p:nvSpPr>
+        <p:spPr/>
+        <p:txBody>
+          <a:bodyPr/>
+          <a:lstStyle/>
+          <a:p>
+            <a:r>
+              <a:rPr lang="en-US" dirty="0" smtClean="0"/>
+              <a:t>Lets discuss on the structure of Nervous System.</a:t>
+            </a:r>
+            <a:endParaRPr lang="en-US" dirty="0"/>
+          </a:p>
+        </p:txBody>
+      </p:sp>
+      <p:sp>
+        <p:nvSpPr>
+          <p:cNvPr id="4" name="Slide Number Placeholder 3"/>
+          <p:cNvSpPr>
+            <a:spLocks noGrp="1"/>
+          </p:cNvSpPr>
+          <p:nvPr>
+            <p:ph type="sldNum" sz="quarter" idx="10"/>
+          </p:nvPr>
+        </p:nvSpPr>
+        <p:spPr/>
+        <p:txBody>
+          <a:bodyPr/>
+          <a:lstStyle/>
+          <a:p>
+            <a:fld id="{FD2A2BEA-8C9D-497D-B359-4F5918B159B1}" type="slidenum">
+              <a:rPr lang="en-US" smtClean="0"/>
+              <a:t>41</a:t>
+            </a:fld>
+            <a:endParaRPr lang="en-US"/>
+          </a:p>
+        </p:txBody>
+      </p:sp>
+    </p:spTree>
+    <p:extLst>
+      <p:ext uri="{BB962C8B-B14F-4D97-AF65-F5344CB8AC3E}">
+        <p14:creationId xmlns:p14="http://schemas.microsoft.com/office/powerpoint/2010/main" val="899955396"/>
+      </p:ext>
+    </p:extLst>
+  </p:cSld>
+  <p:clrMapOvr>
+    <a:masterClrMapping/>
+  </p:clrMapOvr>
+</p:notes>
+</file>
+
+<file path=ppt/notesSlides/notesSlide38.xml><?xml version="1.0" encoding="utf-8"?>
+<p:notes xmlns:a="http://schemas.openxmlformats.org/drawingml/2006/main" xmlns:r="http://schemas.openxmlformats.org/officeDocument/2006/relationships" xmlns:p="http://schemas.openxmlformats.org/presentationml/2006/main">
+  <p:cSld>
+    <p:spTree>
+      <p:nvGrpSpPr>
+        <p:cNvPr id="1" name=""/>
+        <p:cNvGrpSpPr/>
+        <p:nvPr/>
+      </p:nvGrpSpPr>
+      <p:grpSpPr>
+        <a:xfrm>
+          <a:off x="0" y="0"/>
+          <a:ext cx="0" cy="0"/>
+          <a:chOff x="0" y="0"/>
+          <a:chExt cx="0" cy="0"/>
+        </a:xfrm>
+      </p:grpSpPr>
+      <p:sp>
+        <p:nvSpPr>
+          <p:cNvPr id="2" name="Slide Image Placeholder 1"/>
+          <p:cNvSpPr>
+            <a:spLocks noGrp="1" noRot="1" noChangeAspect="1"/>
+          </p:cNvSpPr>
+          <p:nvPr>
+            <p:ph type="sldImg"/>
+          </p:nvPr>
+        </p:nvSpPr>
+        <p:spPr/>
+      </p:sp>
+      <p:sp>
+        <p:nvSpPr>
+          <p:cNvPr id="3" name="Notes Placeholder 2"/>
+          <p:cNvSpPr>
+            <a:spLocks noGrp="1"/>
+          </p:cNvSpPr>
+          <p:nvPr>
+            <p:ph type="body" idx="1"/>
+          </p:nvPr>
+        </p:nvSpPr>
+        <p:spPr/>
+        <p:txBody>
+          <a:bodyPr/>
+          <a:lstStyle/>
+          <a:p>
+            <a:r>
+              <a:rPr lang="en-US" dirty="0" smtClean="0"/>
+              <a:t>Here</a:t>
+            </a:r>
+            <a:r>
+              <a:rPr lang="en-US" baseline="0" dirty="0" smtClean="0"/>
+              <a:t> the structure of Neuron can be referred.</a:t>
+            </a:r>
+            <a:endParaRPr lang="en-US" dirty="0"/>
+          </a:p>
+        </p:txBody>
+      </p:sp>
+      <p:sp>
+        <p:nvSpPr>
+          <p:cNvPr id="4" name="Slide Number Placeholder 3"/>
+          <p:cNvSpPr>
+            <a:spLocks noGrp="1"/>
+          </p:cNvSpPr>
+          <p:nvPr>
+            <p:ph type="sldNum" sz="quarter" idx="10"/>
+          </p:nvPr>
+        </p:nvSpPr>
+        <p:spPr/>
+        <p:txBody>
+          <a:bodyPr/>
+          <a:lstStyle/>
+          <a:p>
+            <a:fld id="{FD2A2BEA-8C9D-497D-B359-4F5918B159B1}" type="slidenum">
+              <a:rPr lang="en-US" smtClean="0"/>
+              <a:t>42</a:t>
+            </a:fld>
+            <a:endParaRPr lang="en-US"/>
+          </a:p>
+        </p:txBody>
+      </p:sp>
+    </p:spTree>
+    <p:extLst>
+      <p:ext uri="{BB962C8B-B14F-4D97-AF65-F5344CB8AC3E}">
+        <p14:creationId xmlns:p14="http://schemas.microsoft.com/office/powerpoint/2010/main" val="774976194"/>
+      </p:ext>
+    </p:extLst>
+  </p:cSld>
+  <p:clrMapOvr>
+    <a:masterClrMapping/>
+  </p:clrMapOvr>
+</p:notes>
+</file>
+
+<file path=ppt/notesSlides/notesSlide39.xml><?xml version="1.0" encoding="utf-8"?>
+<p:notes xmlns:a="http://schemas.openxmlformats.org/drawingml/2006/main" xmlns:r="http://schemas.openxmlformats.org/officeDocument/2006/relationships" xmlns:p="http://schemas.openxmlformats.org/presentationml/2006/main">
+  <p:cSld>
+    <p:spTree>
+      <p:nvGrpSpPr>
+        <p:cNvPr id="1" name=""/>
+        <p:cNvGrpSpPr/>
+        <p:nvPr/>
+      </p:nvGrpSpPr>
+      <p:grpSpPr>
+        <a:xfrm>
+          <a:off x="0" y="0"/>
+          <a:ext cx="0" cy="0"/>
+          <a:chOff x="0" y="0"/>
+          <a:chExt cx="0" cy="0"/>
+        </a:xfrm>
+      </p:grpSpPr>
+      <p:sp>
+        <p:nvSpPr>
+          <p:cNvPr id="2" name="Slide Image Placeholder 1"/>
+          <p:cNvSpPr>
+            <a:spLocks noGrp="1" noRot="1" noChangeAspect="1"/>
+          </p:cNvSpPr>
+          <p:nvPr>
+            <p:ph type="sldImg"/>
+          </p:nvPr>
+        </p:nvSpPr>
+        <p:spPr/>
+      </p:sp>
+      <p:sp>
+        <p:nvSpPr>
+          <p:cNvPr id="3" name="Notes Placeholder 2"/>
+          <p:cNvSpPr>
+            <a:spLocks noGrp="1"/>
+          </p:cNvSpPr>
+          <p:nvPr>
+            <p:ph type="body" idx="1"/>
+          </p:nvPr>
+        </p:nvSpPr>
+        <p:spPr/>
+        <p:txBody>
+          <a:bodyPr/>
+          <a:lstStyle/>
+          <a:p>
+            <a:r>
+              <a:rPr lang="en-US" dirty="0" smtClean="0"/>
+              <a:t>Brain is the main part of Central Nervous System and the structure is as in the</a:t>
+            </a:r>
+            <a:r>
+              <a:rPr lang="en-US" baseline="0" dirty="0" smtClean="0"/>
+              <a:t> slide.</a:t>
+            </a:r>
+            <a:endParaRPr lang="en-US" dirty="0"/>
+          </a:p>
+        </p:txBody>
+      </p:sp>
+      <p:sp>
+        <p:nvSpPr>
+          <p:cNvPr id="4" name="Slide Number Placeholder 3"/>
+          <p:cNvSpPr>
+            <a:spLocks noGrp="1"/>
+          </p:cNvSpPr>
+          <p:nvPr>
+            <p:ph type="sldNum" sz="quarter" idx="10"/>
+          </p:nvPr>
+        </p:nvSpPr>
+        <p:spPr/>
+        <p:txBody>
+          <a:bodyPr/>
+          <a:lstStyle/>
+          <a:p>
+            <a:fld id="{FD2A2BEA-8C9D-497D-B359-4F5918B159B1}" type="slidenum">
+              <a:rPr lang="en-US" smtClean="0"/>
+              <a:t>43</a:t>
+            </a:fld>
+            <a:endParaRPr lang="en-US"/>
+          </a:p>
+        </p:txBody>
+      </p:sp>
+    </p:spTree>
+    <p:extLst>
+      <p:ext uri="{BB962C8B-B14F-4D97-AF65-F5344CB8AC3E}">
+        <p14:creationId xmlns:p14="http://schemas.microsoft.com/office/powerpoint/2010/main" val="1523974819"/>
+      </p:ext>
+    </p:extLst>
+  </p:cSld>
+  <p:clrMapOvr>
+    <a:masterClrMapping/>
+  </p:clrMapOvr>
+</p:notes>
+</file>
+
+<file path=ppt/notesSlides/notesSlide4.xml><?xml version="1.0" encoding="utf-8"?>
+<p:notes xmlns:a="http://schemas.openxmlformats.org/drawingml/2006/main" xmlns:r="http://schemas.openxmlformats.org/officeDocument/2006/relationships" xmlns:p="http://schemas.openxmlformats.org/presentationml/2006/main">
+  <p:cSld>
+    <p:spTree>
+      <p:nvGrpSpPr>
+        <p:cNvPr id="1" name=""/>
+        <p:cNvGrpSpPr/>
+        <p:nvPr/>
+      </p:nvGrpSpPr>
+      <p:grpSpPr>
+        <a:xfrm>
+          <a:off x="0" y="0"/>
+          <a:ext cx="0" cy="0"/>
+          <a:chOff x="0" y="0"/>
+          <a:chExt cx="0" cy="0"/>
+        </a:xfrm>
+      </p:grpSpPr>
+      <p:sp>
+        <p:nvSpPr>
+          <p:cNvPr id="2" name="Slide Image Placeholder 1"/>
+          <p:cNvSpPr>
+            <a:spLocks noGrp="1" noRot="1" noChangeAspect="1"/>
+          </p:cNvSpPr>
+          <p:nvPr>
+            <p:ph type="sldImg"/>
+          </p:nvPr>
+        </p:nvSpPr>
+        <p:spPr/>
+      </p:sp>
+      <p:sp>
+        <p:nvSpPr>
+          <p:cNvPr id="3" name="Notes Placeholder 2"/>
+          <p:cNvSpPr>
+            <a:spLocks noGrp="1"/>
+          </p:cNvSpPr>
+          <p:nvPr>
+            <p:ph type="body" idx="1"/>
+          </p:nvPr>
+        </p:nvSpPr>
+        <p:spPr/>
+        <p:txBody>
+          <a:bodyPr/>
+          <a:lstStyle/>
+          <a:p>
+            <a:r>
+              <a:rPr lang="en-US" dirty="0" smtClean="0"/>
+              <a:t>Cell is comprised of 2 parts  : 1. Nucleus which is the brain of cell 2. Cytoplasm which is a viscous part of the cell which contains</a:t>
+            </a:r>
+            <a:r>
+              <a:rPr lang="en-US" baseline="0" dirty="0" smtClean="0"/>
+              <a:t> different organelles including Nucleus</a:t>
+            </a:r>
+            <a:endParaRPr lang="en-US" dirty="0"/>
+          </a:p>
+        </p:txBody>
+      </p:sp>
+      <p:sp>
+        <p:nvSpPr>
+          <p:cNvPr id="4" name="Slide Number Placeholder 3"/>
+          <p:cNvSpPr>
+            <a:spLocks noGrp="1"/>
+          </p:cNvSpPr>
+          <p:nvPr>
+            <p:ph type="sldNum" sz="quarter" idx="10"/>
+          </p:nvPr>
+        </p:nvSpPr>
+        <p:spPr/>
+        <p:txBody>
+          <a:bodyPr/>
+          <a:lstStyle/>
+          <a:p>
+            <a:fld id="{FD2A2BEA-8C9D-497D-B359-4F5918B159B1}" type="slidenum">
+              <a:rPr lang="en-US" smtClean="0"/>
+              <a:t>4</a:t>
+            </a:fld>
+            <a:endParaRPr lang="en-US"/>
+          </a:p>
+        </p:txBody>
+      </p:sp>
+    </p:spTree>
+    <p:extLst>
+      <p:ext uri="{BB962C8B-B14F-4D97-AF65-F5344CB8AC3E}">
+        <p14:creationId xmlns:p14="http://schemas.microsoft.com/office/powerpoint/2010/main" val="3775353599"/>
+      </p:ext>
+    </p:extLst>
+  </p:cSld>
+  <p:clrMapOvr>
+    <a:masterClrMapping/>
+  </p:clrMapOvr>
+</p:notes>
+</file>
+
+<file path=ppt/notesSlides/notesSlide40.xml><?xml version="1.0" encoding="utf-8"?>
+<p:notes xmlns:a="http://schemas.openxmlformats.org/drawingml/2006/main" xmlns:r="http://schemas.openxmlformats.org/officeDocument/2006/relationships" xmlns:p="http://schemas.openxmlformats.org/presentationml/2006/main">
+  <p:cSld>
+    <p:spTree>
+      <p:nvGrpSpPr>
+        <p:cNvPr id="1" name=""/>
+        <p:cNvGrpSpPr/>
+        <p:nvPr/>
+      </p:nvGrpSpPr>
+      <p:grpSpPr>
+        <a:xfrm>
+          <a:off x="0" y="0"/>
+          <a:ext cx="0" cy="0"/>
+          <a:chOff x="0" y="0"/>
+          <a:chExt cx="0" cy="0"/>
+        </a:xfrm>
+      </p:grpSpPr>
+      <p:sp>
+        <p:nvSpPr>
+          <p:cNvPr id="2" name="Slide Image Placeholder 1"/>
+          <p:cNvSpPr>
+            <a:spLocks noGrp="1" noRot="1" noChangeAspect="1"/>
+          </p:cNvSpPr>
+          <p:nvPr>
+            <p:ph type="sldImg"/>
+          </p:nvPr>
+        </p:nvSpPr>
+        <p:spPr/>
+      </p:sp>
+      <p:sp>
+        <p:nvSpPr>
+          <p:cNvPr id="3" name="Notes Placeholder 2"/>
+          <p:cNvSpPr>
+            <a:spLocks noGrp="1"/>
+          </p:cNvSpPr>
+          <p:nvPr>
+            <p:ph type="body" idx="1"/>
+          </p:nvPr>
+        </p:nvSpPr>
+        <p:spPr/>
+        <p:txBody>
+          <a:bodyPr/>
+          <a:lstStyle/>
+          <a:p>
+            <a:r>
+              <a:rPr lang="en-US" dirty="0" smtClean="0"/>
+              <a:t>This picture depicts the nerve distribution in the body.</a:t>
+            </a:r>
+            <a:endParaRPr lang="en-US" dirty="0"/>
+          </a:p>
+        </p:txBody>
+      </p:sp>
+      <p:sp>
+        <p:nvSpPr>
+          <p:cNvPr id="4" name="Slide Number Placeholder 3"/>
+          <p:cNvSpPr>
+            <a:spLocks noGrp="1"/>
+          </p:cNvSpPr>
+          <p:nvPr>
+            <p:ph type="sldNum" sz="quarter" idx="10"/>
+          </p:nvPr>
+        </p:nvSpPr>
+        <p:spPr/>
+        <p:txBody>
+          <a:bodyPr/>
+          <a:lstStyle/>
+          <a:p>
+            <a:fld id="{FD2A2BEA-8C9D-497D-B359-4F5918B159B1}" type="slidenum">
+              <a:rPr lang="en-US" smtClean="0"/>
+              <a:t>44</a:t>
+            </a:fld>
+            <a:endParaRPr lang="en-US"/>
+          </a:p>
+        </p:txBody>
+      </p:sp>
+    </p:spTree>
+    <p:extLst>
+      <p:ext uri="{BB962C8B-B14F-4D97-AF65-F5344CB8AC3E}">
+        <p14:creationId xmlns:p14="http://schemas.microsoft.com/office/powerpoint/2010/main" val="1962005068"/>
+      </p:ext>
+    </p:extLst>
+  </p:cSld>
+  <p:clrMapOvr>
+    <a:masterClrMapping/>
+  </p:clrMapOvr>
+</p:notes>
+</file>
+
+<file path=ppt/notesSlides/notesSlide41.xml><?xml version="1.0" encoding="utf-8"?>
+<p:notes xmlns:a="http://schemas.openxmlformats.org/drawingml/2006/main" xmlns:r="http://schemas.openxmlformats.org/officeDocument/2006/relationships" xmlns:p="http://schemas.openxmlformats.org/presentationml/2006/main">
+  <p:cSld>
+    <p:spTree>
+      <p:nvGrpSpPr>
+        <p:cNvPr id="1" name=""/>
+        <p:cNvGrpSpPr/>
+        <p:nvPr/>
+      </p:nvGrpSpPr>
+      <p:grpSpPr>
+        <a:xfrm>
+          <a:off x="0" y="0"/>
+          <a:ext cx="0" cy="0"/>
+          <a:chOff x="0" y="0"/>
+          <a:chExt cx="0" cy="0"/>
+        </a:xfrm>
+      </p:grpSpPr>
+      <p:sp>
+        <p:nvSpPr>
+          <p:cNvPr id="2" name="Slide Image Placeholder 1"/>
+          <p:cNvSpPr>
+            <a:spLocks noGrp="1" noRot="1" noChangeAspect="1"/>
+          </p:cNvSpPr>
+          <p:nvPr>
+            <p:ph type="sldImg"/>
+          </p:nvPr>
+        </p:nvSpPr>
+        <p:spPr/>
+      </p:sp>
+      <p:sp>
+        <p:nvSpPr>
+          <p:cNvPr id="3" name="Notes Placeholder 2"/>
+          <p:cNvSpPr>
+            <a:spLocks noGrp="1"/>
+          </p:cNvSpPr>
+          <p:nvPr>
+            <p:ph type="body" idx="1"/>
+          </p:nvPr>
+        </p:nvSpPr>
+        <p:spPr/>
+        <p:txBody>
+          <a:bodyPr/>
+          <a:lstStyle/>
+          <a:p>
+            <a:r>
+              <a:rPr lang="en-US" dirty="0" smtClean="0"/>
+              <a:t>Function of this system is - Maintain an equilibrium between internal and external environment of the human body through conducting impulses</a:t>
+            </a:r>
+            <a:endParaRPr lang="en-US" dirty="0"/>
+          </a:p>
+        </p:txBody>
+      </p:sp>
+      <p:sp>
+        <p:nvSpPr>
+          <p:cNvPr id="4" name="Slide Number Placeholder 3"/>
+          <p:cNvSpPr>
+            <a:spLocks noGrp="1"/>
+          </p:cNvSpPr>
+          <p:nvPr>
+            <p:ph type="sldNum" sz="quarter" idx="10"/>
+          </p:nvPr>
+        </p:nvSpPr>
+        <p:spPr/>
+        <p:txBody>
+          <a:bodyPr/>
+          <a:lstStyle/>
+          <a:p>
+            <a:fld id="{FD2A2BEA-8C9D-497D-B359-4F5918B159B1}" type="slidenum">
+              <a:rPr lang="en-US" smtClean="0"/>
+              <a:t>45</a:t>
+            </a:fld>
+            <a:endParaRPr lang="en-US"/>
+          </a:p>
+        </p:txBody>
+      </p:sp>
+    </p:spTree>
+    <p:extLst>
+      <p:ext uri="{BB962C8B-B14F-4D97-AF65-F5344CB8AC3E}">
+        <p14:creationId xmlns:p14="http://schemas.microsoft.com/office/powerpoint/2010/main" val="1414115843"/>
+      </p:ext>
+    </p:extLst>
+  </p:cSld>
+  <p:clrMapOvr>
+    <a:masterClrMapping/>
+  </p:clrMapOvr>
+</p:notes>
+</file>
+
+<file path=ppt/notesSlides/notesSlide42.xml><?xml version="1.0" encoding="utf-8"?>
+<p:notes xmlns:a="http://schemas.openxmlformats.org/drawingml/2006/main" xmlns:r="http://schemas.openxmlformats.org/officeDocument/2006/relationships" xmlns:p="http://schemas.openxmlformats.org/presentationml/2006/main">
+  <p:cSld>
+    <p:spTree>
+      <p:nvGrpSpPr>
+        <p:cNvPr id="1" name=""/>
+        <p:cNvGrpSpPr/>
+        <p:nvPr/>
+      </p:nvGrpSpPr>
+      <p:grpSpPr>
+        <a:xfrm>
+          <a:off x="0" y="0"/>
+          <a:ext cx="0" cy="0"/>
+          <a:chOff x="0" y="0"/>
+          <a:chExt cx="0" cy="0"/>
+        </a:xfrm>
+      </p:grpSpPr>
+      <p:sp>
+        <p:nvSpPr>
+          <p:cNvPr id="2" name="Slide Image Placeholder 1"/>
+          <p:cNvSpPr>
+            <a:spLocks noGrp="1" noRot="1" noChangeAspect="1"/>
+          </p:cNvSpPr>
+          <p:nvPr>
+            <p:ph type="sldImg"/>
+          </p:nvPr>
+        </p:nvSpPr>
+        <p:spPr/>
+      </p:sp>
+      <p:sp>
+        <p:nvSpPr>
+          <p:cNvPr id="3" name="Notes Placeholder 2"/>
+          <p:cNvSpPr>
+            <a:spLocks noGrp="1"/>
+          </p:cNvSpPr>
+          <p:nvPr>
+            <p:ph type="body" idx="1"/>
+          </p:nvPr>
+        </p:nvSpPr>
+        <p:spPr/>
+        <p:txBody>
+          <a:bodyPr/>
+          <a:lstStyle/>
+          <a:p>
+            <a:r>
+              <a:rPr lang="en-US" dirty="0" smtClean="0"/>
+              <a:t>Function of this system</a:t>
+            </a:r>
+            <a:r>
+              <a:rPr lang="en-US" baseline="0" dirty="0" smtClean="0"/>
+              <a:t> is to provide the basic structure of human body.</a:t>
+            </a:r>
+            <a:endParaRPr lang="en-US" dirty="0"/>
+          </a:p>
+        </p:txBody>
+      </p:sp>
+      <p:sp>
+        <p:nvSpPr>
+          <p:cNvPr id="4" name="Slide Number Placeholder 3"/>
+          <p:cNvSpPr>
+            <a:spLocks noGrp="1"/>
+          </p:cNvSpPr>
+          <p:nvPr>
+            <p:ph type="sldNum" sz="quarter" idx="10"/>
+          </p:nvPr>
+        </p:nvSpPr>
+        <p:spPr/>
+        <p:txBody>
+          <a:bodyPr/>
+          <a:lstStyle/>
+          <a:p>
+            <a:fld id="{FD2A2BEA-8C9D-497D-B359-4F5918B159B1}" type="slidenum">
+              <a:rPr lang="en-US" smtClean="0"/>
+              <a:t>46</a:t>
+            </a:fld>
+            <a:endParaRPr lang="en-US"/>
+          </a:p>
+        </p:txBody>
+      </p:sp>
+    </p:spTree>
+    <p:extLst>
+      <p:ext uri="{BB962C8B-B14F-4D97-AF65-F5344CB8AC3E}">
+        <p14:creationId xmlns:p14="http://schemas.microsoft.com/office/powerpoint/2010/main" val="3879988005"/>
+      </p:ext>
+    </p:extLst>
+  </p:cSld>
+  <p:clrMapOvr>
+    <a:masterClrMapping/>
+  </p:clrMapOvr>
+</p:notes>
+</file>
+
+<file path=ppt/notesSlides/notesSlide43.xml><?xml version="1.0" encoding="utf-8"?>
+<p:notes xmlns:a="http://schemas.openxmlformats.org/drawingml/2006/main" xmlns:r="http://schemas.openxmlformats.org/officeDocument/2006/relationships" xmlns:p="http://schemas.openxmlformats.org/presentationml/2006/main">
+  <p:cSld>
+    <p:spTree>
+      <p:nvGrpSpPr>
+        <p:cNvPr id="1" name=""/>
+        <p:cNvGrpSpPr/>
+        <p:nvPr/>
+      </p:nvGrpSpPr>
+      <p:grpSpPr>
+        <a:xfrm>
+          <a:off x="0" y="0"/>
+          <a:ext cx="0" cy="0"/>
+          <a:chOff x="0" y="0"/>
+          <a:chExt cx="0" cy="0"/>
+        </a:xfrm>
+      </p:grpSpPr>
+      <p:sp>
+        <p:nvSpPr>
+          <p:cNvPr id="2" name="Slide Image Placeholder 1"/>
+          <p:cNvSpPr>
+            <a:spLocks noGrp="1" noRot="1" noChangeAspect="1"/>
+          </p:cNvSpPr>
+          <p:nvPr>
+            <p:ph type="sldImg"/>
+          </p:nvPr>
+        </p:nvSpPr>
+        <p:spPr/>
+      </p:sp>
+      <p:sp>
+        <p:nvSpPr>
+          <p:cNvPr id="3" name="Notes Placeholder 2"/>
+          <p:cNvSpPr>
+            <a:spLocks noGrp="1"/>
+          </p:cNvSpPr>
+          <p:nvPr>
+            <p:ph type="body" idx="1"/>
+          </p:nvPr>
+        </p:nvSpPr>
+        <p:spPr/>
+        <p:txBody>
+          <a:bodyPr/>
+          <a:lstStyle/>
+          <a:p>
+            <a:r>
+              <a:rPr lang="en-US" dirty="0" smtClean="0"/>
+              <a:t>This slide</a:t>
+            </a:r>
+            <a:r>
+              <a:rPr lang="en-US" baseline="0" dirty="0" smtClean="0"/>
+              <a:t> refers the muscles of human body in detail.</a:t>
+            </a:r>
+            <a:endParaRPr lang="en-US" dirty="0"/>
+          </a:p>
+        </p:txBody>
+      </p:sp>
+      <p:sp>
+        <p:nvSpPr>
+          <p:cNvPr id="4" name="Slide Number Placeholder 3"/>
+          <p:cNvSpPr>
+            <a:spLocks noGrp="1"/>
+          </p:cNvSpPr>
+          <p:nvPr>
+            <p:ph type="sldNum" sz="quarter" idx="10"/>
+          </p:nvPr>
+        </p:nvSpPr>
+        <p:spPr/>
+        <p:txBody>
+          <a:bodyPr/>
+          <a:lstStyle/>
+          <a:p>
+            <a:fld id="{FD2A2BEA-8C9D-497D-B359-4F5918B159B1}" type="slidenum">
+              <a:rPr lang="en-US" smtClean="0"/>
+              <a:t>47</a:t>
+            </a:fld>
+            <a:endParaRPr lang="en-US"/>
+          </a:p>
+        </p:txBody>
+      </p:sp>
+    </p:spTree>
+    <p:extLst>
+      <p:ext uri="{BB962C8B-B14F-4D97-AF65-F5344CB8AC3E}">
+        <p14:creationId xmlns:p14="http://schemas.microsoft.com/office/powerpoint/2010/main" val="2364954211"/>
+      </p:ext>
+    </p:extLst>
+  </p:cSld>
+  <p:clrMapOvr>
+    <a:masterClrMapping/>
+  </p:clrMapOvr>
+</p:notes>
+</file>
+
+<file path=ppt/notesSlides/notesSlide44.xml><?xml version="1.0" encoding="utf-8"?>
+<p:notes xmlns:a="http://schemas.openxmlformats.org/drawingml/2006/main" xmlns:r="http://schemas.openxmlformats.org/officeDocument/2006/relationships" xmlns:p="http://schemas.openxmlformats.org/presentationml/2006/main">
+  <p:cSld>
+    <p:spTree>
+      <p:nvGrpSpPr>
+        <p:cNvPr id="1" name=""/>
+        <p:cNvGrpSpPr/>
+        <p:nvPr/>
+      </p:nvGrpSpPr>
+      <p:grpSpPr>
+        <a:xfrm>
+          <a:off x="0" y="0"/>
+          <a:ext cx="0" cy="0"/>
+          <a:chOff x="0" y="0"/>
+          <a:chExt cx="0" cy="0"/>
+        </a:xfrm>
+      </p:grpSpPr>
+      <p:sp>
+        <p:nvSpPr>
+          <p:cNvPr id="2" name="Slide Image Placeholder 1"/>
+          <p:cNvSpPr>
+            <a:spLocks noGrp="1" noRot="1" noChangeAspect="1"/>
+          </p:cNvSpPr>
+          <p:nvPr>
+            <p:ph type="sldImg"/>
+          </p:nvPr>
+        </p:nvSpPr>
+        <p:spPr/>
+      </p:sp>
+      <p:sp>
+        <p:nvSpPr>
+          <p:cNvPr id="3" name="Notes Placeholder 2"/>
+          <p:cNvSpPr>
+            <a:spLocks noGrp="1"/>
+          </p:cNvSpPr>
+          <p:nvPr>
+            <p:ph type="body" idx="1"/>
+          </p:nvPr>
+        </p:nvSpPr>
+        <p:spPr/>
+        <p:txBody>
+          <a:bodyPr/>
+          <a:lstStyle/>
+          <a:p>
+            <a:r>
+              <a:rPr lang="en-US" dirty="0" smtClean="0"/>
+              <a:t>And</a:t>
+            </a:r>
+            <a:r>
+              <a:rPr lang="en-US" baseline="0" dirty="0" smtClean="0"/>
+              <a:t> this is all about the bones </a:t>
+            </a:r>
+            <a:r>
+              <a:rPr lang="en-US" baseline="0" dirty="0" err="1" smtClean="0"/>
+              <a:t>i.e</a:t>
+            </a:r>
+            <a:r>
+              <a:rPr lang="en-US" baseline="0" dirty="0" smtClean="0"/>
+              <a:t> the parts of human skeletal system.</a:t>
+            </a:r>
+            <a:endParaRPr lang="en-US" dirty="0"/>
+          </a:p>
+        </p:txBody>
+      </p:sp>
+      <p:sp>
+        <p:nvSpPr>
+          <p:cNvPr id="4" name="Slide Number Placeholder 3"/>
+          <p:cNvSpPr>
+            <a:spLocks noGrp="1"/>
+          </p:cNvSpPr>
+          <p:nvPr>
+            <p:ph type="sldNum" sz="quarter" idx="10"/>
+          </p:nvPr>
+        </p:nvSpPr>
+        <p:spPr/>
+        <p:txBody>
+          <a:bodyPr/>
+          <a:lstStyle/>
+          <a:p>
+            <a:fld id="{FD2A2BEA-8C9D-497D-B359-4F5918B159B1}" type="slidenum">
+              <a:rPr lang="en-US" smtClean="0"/>
+              <a:t>48</a:t>
+            </a:fld>
+            <a:endParaRPr lang="en-US"/>
+          </a:p>
+        </p:txBody>
+      </p:sp>
+    </p:spTree>
+    <p:extLst>
+      <p:ext uri="{BB962C8B-B14F-4D97-AF65-F5344CB8AC3E}">
+        <p14:creationId xmlns:p14="http://schemas.microsoft.com/office/powerpoint/2010/main" val="4040752331"/>
+      </p:ext>
+    </p:extLst>
+  </p:cSld>
+  <p:clrMapOvr>
+    <a:masterClrMapping/>
+  </p:clrMapOvr>
+</p:notes>
+</file>
+
+<file path=ppt/notesSlides/notesSlide45.xml><?xml version="1.0" encoding="utf-8"?>
+<p:notes xmlns:a="http://schemas.openxmlformats.org/drawingml/2006/main" xmlns:r="http://schemas.openxmlformats.org/officeDocument/2006/relationships" xmlns:p="http://schemas.openxmlformats.org/presentationml/2006/main">
+  <p:cSld>
+    <p:spTree>
+      <p:nvGrpSpPr>
+        <p:cNvPr id="1" name=""/>
+        <p:cNvGrpSpPr/>
+        <p:nvPr/>
+      </p:nvGrpSpPr>
+      <p:grpSpPr>
+        <a:xfrm>
+          <a:off x="0" y="0"/>
+          <a:ext cx="0" cy="0"/>
+          <a:chOff x="0" y="0"/>
+          <a:chExt cx="0" cy="0"/>
+        </a:xfrm>
+      </p:grpSpPr>
+      <p:sp>
+        <p:nvSpPr>
+          <p:cNvPr id="2" name="Slide Image Placeholder 1"/>
+          <p:cNvSpPr>
+            <a:spLocks noGrp="1" noRot="1" noChangeAspect="1"/>
+          </p:cNvSpPr>
+          <p:nvPr>
+            <p:ph type="sldImg"/>
+          </p:nvPr>
+        </p:nvSpPr>
+        <p:spPr/>
+      </p:sp>
+      <p:sp>
+        <p:nvSpPr>
+          <p:cNvPr id="3" name="Notes Placeholder 2"/>
+          <p:cNvSpPr>
+            <a:spLocks noGrp="1"/>
+          </p:cNvSpPr>
+          <p:nvPr>
+            <p:ph type="body" idx="1"/>
+          </p:nvPr>
+        </p:nvSpPr>
+        <p:spPr/>
+        <p:txBody>
+          <a:bodyPr/>
+          <a:lstStyle/>
+          <a:p>
+            <a:r>
+              <a:rPr lang="en-US" dirty="0" smtClean="0"/>
+              <a:t>Now, </a:t>
+            </a:r>
+            <a:r>
+              <a:rPr lang="en-US" dirty="0" err="1" smtClean="0"/>
+              <a:t>Musculo</a:t>
+            </a:r>
+            <a:r>
+              <a:rPr lang="en-US" dirty="0" smtClean="0"/>
+              <a:t>-skeletal System offers 5 functions mentioned in this slide.</a:t>
+            </a:r>
+            <a:endParaRPr lang="en-US" dirty="0"/>
+          </a:p>
+        </p:txBody>
+      </p:sp>
+      <p:sp>
+        <p:nvSpPr>
+          <p:cNvPr id="4" name="Slide Number Placeholder 3"/>
+          <p:cNvSpPr>
+            <a:spLocks noGrp="1"/>
+          </p:cNvSpPr>
+          <p:nvPr>
+            <p:ph type="sldNum" sz="quarter" idx="10"/>
+          </p:nvPr>
+        </p:nvSpPr>
+        <p:spPr/>
+        <p:txBody>
+          <a:bodyPr/>
+          <a:lstStyle/>
+          <a:p>
+            <a:fld id="{FD2A2BEA-8C9D-497D-B359-4F5918B159B1}" type="slidenum">
+              <a:rPr lang="en-US" smtClean="0"/>
+              <a:t>49</a:t>
+            </a:fld>
+            <a:endParaRPr lang="en-US"/>
+          </a:p>
+        </p:txBody>
+      </p:sp>
+    </p:spTree>
+    <p:extLst>
+      <p:ext uri="{BB962C8B-B14F-4D97-AF65-F5344CB8AC3E}">
+        <p14:creationId xmlns:p14="http://schemas.microsoft.com/office/powerpoint/2010/main" val="1796531764"/>
+      </p:ext>
+    </p:extLst>
+  </p:cSld>
+  <p:clrMapOvr>
+    <a:masterClrMapping/>
+  </p:clrMapOvr>
+</p:notes>
+</file>
+
+<file path=ppt/notesSlides/notesSlide46.xml><?xml version="1.0" encoding="utf-8"?>
+<p:notes xmlns:a="http://schemas.openxmlformats.org/drawingml/2006/main" xmlns:r="http://schemas.openxmlformats.org/officeDocument/2006/relationships" xmlns:p="http://schemas.openxmlformats.org/presentationml/2006/main">
+  <p:cSld>
+    <p:spTree>
+      <p:nvGrpSpPr>
+        <p:cNvPr id="1" name=""/>
+        <p:cNvGrpSpPr/>
+        <p:nvPr/>
+      </p:nvGrpSpPr>
+      <p:grpSpPr>
+        <a:xfrm>
+          <a:off x="0" y="0"/>
+          <a:ext cx="0" cy="0"/>
+          <a:chOff x="0" y="0"/>
+          <a:chExt cx="0" cy="0"/>
+        </a:xfrm>
+      </p:grpSpPr>
+      <p:sp>
+        <p:nvSpPr>
+          <p:cNvPr id="2" name="Slide Image Placeholder 1"/>
+          <p:cNvSpPr>
+            <a:spLocks noGrp="1" noRot="1" noChangeAspect="1"/>
+          </p:cNvSpPr>
+          <p:nvPr>
+            <p:ph type="sldImg"/>
+          </p:nvPr>
+        </p:nvSpPr>
+        <p:spPr/>
+      </p:sp>
+      <p:sp>
+        <p:nvSpPr>
+          <p:cNvPr id="3" name="Notes Placeholder 2"/>
+          <p:cNvSpPr>
+            <a:spLocks noGrp="1"/>
+          </p:cNvSpPr>
+          <p:nvPr>
+            <p:ph type="body" idx="1"/>
+          </p:nvPr>
+        </p:nvSpPr>
+        <p:spPr/>
+        <p:txBody>
+          <a:bodyPr/>
+          <a:lstStyle/>
+          <a:p>
+            <a:r>
+              <a:rPr lang="en-US" dirty="0" smtClean="0"/>
+              <a:t>Reproductive System helps</a:t>
+            </a:r>
+            <a:r>
+              <a:rPr lang="en-US" baseline="0" dirty="0" smtClean="0"/>
+              <a:t> to maintain the </a:t>
+            </a:r>
+            <a:r>
+              <a:rPr lang="en-US" baseline="0" dirty="0" err="1" smtClean="0"/>
+              <a:t>genration</a:t>
+            </a:r>
+            <a:r>
+              <a:rPr lang="en-US" baseline="0" dirty="0" smtClean="0"/>
+              <a:t> and are of 2 types. Male &amp; Female. Now these are of different parts. </a:t>
+            </a:r>
+            <a:endParaRPr lang="en-US" dirty="0"/>
+          </a:p>
+        </p:txBody>
+      </p:sp>
+      <p:sp>
+        <p:nvSpPr>
+          <p:cNvPr id="4" name="Slide Number Placeholder 3"/>
+          <p:cNvSpPr>
+            <a:spLocks noGrp="1"/>
+          </p:cNvSpPr>
+          <p:nvPr>
+            <p:ph type="sldNum" sz="quarter" idx="10"/>
+          </p:nvPr>
+        </p:nvSpPr>
+        <p:spPr/>
+        <p:txBody>
+          <a:bodyPr/>
+          <a:lstStyle/>
+          <a:p>
+            <a:fld id="{FD2A2BEA-8C9D-497D-B359-4F5918B159B1}" type="slidenum">
+              <a:rPr lang="en-US" smtClean="0"/>
+              <a:t>50</a:t>
+            </a:fld>
+            <a:endParaRPr lang="en-US"/>
+          </a:p>
+        </p:txBody>
+      </p:sp>
+    </p:spTree>
+    <p:extLst>
+      <p:ext uri="{BB962C8B-B14F-4D97-AF65-F5344CB8AC3E}">
+        <p14:creationId xmlns:p14="http://schemas.microsoft.com/office/powerpoint/2010/main" val="4068339278"/>
+      </p:ext>
+    </p:extLst>
+  </p:cSld>
+  <p:clrMapOvr>
+    <a:masterClrMapping/>
+  </p:clrMapOvr>
+</p:notes>
+</file>
+
+<file path=ppt/notesSlides/notesSlide47.xml><?xml version="1.0" encoding="utf-8"?>
+<p:notes xmlns:a="http://schemas.openxmlformats.org/drawingml/2006/main" xmlns:r="http://schemas.openxmlformats.org/officeDocument/2006/relationships" xmlns:p="http://schemas.openxmlformats.org/presentationml/2006/main">
+  <p:cSld>
+    <p:spTree>
+      <p:nvGrpSpPr>
+        <p:cNvPr id="1" name=""/>
+        <p:cNvGrpSpPr/>
+        <p:nvPr/>
+      </p:nvGrpSpPr>
+      <p:grpSpPr>
+        <a:xfrm>
+          <a:off x="0" y="0"/>
+          <a:ext cx="0" cy="0"/>
+          <a:chOff x="0" y="0"/>
+          <a:chExt cx="0" cy="0"/>
+        </a:xfrm>
+      </p:grpSpPr>
+      <p:sp>
+        <p:nvSpPr>
+          <p:cNvPr id="2" name="Slide Image Placeholder 1"/>
+          <p:cNvSpPr>
+            <a:spLocks noGrp="1" noRot="1" noChangeAspect="1"/>
+          </p:cNvSpPr>
+          <p:nvPr>
+            <p:ph type="sldImg"/>
+          </p:nvPr>
+        </p:nvSpPr>
+        <p:spPr/>
+      </p:sp>
+      <p:sp>
+        <p:nvSpPr>
+          <p:cNvPr id="3" name="Notes Placeholder 2"/>
+          <p:cNvSpPr>
+            <a:spLocks noGrp="1"/>
+          </p:cNvSpPr>
+          <p:nvPr>
+            <p:ph type="body" idx="1"/>
+          </p:nvPr>
+        </p:nvSpPr>
+        <p:spPr/>
+        <p:txBody>
+          <a:bodyPr/>
+          <a:lstStyle/>
+          <a:p>
+            <a:r>
+              <a:rPr lang="en-US" dirty="0" smtClean="0"/>
+              <a:t>This is Male-Reproductive System.</a:t>
+            </a:r>
+          </a:p>
+        </p:txBody>
+      </p:sp>
+      <p:sp>
+        <p:nvSpPr>
+          <p:cNvPr id="4" name="Slide Number Placeholder 3"/>
+          <p:cNvSpPr>
+            <a:spLocks noGrp="1"/>
+          </p:cNvSpPr>
+          <p:nvPr>
+            <p:ph type="sldNum" sz="quarter" idx="10"/>
+          </p:nvPr>
+        </p:nvSpPr>
+        <p:spPr/>
+        <p:txBody>
+          <a:bodyPr/>
+          <a:lstStyle/>
+          <a:p>
+            <a:fld id="{FD2A2BEA-8C9D-497D-B359-4F5918B159B1}" type="slidenum">
+              <a:rPr lang="en-US" smtClean="0"/>
+              <a:t>51</a:t>
+            </a:fld>
+            <a:endParaRPr lang="en-US"/>
+          </a:p>
+        </p:txBody>
+      </p:sp>
+    </p:spTree>
+    <p:extLst>
+      <p:ext uri="{BB962C8B-B14F-4D97-AF65-F5344CB8AC3E}">
+        <p14:creationId xmlns:p14="http://schemas.microsoft.com/office/powerpoint/2010/main" val="759250864"/>
+      </p:ext>
+    </p:extLst>
+  </p:cSld>
+  <p:clrMapOvr>
+    <a:masterClrMapping/>
+  </p:clrMapOvr>
+</p:notes>
+</file>
+
+<file path=ppt/notesSlides/notesSlide48.xml><?xml version="1.0" encoding="utf-8"?>
+<p:notes xmlns:a="http://schemas.openxmlformats.org/drawingml/2006/main" xmlns:r="http://schemas.openxmlformats.org/officeDocument/2006/relationships" xmlns:p="http://schemas.openxmlformats.org/presentationml/2006/main">
+  <p:cSld>
+    <p:spTree>
+      <p:nvGrpSpPr>
+        <p:cNvPr id="1" name=""/>
+        <p:cNvGrpSpPr/>
+        <p:nvPr/>
+      </p:nvGrpSpPr>
+      <p:grpSpPr>
+        <a:xfrm>
+          <a:off x="0" y="0"/>
+          <a:ext cx="0" cy="0"/>
+          <a:chOff x="0" y="0"/>
+          <a:chExt cx="0" cy="0"/>
+        </a:xfrm>
+      </p:grpSpPr>
+      <p:sp>
+        <p:nvSpPr>
+          <p:cNvPr id="2" name="Slide Image Placeholder 1"/>
+          <p:cNvSpPr>
+            <a:spLocks noGrp="1" noRot="1" noChangeAspect="1"/>
+          </p:cNvSpPr>
+          <p:nvPr>
+            <p:ph type="sldImg"/>
+          </p:nvPr>
+        </p:nvSpPr>
+        <p:spPr/>
+      </p:sp>
+      <p:sp>
+        <p:nvSpPr>
+          <p:cNvPr id="3" name="Notes Placeholder 2"/>
+          <p:cNvSpPr>
+            <a:spLocks noGrp="1"/>
+          </p:cNvSpPr>
+          <p:nvPr>
+            <p:ph type="body" idx="1"/>
+          </p:nvPr>
+        </p:nvSpPr>
+        <p:spPr/>
+        <p:txBody>
+          <a:bodyPr/>
+          <a:lstStyle/>
+          <a:p>
+            <a:r>
+              <a:rPr lang="en-US" dirty="0" smtClean="0"/>
+              <a:t>Whereas, this is</a:t>
+            </a:r>
+            <a:r>
+              <a:rPr lang="en-US" baseline="0" dirty="0" smtClean="0"/>
+              <a:t> Female Reproductive System.</a:t>
+            </a:r>
+            <a:endParaRPr lang="en-US" dirty="0"/>
+          </a:p>
+        </p:txBody>
+      </p:sp>
+      <p:sp>
+        <p:nvSpPr>
+          <p:cNvPr id="4" name="Slide Number Placeholder 3"/>
+          <p:cNvSpPr>
+            <a:spLocks noGrp="1"/>
+          </p:cNvSpPr>
+          <p:nvPr>
+            <p:ph type="sldNum" sz="quarter" idx="10"/>
+          </p:nvPr>
+        </p:nvSpPr>
+        <p:spPr/>
+        <p:txBody>
+          <a:bodyPr/>
+          <a:lstStyle/>
+          <a:p>
+            <a:fld id="{FD2A2BEA-8C9D-497D-B359-4F5918B159B1}" type="slidenum">
+              <a:rPr lang="en-US" smtClean="0"/>
+              <a:t>52</a:t>
+            </a:fld>
+            <a:endParaRPr lang="en-US"/>
+          </a:p>
+        </p:txBody>
+      </p:sp>
+    </p:spTree>
+    <p:extLst>
+      <p:ext uri="{BB962C8B-B14F-4D97-AF65-F5344CB8AC3E}">
+        <p14:creationId xmlns:p14="http://schemas.microsoft.com/office/powerpoint/2010/main" val="4054588211"/>
+      </p:ext>
+    </p:extLst>
+  </p:cSld>
+  <p:clrMapOvr>
+    <a:masterClrMapping/>
+  </p:clrMapOvr>
+</p:notes>
+</file>
+
+<file path=ppt/notesSlides/notesSlide49.xml><?xml version="1.0" encoding="utf-8"?>
+<p:notes xmlns:a="http://schemas.openxmlformats.org/drawingml/2006/main" xmlns:r="http://schemas.openxmlformats.org/officeDocument/2006/relationships" xmlns:p="http://schemas.openxmlformats.org/presentationml/2006/main">
+  <p:cSld>
+    <p:spTree>
+      <p:nvGrpSpPr>
+        <p:cNvPr id="1" name=""/>
+        <p:cNvGrpSpPr/>
+        <p:nvPr/>
+      </p:nvGrpSpPr>
+      <p:grpSpPr>
+        <a:xfrm>
+          <a:off x="0" y="0"/>
+          <a:ext cx="0" cy="0"/>
+          <a:chOff x="0" y="0"/>
+          <a:chExt cx="0" cy="0"/>
+        </a:xfrm>
+      </p:grpSpPr>
+      <p:sp>
+        <p:nvSpPr>
+          <p:cNvPr id="2" name="Slide Image Placeholder 1"/>
+          <p:cNvSpPr>
+            <a:spLocks noGrp="1" noRot="1" noChangeAspect="1"/>
+          </p:cNvSpPr>
+          <p:nvPr>
+            <p:ph type="sldImg"/>
+          </p:nvPr>
+        </p:nvSpPr>
+        <p:spPr/>
+      </p:sp>
+      <p:sp>
+        <p:nvSpPr>
+          <p:cNvPr id="3" name="Notes Placeholder 2"/>
+          <p:cNvSpPr>
+            <a:spLocks noGrp="1"/>
+          </p:cNvSpPr>
+          <p:nvPr>
+            <p:ph type="body" idx="1"/>
+          </p:nvPr>
+        </p:nvSpPr>
+        <p:spPr/>
+        <p:txBody>
+          <a:bodyPr/>
+          <a:lstStyle/>
+          <a:p>
+            <a:r>
+              <a:rPr lang="en-US" dirty="0" smtClean="0"/>
+              <a:t>Role of Reproductive System is to Reproduce and maintain the progeny of the species.</a:t>
+            </a:r>
+            <a:endParaRPr lang="en-US" dirty="0"/>
+          </a:p>
+        </p:txBody>
+      </p:sp>
+      <p:sp>
+        <p:nvSpPr>
+          <p:cNvPr id="4" name="Slide Number Placeholder 3"/>
+          <p:cNvSpPr>
+            <a:spLocks noGrp="1"/>
+          </p:cNvSpPr>
+          <p:nvPr>
+            <p:ph type="sldNum" sz="quarter" idx="10"/>
+          </p:nvPr>
+        </p:nvSpPr>
+        <p:spPr/>
+        <p:txBody>
+          <a:bodyPr/>
+          <a:lstStyle/>
+          <a:p>
+            <a:fld id="{FD2A2BEA-8C9D-497D-B359-4F5918B159B1}" type="slidenum">
+              <a:rPr lang="en-US" smtClean="0"/>
+              <a:t>53</a:t>
+            </a:fld>
+            <a:endParaRPr lang="en-US"/>
+          </a:p>
+        </p:txBody>
+      </p:sp>
+    </p:spTree>
+    <p:extLst>
+      <p:ext uri="{BB962C8B-B14F-4D97-AF65-F5344CB8AC3E}">
+        <p14:creationId xmlns:p14="http://schemas.microsoft.com/office/powerpoint/2010/main" val="3481170140"/>
+      </p:ext>
+    </p:extLst>
+  </p:cSld>
+  <p:clrMapOvr>
+    <a:masterClrMapping/>
+  </p:clrMapOvr>
+</p:notes>
+</file>
+
+<file path=ppt/notesSlides/notesSlide5.xml><?xml version="1.0" encoding="utf-8"?>
+<p:notes xmlns:a="http://schemas.openxmlformats.org/drawingml/2006/main" xmlns:r="http://schemas.openxmlformats.org/officeDocument/2006/relationships" xmlns:p="http://schemas.openxmlformats.org/presentationml/2006/main">
+  <p:cSld>
+    <p:spTree>
+      <p:nvGrpSpPr>
+        <p:cNvPr id="1" name=""/>
+        <p:cNvGrpSpPr/>
+        <p:nvPr/>
+      </p:nvGrpSpPr>
+      <p:grpSpPr>
+        <a:xfrm>
+          <a:off x="0" y="0"/>
+          <a:ext cx="0" cy="0"/>
+          <a:chOff x="0" y="0"/>
+          <a:chExt cx="0" cy="0"/>
+        </a:xfrm>
+      </p:grpSpPr>
+      <p:sp>
+        <p:nvSpPr>
+          <p:cNvPr id="2" name="Slide Image Placeholder 1"/>
+          <p:cNvSpPr>
+            <a:spLocks noGrp="1" noRot="1" noChangeAspect="1"/>
+          </p:cNvSpPr>
+          <p:nvPr>
+            <p:ph type="sldImg"/>
+          </p:nvPr>
+        </p:nvSpPr>
+        <p:spPr/>
+      </p:sp>
+      <p:sp>
+        <p:nvSpPr>
+          <p:cNvPr id="3" name="Notes Placeholder 2"/>
+          <p:cNvSpPr>
+            <a:spLocks noGrp="1"/>
+          </p:cNvSpPr>
+          <p:nvPr>
+            <p:ph type="body" idx="1"/>
+          </p:nvPr>
+        </p:nvSpPr>
+        <p:spPr/>
+        <p:txBody>
+          <a:bodyPr/>
+          <a:lstStyle/>
+          <a:p>
+            <a:r>
+              <a:rPr lang="en-US" dirty="0" smtClean="0"/>
+              <a:t>A</a:t>
+            </a:r>
+            <a:r>
+              <a:rPr lang="en-US" baseline="0" dirty="0" smtClean="0"/>
+              <a:t> nucleus is basically the head of cells which is comprised of DNA </a:t>
+            </a:r>
+            <a:r>
+              <a:rPr lang="en-US" dirty="0" smtClean="0"/>
+              <a:t>that determine the characteristics of the protein enzymes. </a:t>
+            </a:r>
+            <a:endParaRPr lang="en-US" dirty="0"/>
+          </a:p>
+        </p:txBody>
+      </p:sp>
+      <p:sp>
+        <p:nvSpPr>
+          <p:cNvPr id="4" name="Slide Number Placeholder 3"/>
+          <p:cNvSpPr>
+            <a:spLocks noGrp="1"/>
+          </p:cNvSpPr>
+          <p:nvPr>
+            <p:ph type="sldNum" sz="quarter" idx="10"/>
+          </p:nvPr>
+        </p:nvSpPr>
+        <p:spPr/>
+        <p:txBody>
+          <a:bodyPr/>
+          <a:lstStyle/>
+          <a:p>
+            <a:fld id="{FD2A2BEA-8C9D-497D-B359-4F5918B159B1}" type="slidenum">
+              <a:rPr lang="en-US" smtClean="0"/>
+              <a:t>5</a:t>
+            </a:fld>
+            <a:endParaRPr lang="en-US"/>
+          </a:p>
+        </p:txBody>
+      </p:sp>
+    </p:spTree>
+    <p:extLst>
+      <p:ext uri="{BB962C8B-B14F-4D97-AF65-F5344CB8AC3E}">
+        <p14:creationId xmlns:p14="http://schemas.microsoft.com/office/powerpoint/2010/main" val="2045097205"/>
+      </p:ext>
+    </p:extLst>
+  </p:cSld>
+  <p:clrMapOvr>
+    <a:masterClrMapping/>
+  </p:clrMapOvr>
+</p:notes>
+</file>
+
+<file path=ppt/notesSlides/notesSlide50.xml><?xml version="1.0" encoding="utf-8"?>
+<p:notes xmlns:a="http://schemas.openxmlformats.org/drawingml/2006/main" xmlns:r="http://schemas.openxmlformats.org/officeDocument/2006/relationships" xmlns:p="http://schemas.openxmlformats.org/presentationml/2006/main">
+  <p:cSld>
+    <p:spTree>
+      <p:nvGrpSpPr>
+        <p:cNvPr id="1" name=""/>
+        <p:cNvGrpSpPr/>
+        <p:nvPr/>
+      </p:nvGrpSpPr>
+      <p:grpSpPr>
+        <a:xfrm>
+          <a:off x="0" y="0"/>
+          <a:ext cx="0" cy="0"/>
+          <a:chOff x="0" y="0"/>
+          <a:chExt cx="0" cy="0"/>
+        </a:xfrm>
+      </p:grpSpPr>
+      <p:sp>
+        <p:nvSpPr>
+          <p:cNvPr id="2" name="Slide Image Placeholder 1"/>
+          <p:cNvSpPr>
+            <a:spLocks noGrp="1" noRot="1" noChangeAspect="1"/>
+          </p:cNvSpPr>
+          <p:nvPr>
+            <p:ph type="sldImg"/>
+          </p:nvPr>
+        </p:nvSpPr>
+        <p:spPr/>
+      </p:sp>
+      <p:sp>
+        <p:nvSpPr>
+          <p:cNvPr id="3" name="Notes Placeholder 2"/>
+          <p:cNvSpPr>
+            <a:spLocks noGrp="1"/>
+          </p:cNvSpPr>
+          <p:nvPr>
+            <p:ph type="body" idx="1"/>
+          </p:nvPr>
+        </p:nvSpPr>
+        <p:spPr/>
+        <p:txBody>
+          <a:bodyPr/>
+          <a:lstStyle/>
+          <a:p>
+            <a:r>
+              <a:rPr lang="en-US" dirty="0" smtClean="0"/>
+              <a:t>Integumentary System basically consists of skin-the largest organ of body.</a:t>
+            </a:r>
+            <a:endParaRPr lang="en-US" dirty="0"/>
+          </a:p>
+        </p:txBody>
+      </p:sp>
+      <p:sp>
+        <p:nvSpPr>
+          <p:cNvPr id="4" name="Slide Number Placeholder 3"/>
+          <p:cNvSpPr>
+            <a:spLocks noGrp="1"/>
+          </p:cNvSpPr>
+          <p:nvPr>
+            <p:ph type="sldNum" sz="quarter" idx="10"/>
+          </p:nvPr>
+        </p:nvSpPr>
+        <p:spPr/>
+        <p:txBody>
+          <a:bodyPr/>
+          <a:lstStyle/>
+          <a:p>
+            <a:fld id="{FD2A2BEA-8C9D-497D-B359-4F5918B159B1}" type="slidenum">
+              <a:rPr lang="en-US" smtClean="0"/>
+              <a:t>54</a:t>
+            </a:fld>
+            <a:endParaRPr lang="en-US"/>
+          </a:p>
+        </p:txBody>
+      </p:sp>
+    </p:spTree>
+    <p:extLst>
+      <p:ext uri="{BB962C8B-B14F-4D97-AF65-F5344CB8AC3E}">
+        <p14:creationId xmlns:p14="http://schemas.microsoft.com/office/powerpoint/2010/main" val="466665851"/>
+      </p:ext>
+    </p:extLst>
+  </p:cSld>
+  <p:clrMapOvr>
+    <a:masterClrMapping/>
+  </p:clrMapOvr>
+</p:notes>
+</file>
+
+<file path=ppt/notesSlides/notesSlide51.xml><?xml version="1.0" encoding="utf-8"?>
+<p:notes xmlns:a="http://schemas.openxmlformats.org/drawingml/2006/main" xmlns:r="http://schemas.openxmlformats.org/officeDocument/2006/relationships" xmlns:p="http://schemas.openxmlformats.org/presentationml/2006/main">
+  <p:cSld>
+    <p:spTree>
+      <p:nvGrpSpPr>
+        <p:cNvPr id="1" name=""/>
+        <p:cNvGrpSpPr/>
+        <p:nvPr/>
+      </p:nvGrpSpPr>
+      <p:grpSpPr>
+        <a:xfrm>
+          <a:off x="0" y="0"/>
+          <a:ext cx="0" cy="0"/>
+          <a:chOff x="0" y="0"/>
+          <a:chExt cx="0" cy="0"/>
+        </a:xfrm>
+      </p:grpSpPr>
+      <p:sp>
+        <p:nvSpPr>
+          <p:cNvPr id="2" name="Slide Image Placeholder 1"/>
+          <p:cNvSpPr>
+            <a:spLocks noGrp="1" noRot="1" noChangeAspect="1"/>
+          </p:cNvSpPr>
+          <p:nvPr>
+            <p:ph type="sldImg"/>
+          </p:nvPr>
+        </p:nvSpPr>
+        <p:spPr/>
+      </p:sp>
+      <p:sp>
+        <p:nvSpPr>
+          <p:cNvPr id="3" name="Notes Placeholder 2"/>
+          <p:cNvSpPr>
+            <a:spLocks noGrp="1"/>
+          </p:cNvSpPr>
+          <p:nvPr>
+            <p:ph type="body" idx="1"/>
+          </p:nvPr>
+        </p:nvSpPr>
+        <p:spPr/>
+        <p:txBody>
+          <a:bodyPr/>
+          <a:lstStyle/>
+          <a:p>
+            <a:r>
+              <a:rPr lang="en-US" dirty="0" smtClean="0"/>
+              <a:t>Here you can find the structure</a:t>
+            </a:r>
+            <a:r>
+              <a:rPr lang="en-US" baseline="0" dirty="0" smtClean="0"/>
+              <a:t> of skin.</a:t>
+            </a:r>
+            <a:endParaRPr lang="en-US" dirty="0"/>
+          </a:p>
+        </p:txBody>
+      </p:sp>
+      <p:sp>
+        <p:nvSpPr>
+          <p:cNvPr id="4" name="Slide Number Placeholder 3"/>
+          <p:cNvSpPr>
+            <a:spLocks noGrp="1"/>
+          </p:cNvSpPr>
+          <p:nvPr>
+            <p:ph type="sldNum" sz="quarter" idx="10"/>
+          </p:nvPr>
+        </p:nvSpPr>
+        <p:spPr/>
+        <p:txBody>
+          <a:bodyPr/>
+          <a:lstStyle/>
+          <a:p>
+            <a:fld id="{FD2A2BEA-8C9D-497D-B359-4F5918B159B1}" type="slidenum">
+              <a:rPr lang="en-US" smtClean="0"/>
+              <a:t>55</a:t>
+            </a:fld>
+            <a:endParaRPr lang="en-US"/>
+          </a:p>
+        </p:txBody>
+      </p:sp>
+    </p:spTree>
+    <p:extLst>
+      <p:ext uri="{BB962C8B-B14F-4D97-AF65-F5344CB8AC3E}">
+        <p14:creationId xmlns:p14="http://schemas.microsoft.com/office/powerpoint/2010/main" val="897764133"/>
+      </p:ext>
+    </p:extLst>
+  </p:cSld>
+  <p:clrMapOvr>
+    <a:masterClrMapping/>
+  </p:clrMapOvr>
+</p:notes>
+</file>
+
+<file path=ppt/notesSlides/notesSlide52.xml><?xml version="1.0" encoding="utf-8"?>
+<p:notes xmlns:a="http://schemas.openxmlformats.org/drawingml/2006/main" xmlns:r="http://schemas.openxmlformats.org/officeDocument/2006/relationships" xmlns:p="http://schemas.openxmlformats.org/presentationml/2006/main">
+  <p:cSld>
+    <p:spTree>
+      <p:nvGrpSpPr>
+        <p:cNvPr id="1" name=""/>
+        <p:cNvGrpSpPr/>
+        <p:nvPr/>
+      </p:nvGrpSpPr>
+      <p:grpSpPr>
+        <a:xfrm>
+          <a:off x="0" y="0"/>
+          <a:ext cx="0" cy="0"/>
+          <a:chOff x="0" y="0"/>
+          <a:chExt cx="0" cy="0"/>
+        </a:xfrm>
+      </p:grpSpPr>
+      <p:sp>
+        <p:nvSpPr>
+          <p:cNvPr id="2" name="Slide Image Placeholder 1"/>
+          <p:cNvSpPr>
+            <a:spLocks noGrp="1" noRot="1" noChangeAspect="1"/>
+          </p:cNvSpPr>
+          <p:nvPr>
+            <p:ph type="sldImg"/>
+          </p:nvPr>
+        </p:nvSpPr>
+        <p:spPr/>
+      </p:sp>
+      <p:sp>
+        <p:nvSpPr>
+          <p:cNvPr id="3" name="Notes Placeholder 2"/>
+          <p:cNvSpPr>
+            <a:spLocks noGrp="1"/>
+          </p:cNvSpPr>
+          <p:nvPr>
+            <p:ph type="body" idx="1"/>
+          </p:nvPr>
+        </p:nvSpPr>
+        <p:spPr/>
+        <p:txBody>
+          <a:bodyPr/>
+          <a:lstStyle/>
+          <a:p>
+            <a:r>
+              <a:rPr lang="en-US" dirty="0" smtClean="0"/>
+              <a:t>Different layers of skin performs</a:t>
+            </a:r>
+            <a:r>
+              <a:rPr lang="en-US" baseline="0" dirty="0" smtClean="0"/>
+              <a:t> separately.</a:t>
+            </a:r>
+            <a:endParaRPr lang="en-US" dirty="0"/>
+          </a:p>
+        </p:txBody>
+      </p:sp>
+      <p:sp>
+        <p:nvSpPr>
+          <p:cNvPr id="4" name="Slide Number Placeholder 3"/>
+          <p:cNvSpPr>
+            <a:spLocks noGrp="1"/>
+          </p:cNvSpPr>
+          <p:nvPr>
+            <p:ph type="sldNum" sz="quarter" idx="10"/>
+          </p:nvPr>
+        </p:nvSpPr>
+        <p:spPr/>
+        <p:txBody>
+          <a:bodyPr/>
+          <a:lstStyle/>
+          <a:p>
+            <a:fld id="{FD2A2BEA-8C9D-497D-B359-4F5918B159B1}" type="slidenum">
+              <a:rPr lang="en-US" smtClean="0"/>
+              <a:t>56</a:t>
+            </a:fld>
+            <a:endParaRPr lang="en-US"/>
+          </a:p>
+        </p:txBody>
+      </p:sp>
+    </p:spTree>
+    <p:extLst>
+      <p:ext uri="{BB962C8B-B14F-4D97-AF65-F5344CB8AC3E}">
+        <p14:creationId xmlns:p14="http://schemas.microsoft.com/office/powerpoint/2010/main" val="4094330211"/>
+      </p:ext>
+    </p:extLst>
+  </p:cSld>
+  <p:clrMapOvr>
+    <a:masterClrMapping/>
+  </p:clrMapOvr>
+</p:notes>
+</file>
+
+<file path=ppt/notesSlides/notesSlide53.xml><?xml version="1.0" encoding="utf-8"?>
+<p:notes xmlns:a="http://schemas.openxmlformats.org/drawingml/2006/main" xmlns:r="http://schemas.openxmlformats.org/officeDocument/2006/relationships" xmlns:p="http://schemas.openxmlformats.org/presentationml/2006/main">
+  <p:cSld>
+    <p:spTree>
+      <p:nvGrpSpPr>
+        <p:cNvPr id="1" name=""/>
+        <p:cNvGrpSpPr/>
+        <p:nvPr/>
+      </p:nvGrpSpPr>
+      <p:grpSpPr>
+        <a:xfrm>
+          <a:off x="0" y="0"/>
+          <a:ext cx="0" cy="0"/>
+          <a:chOff x="0" y="0"/>
+          <a:chExt cx="0" cy="0"/>
+        </a:xfrm>
+      </p:grpSpPr>
+      <p:sp>
+        <p:nvSpPr>
+          <p:cNvPr id="2" name="Slide Image Placeholder 1"/>
+          <p:cNvSpPr>
+            <a:spLocks noGrp="1" noRot="1" noChangeAspect="1"/>
+          </p:cNvSpPr>
+          <p:nvPr>
+            <p:ph type="sldImg"/>
+          </p:nvPr>
+        </p:nvSpPr>
+        <p:spPr/>
+      </p:sp>
+      <p:sp>
+        <p:nvSpPr>
+          <p:cNvPr id="3" name="Notes Placeholder 2"/>
+          <p:cNvSpPr>
+            <a:spLocks noGrp="1"/>
+          </p:cNvSpPr>
+          <p:nvPr>
+            <p:ph type="body" idx="1"/>
+          </p:nvPr>
+        </p:nvSpPr>
+        <p:spPr/>
+        <p:txBody>
+          <a:bodyPr/>
+          <a:lstStyle/>
+          <a:p>
+            <a:r>
+              <a:rPr lang="en-US" dirty="0" smtClean="0"/>
+              <a:t>Endocrine system is basically to secrete</a:t>
+            </a:r>
+            <a:r>
+              <a:rPr lang="en-US" baseline="0" dirty="0" smtClean="0"/>
+              <a:t> hormone. And hormone has different roles in human body.</a:t>
+            </a:r>
+            <a:endParaRPr lang="en-US" dirty="0"/>
+          </a:p>
+        </p:txBody>
+      </p:sp>
+      <p:sp>
+        <p:nvSpPr>
+          <p:cNvPr id="4" name="Slide Number Placeholder 3"/>
+          <p:cNvSpPr>
+            <a:spLocks noGrp="1"/>
+          </p:cNvSpPr>
+          <p:nvPr>
+            <p:ph type="sldNum" sz="quarter" idx="10"/>
+          </p:nvPr>
+        </p:nvSpPr>
+        <p:spPr/>
+        <p:txBody>
+          <a:bodyPr/>
+          <a:lstStyle/>
+          <a:p>
+            <a:fld id="{FD2A2BEA-8C9D-497D-B359-4F5918B159B1}" type="slidenum">
+              <a:rPr lang="en-US" smtClean="0"/>
+              <a:t>57</a:t>
+            </a:fld>
+            <a:endParaRPr lang="en-US"/>
+          </a:p>
+        </p:txBody>
+      </p:sp>
+    </p:spTree>
+    <p:extLst>
+      <p:ext uri="{BB962C8B-B14F-4D97-AF65-F5344CB8AC3E}">
+        <p14:creationId xmlns:p14="http://schemas.microsoft.com/office/powerpoint/2010/main" val="1409704923"/>
+      </p:ext>
+    </p:extLst>
+  </p:cSld>
+  <p:clrMapOvr>
+    <a:masterClrMapping/>
+  </p:clrMapOvr>
+</p:notes>
+</file>
+
+<file path=ppt/notesSlides/notesSlide54.xml><?xml version="1.0" encoding="utf-8"?>
+<p:notes xmlns:a="http://schemas.openxmlformats.org/drawingml/2006/main" xmlns:r="http://schemas.openxmlformats.org/officeDocument/2006/relationships" xmlns:p="http://schemas.openxmlformats.org/presentationml/2006/main">
+  <p:cSld>
+    <p:spTree>
+      <p:nvGrpSpPr>
+        <p:cNvPr id="1" name=""/>
+        <p:cNvGrpSpPr/>
+        <p:nvPr/>
+      </p:nvGrpSpPr>
+      <p:grpSpPr>
+        <a:xfrm>
+          <a:off x="0" y="0"/>
+          <a:ext cx="0" cy="0"/>
+          <a:chOff x="0" y="0"/>
+          <a:chExt cx="0" cy="0"/>
+        </a:xfrm>
+      </p:grpSpPr>
+      <p:sp>
+        <p:nvSpPr>
+          <p:cNvPr id="2" name="Slide Image Placeholder 1"/>
+          <p:cNvSpPr>
+            <a:spLocks noGrp="1" noRot="1" noChangeAspect="1"/>
+          </p:cNvSpPr>
+          <p:nvPr>
+            <p:ph type="sldImg"/>
+          </p:nvPr>
+        </p:nvSpPr>
+        <p:spPr/>
+      </p:sp>
+      <p:sp>
+        <p:nvSpPr>
+          <p:cNvPr id="3" name="Notes Placeholder 2"/>
+          <p:cNvSpPr>
+            <a:spLocks noGrp="1"/>
+          </p:cNvSpPr>
+          <p:nvPr>
+            <p:ph type="body" idx="1"/>
+          </p:nvPr>
+        </p:nvSpPr>
+        <p:spPr/>
+        <p:txBody>
+          <a:bodyPr/>
+          <a:lstStyle/>
+          <a:p>
+            <a:r>
+              <a:rPr lang="en-US" dirty="0" smtClean="0"/>
+              <a:t>Find the different endocrine glands,</a:t>
+            </a:r>
+            <a:endParaRPr lang="en-US" dirty="0"/>
+          </a:p>
+        </p:txBody>
+      </p:sp>
+      <p:sp>
+        <p:nvSpPr>
+          <p:cNvPr id="4" name="Slide Number Placeholder 3"/>
+          <p:cNvSpPr>
+            <a:spLocks noGrp="1"/>
+          </p:cNvSpPr>
+          <p:nvPr>
+            <p:ph type="sldNum" sz="quarter" idx="10"/>
+          </p:nvPr>
+        </p:nvSpPr>
+        <p:spPr/>
+        <p:txBody>
+          <a:bodyPr/>
+          <a:lstStyle/>
+          <a:p>
+            <a:fld id="{FD2A2BEA-8C9D-497D-B359-4F5918B159B1}" type="slidenum">
+              <a:rPr lang="en-US" smtClean="0"/>
+              <a:t>58</a:t>
+            </a:fld>
+            <a:endParaRPr lang="en-US"/>
+          </a:p>
+        </p:txBody>
+      </p:sp>
+    </p:spTree>
+    <p:extLst>
+      <p:ext uri="{BB962C8B-B14F-4D97-AF65-F5344CB8AC3E}">
+        <p14:creationId xmlns:p14="http://schemas.microsoft.com/office/powerpoint/2010/main" val="3974331343"/>
+      </p:ext>
+    </p:extLst>
+  </p:cSld>
+  <p:clrMapOvr>
+    <a:masterClrMapping/>
+  </p:clrMapOvr>
+</p:notes>
+</file>
+
+<file path=ppt/notesSlides/notesSlide55.xml><?xml version="1.0" encoding="utf-8"?>
+<p:notes xmlns:a="http://schemas.openxmlformats.org/drawingml/2006/main" xmlns:r="http://schemas.openxmlformats.org/officeDocument/2006/relationships" xmlns:p="http://schemas.openxmlformats.org/presentationml/2006/main">
+  <p:cSld>
+    <p:spTree>
+      <p:nvGrpSpPr>
+        <p:cNvPr id="1" name=""/>
+        <p:cNvGrpSpPr/>
+        <p:nvPr/>
+      </p:nvGrpSpPr>
+      <p:grpSpPr>
+        <a:xfrm>
+          <a:off x="0" y="0"/>
+          <a:ext cx="0" cy="0"/>
+          <a:chOff x="0" y="0"/>
+          <a:chExt cx="0" cy="0"/>
+        </a:xfrm>
+      </p:grpSpPr>
+      <p:sp>
+        <p:nvSpPr>
+          <p:cNvPr id="2" name="Slide Image Placeholder 1"/>
+          <p:cNvSpPr>
+            <a:spLocks noGrp="1" noRot="1" noChangeAspect="1"/>
+          </p:cNvSpPr>
+          <p:nvPr>
+            <p:ph type="sldImg"/>
+          </p:nvPr>
+        </p:nvSpPr>
+        <p:spPr/>
+      </p:sp>
+      <p:sp>
+        <p:nvSpPr>
+          <p:cNvPr id="3" name="Notes Placeholder 2"/>
+          <p:cNvSpPr>
+            <a:spLocks noGrp="1"/>
+          </p:cNvSpPr>
+          <p:nvPr>
+            <p:ph type="body" idx="1"/>
+          </p:nvPr>
+        </p:nvSpPr>
+        <p:spPr/>
+        <p:txBody>
+          <a:bodyPr/>
+          <a:lstStyle/>
+          <a:p>
+            <a:endParaRPr lang="en-US" dirty="0"/>
+          </a:p>
+        </p:txBody>
+      </p:sp>
+      <p:sp>
+        <p:nvSpPr>
+          <p:cNvPr id="4" name="Slide Number Placeholder 3"/>
+          <p:cNvSpPr>
+            <a:spLocks noGrp="1"/>
+          </p:cNvSpPr>
+          <p:nvPr>
+            <p:ph type="sldNum" sz="quarter" idx="10"/>
+          </p:nvPr>
+        </p:nvSpPr>
+        <p:spPr/>
+        <p:txBody>
+          <a:bodyPr/>
+          <a:lstStyle/>
+          <a:p>
+            <a:fld id="{FD2A2BEA-8C9D-497D-B359-4F5918B159B1}" type="slidenum">
+              <a:rPr lang="en-US" smtClean="0"/>
+              <a:t>59</a:t>
+            </a:fld>
+            <a:endParaRPr lang="en-US"/>
+          </a:p>
+        </p:txBody>
+      </p:sp>
+    </p:spTree>
+    <p:extLst>
+      <p:ext uri="{BB962C8B-B14F-4D97-AF65-F5344CB8AC3E}">
+        <p14:creationId xmlns:p14="http://schemas.microsoft.com/office/powerpoint/2010/main" val="871042438"/>
+      </p:ext>
+    </p:extLst>
+  </p:cSld>
+  <p:clrMapOvr>
+    <a:masterClrMapping/>
+  </p:clrMapOvr>
+</p:notes>
+</file>
+
+<file path=ppt/notesSlides/notesSlide56.xml><?xml version="1.0" encoding="utf-8"?>
+<p:notes xmlns:a="http://schemas.openxmlformats.org/drawingml/2006/main" xmlns:r="http://schemas.openxmlformats.org/officeDocument/2006/relationships" xmlns:p="http://schemas.openxmlformats.org/presentationml/2006/main">
+  <p:cSld>
+    <p:spTree>
+      <p:nvGrpSpPr>
+        <p:cNvPr id="1" name=""/>
+        <p:cNvGrpSpPr/>
+        <p:nvPr/>
+      </p:nvGrpSpPr>
+      <p:grpSpPr>
+        <a:xfrm>
+          <a:off x="0" y="0"/>
+          <a:ext cx="0" cy="0"/>
+          <a:chOff x="0" y="0"/>
+          <a:chExt cx="0" cy="0"/>
+        </a:xfrm>
+      </p:grpSpPr>
+      <p:sp>
+        <p:nvSpPr>
+          <p:cNvPr id="2" name="Slide Image Placeholder 1"/>
+          <p:cNvSpPr>
+            <a:spLocks noGrp="1" noRot="1" noChangeAspect="1"/>
+          </p:cNvSpPr>
+          <p:nvPr>
+            <p:ph type="sldImg"/>
+          </p:nvPr>
+        </p:nvSpPr>
+        <p:spPr/>
+      </p:sp>
+      <p:sp>
+        <p:nvSpPr>
+          <p:cNvPr id="3" name="Notes Placeholder 2"/>
+          <p:cNvSpPr>
+            <a:spLocks noGrp="1"/>
+          </p:cNvSpPr>
+          <p:nvPr>
+            <p:ph type="body" idx="1"/>
+          </p:nvPr>
+        </p:nvSpPr>
+        <p:spPr/>
+        <p:txBody>
+          <a:bodyPr/>
+          <a:lstStyle/>
+          <a:p>
+            <a:r>
+              <a:rPr lang="en-US" dirty="0" smtClean="0"/>
+              <a:t>Immune System is the last system but plays</a:t>
+            </a:r>
+            <a:r>
+              <a:rPr lang="en-US" baseline="0" dirty="0" smtClean="0"/>
+              <a:t> a major role in taking care of human body immunity. The different system runs in the body which has been captured in this </a:t>
+            </a:r>
+            <a:r>
+              <a:rPr lang="en-US" baseline="0" dirty="0" err="1" smtClean="0"/>
+              <a:t>silde</a:t>
+            </a:r>
+            <a:r>
+              <a:rPr lang="en-US" baseline="0" dirty="0" smtClean="0"/>
+              <a:t>.</a:t>
+            </a:r>
+            <a:endParaRPr lang="en-US" dirty="0"/>
+          </a:p>
+        </p:txBody>
+      </p:sp>
+      <p:sp>
+        <p:nvSpPr>
+          <p:cNvPr id="4" name="Slide Number Placeholder 3"/>
+          <p:cNvSpPr>
+            <a:spLocks noGrp="1"/>
+          </p:cNvSpPr>
+          <p:nvPr>
+            <p:ph type="sldNum" sz="quarter" idx="10"/>
+          </p:nvPr>
+        </p:nvSpPr>
+        <p:spPr/>
+        <p:txBody>
+          <a:bodyPr/>
+          <a:lstStyle/>
+          <a:p>
+            <a:fld id="{FD2A2BEA-8C9D-497D-B359-4F5918B159B1}" type="slidenum">
+              <a:rPr lang="en-US" smtClean="0"/>
+              <a:t>60</a:t>
+            </a:fld>
+            <a:endParaRPr lang="en-US"/>
+          </a:p>
+        </p:txBody>
+      </p:sp>
+    </p:spTree>
+    <p:extLst>
+      <p:ext uri="{BB962C8B-B14F-4D97-AF65-F5344CB8AC3E}">
+        <p14:creationId xmlns:p14="http://schemas.microsoft.com/office/powerpoint/2010/main" val="1621015989"/>
+      </p:ext>
+    </p:extLst>
+  </p:cSld>
+  <p:clrMapOvr>
+    <a:masterClrMapping/>
+  </p:clrMapOvr>
+</p:notes>
+</file>
+
+<file path=ppt/notesSlides/notesSlide6.xml><?xml version="1.0" encoding="utf-8"?>
+<p:notes xmlns:a="http://schemas.openxmlformats.org/drawingml/2006/main" xmlns:r="http://schemas.openxmlformats.org/officeDocument/2006/relationships" xmlns:p="http://schemas.openxmlformats.org/presentationml/2006/main">
+  <p:cSld>
+    <p:spTree>
+      <p:nvGrpSpPr>
+        <p:cNvPr id="1" name=""/>
+        <p:cNvGrpSpPr/>
+        <p:nvPr/>
+      </p:nvGrpSpPr>
+      <p:grpSpPr>
+        <a:xfrm>
+          <a:off x="0" y="0"/>
+          <a:ext cx="0" cy="0"/>
+          <a:chOff x="0" y="0"/>
+          <a:chExt cx="0" cy="0"/>
+        </a:xfrm>
+      </p:grpSpPr>
+      <p:sp>
+        <p:nvSpPr>
+          <p:cNvPr id="2" name="Slide Image Placeholder 1"/>
+          <p:cNvSpPr>
+            <a:spLocks noGrp="1" noRot="1" noChangeAspect="1"/>
+          </p:cNvSpPr>
+          <p:nvPr>
+            <p:ph type="sldImg"/>
+          </p:nvPr>
+        </p:nvSpPr>
+        <p:spPr/>
+      </p:sp>
+      <p:sp>
+        <p:nvSpPr>
+          <p:cNvPr id="3" name="Notes Placeholder 2"/>
+          <p:cNvSpPr>
+            <a:spLocks noGrp="1"/>
+          </p:cNvSpPr>
+          <p:nvPr>
+            <p:ph type="body" idx="1"/>
+          </p:nvPr>
+        </p:nvSpPr>
+        <p:spPr/>
+        <p:txBody>
+          <a:bodyPr/>
+          <a:lstStyle/>
+          <a:p>
+            <a:r>
+              <a:rPr lang="en-US" dirty="0" smtClean="0"/>
+              <a:t>This is a 3D model of human</a:t>
+            </a:r>
+            <a:r>
+              <a:rPr lang="en-US" baseline="0" dirty="0" smtClean="0"/>
+              <a:t> cell.</a:t>
+            </a:r>
+            <a:endParaRPr lang="en-US" dirty="0"/>
+          </a:p>
+        </p:txBody>
+      </p:sp>
+      <p:sp>
+        <p:nvSpPr>
+          <p:cNvPr id="4" name="Slide Number Placeholder 3"/>
+          <p:cNvSpPr>
+            <a:spLocks noGrp="1"/>
+          </p:cNvSpPr>
+          <p:nvPr>
+            <p:ph type="sldNum" sz="quarter" idx="10"/>
+          </p:nvPr>
+        </p:nvSpPr>
+        <p:spPr/>
+        <p:txBody>
+          <a:bodyPr/>
+          <a:lstStyle/>
+          <a:p>
+            <a:fld id="{FD2A2BEA-8C9D-497D-B359-4F5918B159B1}" type="slidenum">
+              <a:rPr lang="en-US" smtClean="0"/>
+              <a:t>6</a:t>
+            </a:fld>
+            <a:endParaRPr lang="en-US"/>
+          </a:p>
+        </p:txBody>
+      </p:sp>
+    </p:spTree>
+    <p:extLst>
+      <p:ext uri="{BB962C8B-B14F-4D97-AF65-F5344CB8AC3E}">
+        <p14:creationId xmlns:p14="http://schemas.microsoft.com/office/powerpoint/2010/main" val="4108822952"/>
+      </p:ext>
+    </p:extLst>
+  </p:cSld>
+  <p:clrMapOvr>
+    <a:masterClrMapping/>
+  </p:clrMapOvr>
+</p:notes>
+</file>
+
+<file path=ppt/notesSlides/notesSlide7.xml><?xml version="1.0" encoding="utf-8"?>
+<p:notes xmlns:a="http://schemas.openxmlformats.org/drawingml/2006/main" xmlns:r="http://schemas.openxmlformats.org/officeDocument/2006/relationships" xmlns:p="http://schemas.openxmlformats.org/presentationml/2006/main">
+  <p:cSld>
+    <p:spTree>
+      <p:nvGrpSpPr>
+        <p:cNvPr id="1" name=""/>
+        <p:cNvGrpSpPr/>
+        <p:nvPr/>
+      </p:nvGrpSpPr>
+      <p:grpSpPr>
+        <a:xfrm>
+          <a:off x="0" y="0"/>
+          <a:ext cx="0" cy="0"/>
+          <a:chOff x="0" y="0"/>
+          <a:chExt cx="0" cy="0"/>
+        </a:xfrm>
+      </p:grpSpPr>
+      <p:sp>
+        <p:nvSpPr>
+          <p:cNvPr id="2" name="Slide Image Placeholder 1"/>
+          <p:cNvSpPr>
+            <a:spLocks noGrp="1" noRot="1" noChangeAspect="1"/>
+          </p:cNvSpPr>
+          <p:nvPr>
+            <p:ph type="sldImg"/>
+          </p:nvPr>
+        </p:nvSpPr>
+        <p:spPr/>
+      </p:sp>
+      <p:sp>
+        <p:nvSpPr>
+          <p:cNvPr id="3" name="Notes Placeholder 2"/>
+          <p:cNvSpPr>
+            <a:spLocks noGrp="1"/>
+          </p:cNvSpPr>
+          <p:nvPr>
+            <p:ph type="body" idx="1"/>
+          </p:nvPr>
+        </p:nvSpPr>
+        <p:spPr/>
+        <p:txBody>
+          <a:bodyPr/>
+          <a:lstStyle/>
+          <a:p>
+            <a:r>
+              <a:rPr lang="en-US" dirty="0" smtClean="0"/>
+              <a:t>Endoplasmic</a:t>
+            </a:r>
+            <a:r>
+              <a:rPr lang="en-US" baseline="0" dirty="0" smtClean="0"/>
+              <a:t> Reticulum is an important organelle which works as a transporter and helps to happen different enzymes’ reactions. </a:t>
+            </a:r>
+            <a:endParaRPr lang="en-US" dirty="0"/>
+          </a:p>
+        </p:txBody>
+      </p:sp>
+      <p:sp>
+        <p:nvSpPr>
+          <p:cNvPr id="4" name="Slide Number Placeholder 3"/>
+          <p:cNvSpPr>
+            <a:spLocks noGrp="1"/>
+          </p:cNvSpPr>
+          <p:nvPr>
+            <p:ph type="sldNum" sz="quarter" idx="10"/>
+          </p:nvPr>
+        </p:nvSpPr>
+        <p:spPr/>
+        <p:txBody>
+          <a:bodyPr/>
+          <a:lstStyle/>
+          <a:p>
+            <a:fld id="{FD2A2BEA-8C9D-497D-B359-4F5918B159B1}" type="slidenum">
+              <a:rPr lang="en-US" smtClean="0"/>
+              <a:t>7</a:t>
+            </a:fld>
+            <a:endParaRPr lang="en-US"/>
+          </a:p>
+        </p:txBody>
+      </p:sp>
+    </p:spTree>
+    <p:extLst>
+      <p:ext uri="{BB962C8B-B14F-4D97-AF65-F5344CB8AC3E}">
+        <p14:creationId xmlns:p14="http://schemas.microsoft.com/office/powerpoint/2010/main" val="2547836892"/>
+      </p:ext>
+    </p:extLst>
+  </p:cSld>
+  <p:clrMapOvr>
+    <a:masterClrMapping/>
+  </p:clrMapOvr>
+</p:notes>
+</file>
+
+<file path=ppt/notesSlides/notesSlide8.xml><?xml version="1.0" encoding="utf-8"?>
+<p:notes xmlns:a="http://schemas.openxmlformats.org/drawingml/2006/main" xmlns:r="http://schemas.openxmlformats.org/officeDocument/2006/relationships" xmlns:p="http://schemas.openxmlformats.org/presentationml/2006/main">
+  <p:cSld>
+    <p:spTree>
+      <p:nvGrpSpPr>
+        <p:cNvPr id="1" name=""/>
+        <p:cNvGrpSpPr/>
+        <p:nvPr/>
+      </p:nvGrpSpPr>
+      <p:grpSpPr>
+        <a:xfrm>
+          <a:off x="0" y="0"/>
+          <a:ext cx="0" cy="0"/>
+          <a:chOff x="0" y="0"/>
+          <a:chExt cx="0" cy="0"/>
+        </a:xfrm>
+      </p:grpSpPr>
+      <p:sp>
+        <p:nvSpPr>
+          <p:cNvPr id="2" name="Slide Image Placeholder 1"/>
+          <p:cNvSpPr>
+            <a:spLocks noGrp="1" noRot="1" noChangeAspect="1"/>
+          </p:cNvSpPr>
+          <p:nvPr>
+            <p:ph type="sldImg"/>
+          </p:nvPr>
+        </p:nvSpPr>
+        <p:spPr/>
+      </p:sp>
+      <p:sp>
+        <p:nvSpPr>
+          <p:cNvPr id="3" name="Notes Placeholder 2"/>
+          <p:cNvSpPr>
+            <a:spLocks noGrp="1"/>
+          </p:cNvSpPr>
+          <p:nvPr>
+            <p:ph type="body" idx="1"/>
+          </p:nvPr>
+        </p:nvSpPr>
+        <p:spPr/>
+        <p:txBody>
+          <a:bodyPr/>
+          <a:lstStyle/>
+          <a:p>
+            <a:r>
+              <a:rPr lang="en-US" dirty="0" smtClean="0"/>
+              <a:t>Golgi </a:t>
+            </a:r>
+            <a:r>
+              <a:rPr lang="en-US" dirty="0" err="1" smtClean="0"/>
+              <a:t>aparatus</a:t>
+            </a:r>
+            <a:r>
+              <a:rPr lang="en-US" baseline="0" dirty="0" smtClean="0"/>
+              <a:t> are the s</a:t>
+            </a:r>
+            <a:r>
+              <a:rPr lang="en-US" dirty="0" smtClean="0"/>
+              <a:t>ubstances produced in ER gets transported in the form of </a:t>
+            </a:r>
+            <a:r>
+              <a:rPr lang="en-US" dirty="0" err="1" smtClean="0"/>
+              <a:t>vesicles,fuse</a:t>
+            </a:r>
+            <a:r>
+              <a:rPr lang="en-US" dirty="0" smtClean="0"/>
+              <a:t> with the </a:t>
+            </a:r>
+            <a:r>
+              <a:rPr lang="en-US" dirty="0" err="1" smtClean="0"/>
+              <a:t>golgi</a:t>
+            </a:r>
+            <a:r>
+              <a:rPr lang="en-US" dirty="0" smtClean="0"/>
+              <a:t> apparatus and gets processed there.</a:t>
+            </a:r>
+            <a:endParaRPr lang="en-US" dirty="0"/>
+          </a:p>
+        </p:txBody>
+      </p:sp>
+      <p:sp>
+        <p:nvSpPr>
+          <p:cNvPr id="4" name="Slide Number Placeholder 3"/>
+          <p:cNvSpPr>
+            <a:spLocks noGrp="1"/>
+          </p:cNvSpPr>
+          <p:nvPr>
+            <p:ph type="sldNum" sz="quarter" idx="10"/>
+          </p:nvPr>
+        </p:nvSpPr>
+        <p:spPr/>
+        <p:txBody>
+          <a:bodyPr/>
+          <a:lstStyle/>
+          <a:p>
+            <a:fld id="{FD2A2BEA-8C9D-497D-B359-4F5918B159B1}" type="slidenum">
+              <a:rPr lang="en-US" smtClean="0"/>
+              <a:t>8</a:t>
+            </a:fld>
+            <a:endParaRPr lang="en-US"/>
+          </a:p>
+        </p:txBody>
+      </p:sp>
+    </p:spTree>
+    <p:extLst>
+      <p:ext uri="{BB962C8B-B14F-4D97-AF65-F5344CB8AC3E}">
+        <p14:creationId xmlns:p14="http://schemas.microsoft.com/office/powerpoint/2010/main" val="1724175917"/>
+      </p:ext>
+    </p:extLst>
+  </p:cSld>
+  <p:clrMapOvr>
+    <a:masterClrMapping/>
+  </p:clrMapOvr>
+</p:notes>
+</file>
+
+<file path=ppt/notesSlides/notesSlide9.xml><?xml version="1.0" encoding="utf-8"?>
+<p:notes xmlns:a="http://schemas.openxmlformats.org/drawingml/2006/main" xmlns:r="http://schemas.openxmlformats.org/officeDocument/2006/relationships" xmlns:p="http://schemas.openxmlformats.org/presentationml/2006/main">
+  <p:cSld>
+    <p:spTree>
+      <p:nvGrpSpPr>
+        <p:cNvPr id="1" name=""/>
+        <p:cNvGrpSpPr/>
+        <p:nvPr/>
+      </p:nvGrpSpPr>
+      <p:grpSpPr>
+        <a:xfrm>
+          <a:off x="0" y="0"/>
+          <a:ext cx="0" cy="0"/>
+          <a:chOff x="0" y="0"/>
+          <a:chExt cx="0" cy="0"/>
+        </a:xfrm>
+      </p:grpSpPr>
+      <p:sp>
+        <p:nvSpPr>
+          <p:cNvPr id="2" name="Slide Image Placeholder 1"/>
+          <p:cNvSpPr>
+            <a:spLocks noGrp="1" noRot="1" noChangeAspect="1"/>
+          </p:cNvSpPr>
+          <p:nvPr>
+            <p:ph type="sldImg"/>
+          </p:nvPr>
+        </p:nvSpPr>
+        <p:spPr/>
+      </p:sp>
+      <p:sp>
+        <p:nvSpPr>
+          <p:cNvPr id="3" name="Notes Placeholder 2"/>
+          <p:cNvSpPr>
+            <a:spLocks noGrp="1"/>
+          </p:cNvSpPr>
+          <p:nvPr>
+            <p:ph type="body" idx="1"/>
+          </p:nvPr>
+        </p:nvSpPr>
+        <p:spPr/>
+        <p:txBody>
+          <a:bodyPr/>
+          <a:lstStyle/>
+          <a:p>
+            <a:pPr marL="0" marR="0" indent="0" algn="l" defTabSz="914400" rtl="0" eaLnBrk="1" fontAlgn="auto" latinLnBrk="0" hangingPunct="1">
+              <a:lnSpc>
+                <a:spcPct val="100000"/>
+              </a:lnSpc>
+              <a:spcBef>
+                <a:spcPts val="0"/>
+              </a:spcBef>
+              <a:spcAft>
+                <a:spcPts val="0"/>
+              </a:spcAft>
+              <a:buClrTx/>
+              <a:buSzTx/>
+              <a:buFontTx/>
+              <a:buNone/>
+              <a:tabLst/>
+              <a:defRPr/>
+            </a:pPr>
+            <a:r>
+              <a:rPr lang="en-US" dirty="0" smtClean="0"/>
+              <a:t>Lysosomes are called as suicidal bag which contains digestive enzymes ; it helps in removing unwanted substances or foreign particles.</a:t>
+            </a:r>
+          </a:p>
+          <a:p>
+            <a:endParaRPr lang="en-US" dirty="0"/>
+          </a:p>
+        </p:txBody>
+      </p:sp>
+      <p:sp>
+        <p:nvSpPr>
+          <p:cNvPr id="4" name="Slide Number Placeholder 3"/>
+          <p:cNvSpPr>
+            <a:spLocks noGrp="1"/>
+          </p:cNvSpPr>
+          <p:nvPr>
+            <p:ph type="sldNum" sz="quarter" idx="10"/>
+          </p:nvPr>
+        </p:nvSpPr>
+        <p:spPr/>
+        <p:txBody>
+          <a:bodyPr/>
+          <a:lstStyle/>
+          <a:p>
+            <a:fld id="{FD2A2BEA-8C9D-497D-B359-4F5918B159B1}" type="slidenum">
+              <a:rPr lang="en-US" smtClean="0"/>
+              <a:t>9</a:t>
+            </a:fld>
+            <a:endParaRPr lang="en-US"/>
+          </a:p>
+        </p:txBody>
+      </p:sp>
+    </p:spTree>
+    <p:extLst>
+      <p:ext uri="{BB962C8B-B14F-4D97-AF65-F5344CB8AC3E}">
+        <p14:creationId xmlns:p14="http://schemas.microsoft.com/office/powerpoint/2010/main" val="2483861883"/>
+      </p:ext>
+    </p:extLst>
+  </p:cSld>
+  <p:clrMapOvr>
+    <a:masterClrMapping/>
+  </p:clrMapOvr>
+</p:notes>
+</file>
+
 <file path=ppt/slideLayouts/slideLayout1.xml><?xml version="1.0" encoding="utf-8"?>
 <p:sldLayout xmlns:a="http://schemas.openxmlformats.org/drawingml/2006/main" xmlns:r="http://schemas.openxmlformats.org/officeDocument/2006/relationships" xmlns:p="http://schemas.openxmlformats.org/presentationml/2006/main" type="title" preserve="1">
   <p:cSld name="Title Slide">
@@ -635,7 +5863,7 @@
           <a:p>
             <a:fld id="{0EAC4AB9-A677-4A33-A88C-8A0AFE1E979E}" type="datetime1">
               <a:rPr lang="en-US" smtClean="0"/>
-              <a:t>9/3/2016</a:t>
+              <a:t>6/22/2017</a:t>
             </a:fld>
             <a:endParaRPr lang="en-US"/>
           </a:p>
@@ -861,7 +6089,7 @@
           <a:p>
             <a:fld id="{45DB0C39-1C8C-409E-8FDD-4BB11B6C552C}" type="datetime1">
               <a:rPr lang="en-US" smtClean="0"/>
-              <a:t>9/3/2016</a:t>
+              <a:t>6/22/2017</a:t>
             </a:fld>
             <a:endParaRPr lang="en-US"/>
           </a:p>
@@ -1036,7 +6264,7 @@
           <a:p>
             <a:fld id="{DABBB6FC-A390-4048-972D-75CCDD3AC207}" type="datetime1">
               <a:rPr lang="en-US" smtClean="0"/>
-              <a:t>9/3/2016</a:t>
+              <a:t>6/22/2017</a:t>
             </a:fld>
             <a:endParaRPr lang="en-US"/>
           </a:p>
@@ -1201,7 +6429,7 @@
           <a:p>
             <a:fld id="{9F263D96-B652-4F3B-A1DE-9407325F4448}" type="datetime1">
               <a:rPr lang="en-US" smtClean="0"/>
-              <a:t>9/3/2016</a:t>
+              <a:t>6/22/2017</a:t>
             </a:fld>
             <a:endParaRPr lang="en-US"/>
           </a:p>
@@ -1445,7 +6673,7 @@
           <a:p>
             <a:fld id="{3C15EF44-B94E-4BB4-8F3D-636E027E184A}" type="datetime1">
               <a:rPr lang="en-US" smtClean="0"/>
-              <a:t>9/3/2016</a:t>
+              <a:t>6/22/2017</a:t>
             </a:fld>
             <a:endParaRPr lang="en-US"/>
           </a:p>
@@ -1709,7 +6937,7 @@
           <a:p>
             <a:fld id="{78D781D3-9AE3-45F3-A3D8-5F703409D34F}" type="datetime1">
               <a:rPr lang="en-US" smtClean="0"/>
-              <a:t>9/3/2016</a:t>
+              <a:t>6/22/2017</a:t>
             </a:fld>
             <a:endParaRPr lang="en-US"/>
           </a:p>
@@ -2083,7 +7311,7 @@
           <a:p>
             <a:fld id="{9C6F3124-3B81-47DD-926C-624694409D59}" type="datetime1">
               <a:rPr lang="en-US" smtClean="0"/>
-              <a:t>9/3/2016</a:t>
+              <a:t>6/22/2017</a:t>
             </a:fld>
             <a:endParaRPr lang="en-US"/>
           </a:p>
@@ -2196,7 +7424,7 @@
           <a:p>
             <a:fld id="{2376C5F6-53A0-415E-AC99-D96DE202D35F}" type="datetime1">
               <a:rPr lang="en-US" smtClean="0"/>
-              <a:t>9/3/2016</a:t>
+              <a:t>6/22/2017</a:t>
             </a:fld>
             <a:endParaRPr lang="en-US"/>
           </a:p>
@@ -2286,7 +7514,7 @@
           <a:p>
             <a:fld id="{C35B7720-9CFD-4404-BCCE-73FB2929917F}" type="datetime1">
               <a:rPr lang="en-US" smtClean="0"/>
-              <a:t>9/3/2016</a:t>
+              <a:t>6/22/2017</a:t>
             </a:fld>
             <a:endParaRPr lang="en-US"/>
           </a:p>
@@ -2544,7 +7772,7 @@
           <a:p>
             <a:fld id="{92451088-421D-4CF1-BEFD-95633BE1E5E9}" type="datetime1">
               <a:rPr lang="en-US" smtClean="0"/>
-              <a:t>9/3/2016</a:t>
+              <a:t>6/22/2017</a:t>
             </a:fld>
             <a:endParaRPr lang="en-US"/>
           </a:p>
@@ -2808,7 +8036,7 @@
           <a:p>
             <a:fld id="{88547D84-FBD1-4055-B26A-7534AFDCA8BA}" type="datetime1">
               <a:rPr lang="en-US" smtClean="0"/>
-              <a:t>9/3/2016</a:t>
+              <a:t>6/22/2017</a:t>
             </a:fld>
             <a:endParaRPr lang="en-US"/>
           </a:p>
@@ -3025,7 +8253,7 @@
           <a:p>
             <a:fld id="{14047DDB-5107-405A-962D-827914A70528}" type="datetime1">
               <a:rPr lang="en-US" smtClean="0"/>
-              <a:t>9/3/2016</a:t>
+              <a:t>6/22/2017</a:t>
             </a:fld>
             <a:endParaRPr lang="en-US"/>
           </a:p>
@@ -3474,8 +8702,16 @@
           <a:lstStyle/>
           <a:p>
             <a:r>
+              <a:rPr lang="en-US" dirty="0" err="1" smtClean="0"/>
+              <a:t>CelL</a:t>
+            </a:r>
+            <a:r>
+              <a:rPr lang="en-US" dirty="0" smtClean="0"/>
+              <a:t> </a:t>
+            </a:r>
+            <a:r>
               <a:rPr lang="en-US" dirty="0"/>
-              <a:t>Cell BIOLOGY</a:t>
+              <a:t>BIOLOGY</a:t>
             </a:r>
             <a:br>
               <a:rPr lang="en-US" dirty="0"/>
@@ -3532,14 +8768,7 @@
           <a:bodyPr/>
           <a:lstStyle/>
           <a:p>
-            <a:endParaRPr lang="en-US" dirty="0" smtClean="0"/>
-          </a:p>
-          <a:p>
-            <a:r>
-              <a:rPr lang="en-US" dirty="0" smtClean="0"/>
-              <a:t> Dib</a:t>
-            </a:r>
-            <a:endParaRPr lang="en-US" dirty="0"/>
+            <a:endParaRPr lang="en-US"/>
           </a:p>
         </p:txBody>
       </p:sp>
@@ -4101,15 +9330,7 @@
             </a:r>
             <a:r>
               <a:rPr lang="en-US" dirty="0" smtClean="0"/>
-              <a:t> </a:t>
-            </a:r>
-            <a:r>
-              <a:rPr lang="en-US" dirty="0" err="1" smtClean="0"/>
-              <a:t>occationally</a:t>
-            </a:r>
-            <a:r>
-              <a:rPr lang="en-US" dirty="0" smtClean="0"/>
-              <a:t> </a:t>
+              <a:t> occasionally </a:t>
             </a:r>
           </a:p>
           <a:p>
@@ -4258,7 +9479,7 @@
           </p:nvPr>
         </p:nvPicPr>
         <p:blipFill>
-          <a:blip r:embed="rId2">
+          <a:blip r:embed="rId3">
             <a:extLst>
               <a:ext uri="{28A0092B-C50C-407E-A947-70E740481C1C}">
                 <a14:useLocalDpi xmlns:a14="http://schemas.microsoft.com/office/drawing/2010/main" val="0"/>
@@ -4704,7 +9925,7 @@
           </p:nvPr>
         </p:nvPicPr>
         <p:blipFill>
-          <a:blip r:embed="rId2">
+          <a:blip r:embed="rId3">
             <a:extLst>
               <a:ext uri="{28A0092B-C50C-407E-A947-70E740481C1C}">
                 <a14:useLocalDpi xmlns:a14="http://schemas.microsoft.com/office/drawing/2010/main" val="0"/>
@@ -4818,7 +10039,7 @@
           </p:nvPr>
         </p:nvPicPr>
         <p:blipFill>
-          <a:blip r:embed="rId2">
+          <a:blip r:embed="rId3">
             <a:extLst>
               <a:ext uri="{28A0092B-C50C-407E-A947-70E740481C1C}">
                 <a14:useLocalDpi xmlns:a14="http://schemas.microsoft.com/office/drawing/2010/main" val="0"/>
@@ -5359,7 +10580,7 @@
           </p:nvPr>
         </p:nvPicPr>
         <p:blipFill>
-          <a:blip r:embed="rId2">
+          <a:blip r:embed="rId3">
             <a:extLst>
               <a:ext uri="{28A0092B-C50C-407E-A947-70E740481C1C}">
                 <a14:useLocalDpi xmlns:a14="http://schemas.microsoft.com/office/drawing/2010/main" val="0"/>
@@ -5479,15 +10700,7 @@
           <a:p>
             <a:r>
               <a:rPr lang="en-US" dirty="0" smtClean="0"/>
-              <a:t>Same kind of tissues situated in one </a:t>
-            </a:r>
-            <a:r>
-              <a:rPr lang="en-US" dirty="0" err="1" smtClean="0"/>
-              <a:t>prt</a:t>
-            </a:r>
-            <a:r>
-              <a:rPr lang="en-US" dirty="0" smtClean="0"/>
-              <a:t> of the body altogether performing  common function is an organ</a:t>
+              <a:t>Same kind of tissues situated in one part of the body altogether performing  common function is an organ</a:t>
             </a:r>
           </a:p>
           <a:p>
@@ -5784,7 +10997,7 @@
           </p:nvPr>
         </p:nvPicPr>
         <p:blipFill>
-          <a:blip r:embed="rId2">
+          <a:blip r:embed="rId3">
             <a:extLst>
               <a:ext uri="{28A0092B-C50C-407E-A947-70E740481C1C}">
                 <a14:useLocalDpi xmlns:a14="http://schemas.microsoft.com/office/drawing/2010/main" val="0"/>
@@ -6655,7 +11868,7 @@
           </p:nvPr>
         </p:nvPicPr>
         <p:blipFill>
-          <a:blip r:embed="rId2">
+          <a:blip r:embed="rId3">
             <a:extLst>
               <a:ext uri="{28A0092B-C50C-407E-A947-70E740481C1C}">
                 <a14:useLocalDpi xmlns:a14="http://schemas.microsoft.com/office/drawing/2010/main" val="0"/>
@@ -7188,7 +12401,7 @@
           </p:nvPr>
         </p:nvPicPr>
         <p:blipFill>
-          <a:blip r:embed="rId2">
+          <a:blip r:embed="rId3">
             <a:extLst>
               <a:ext uri="{28A0092B-C50C-407E-A947-70E740481C1C}">
                 <a14:useLocalDpi xmlns:a14="http://schemas.microsoft.com/office/drawing/2010/main" val="0"/>
@@ -7747,7 +12960,7 @@
           </p:nvPr>
         </p:nvPicPr>
         <p:blipFill>
-          <a:blip r:embed="rId2">
+          <a:blip r:embed="rId3">
             <a:extLst>
               <a:ext uri="{28A0092B-C50C-407E-A947-70E740481C1C}">
                 <a14:useLocalDpi xmlns:a14="http://schemas.microsoft.com/office/drawing/2010/main" val="0"/>
@@ -8085,7 +13298,7 @@
           </p:nvPr>
         </p:nvPicPr>
         <p:blipFill>
-          <a:blip r:embed="rId2">
+          <a:blip r:embed="rId3">
             <a:extLst>
               <a:ext uri="{28A0092B-C50C-407E-A947-70E740481C1C}">
                 <a14:useLocalDpi xmlns:a14="http://schemas.microsoft.com/office/drawing/2010/main" val="0"/>
@@ -8199,7 +13412,7 @@
           </p:nvPr>
         </p:nvPicPr>
         <p:blipFill>
-          <a:blip r:embed="rId2">
+          <a:blip r:embed="rId3">
             <a:extLst>
               <a:ext uri="{28A0092B-C50C-407E-A947-70E740481C1C}">
                 <a14:useLocalDpi xmlns:a14="http://schemas.microsoft.com/office/drawing/2010/main" val="0"/>
@@ -8885,7 +14098,7 @@
           </p:nvPr>
         </p:nvPicPr>
         <p:blipFill>
-          <a:blip r:embed="rId2">
+          <a:blip r:embed="rId3">
             <a:extLst>
               <a:ext uri="{28A0092B-C50C-407E-A947-70E740481C1C}">
                 <a14:useLocalDpi xmlns:a14="http://schemas.microsoft.com/office/drawing/2010/main" val="0"/>
@@ -8999,7 +14212,7 @@
           </p:nvPr>
         </p:nvPicPr>
         <p:blipFill>
-          <a:blip r:embed="rId2">
+          <a:blip r:embed="rId3">
             <a:extLst>
               <a:ext uri="{28A0092B-C50C-407E-A947-70E740481C1C}">
                 <a14:useLocalDpi xmlns:a14="http://schemas.microsoft.com/office/drawing/2010/main" val="0"/>
@@ -9113,7 +14326,7 @@
           </p:nvPr>
         </p:nvPicPr>
         <p:blipFill>
-          <a:blip r:embed="rId2">
+          <a:blip r:embed="rId3">
             <a:extLst>
               <a:ext uri="{28A0092B-C50C-407E-A947-70E740481C1C}">
                 <a14:useLocalDpi xmlns:a14="http://schemas.microsoft.com/office/drawing/2010/main" val="0"/>
@@ -9501,7 +14714,7 @@
           </p:nvPr>
         </p:nvPicPr>
         <p:blipFill>
-          <a:blip r:embed="rId2">
+          <a:blip r:embed="rId3">
             <a:extLst>
               <a:ext uri="{28A0092B-C50C-407E-A947-70E740481C1C}">
                 <a14:useLocalDpi xmlns:a14="http://schemas.microsoft.com/office/drawing/2010/main" val="0"/>
@@ -9615,7 +14828,7 @@
           </p:nvPr>
         </p:nvPicPr>
         <p:blipFill>
-          <a:blip r:embed="rId2">
+          <a:blip r:embed="rId3">
             <a:extLst>
               <a:ext uri="{28A0092B-C50C-407E-A947-70E740481C1C}">
                 <a14:useLocalDpi xmlns:a14="http://schemas.microsoft.com/office/drawing/2010/main" val="0"/>
@@ -10171,7 +15384,7 @@
           </p:nvPr>
         </p:nvPicPr>
         <p:blipFill>
-          <a:blip r:embed="rId2">
+          <a:blip r:embed="rId3">
             <a:extLst>
               <a:ext uri="{28A0092B-C50C-407E-A947-70E740481C1C}">
                 <a14:useLocalDpi xmlns:a14="http://schemas.microsoft.com/office/drawing/2010/main" val="0"/>
@@ -10288,7 +15501,7 @@
           </p:nvPr>
         </p:nvPicPr>
         <p:blipFill>
-          <a:blip r:embed="rId2">
+          <a:blip r:embed="rId3">
             <a:extLst>
               <a:ext uri="{28A0092B-C50C-407E-A947-70E740481C1C}">
                 <a14:useLocalDpi xmlns:a14="http://schemas.microsoft.com/office/drawing/2010/main" val="0"/>
@@ -10690,7 +15903,7 @@
           </p:nvPr>
         </p:nvPicPr>
         <p:blipFill>
-          <a:blip r:embed="rId2">
+          <a:blip r:embed="rId3">
             <a:extLst>
               <a:ext uri="{28A0092B-C50C-407E-A947-70E740481C1C}">
                 <a14:useLocalDpi xmlns:a14="http://schemas.microsoft.com/office/drawing/2010/main" val="0"/>
@@ -11097,7 +16310,7 @@
           </p:nvPr>
         </p:nvPicPr>
         <p:blipFill>
-          <a:blip r:embed="rId2">
+          <a:blip r:embed="rId3">
             <a:extLst>
               <a:ext uri="{28A0092B-C50C-407E-A947-70E740481C1C}">
                 <a14:useLocalDpi xmlns:a14="http://schemas.microsoft.com/office/drawing/2010/main" val="0"/>
@@ -11333,7 +16546,7 @@
           </p:nvPr>
         </p:nvPicPr>
         <p:blipFill>
-          <a:blip r:embed="rId2" cstate="print">
+          <a:blip r:embed="rId3" cstate="print">
             <a:extLst>
               <a:ext uri="{28A0092B-C50C-407E-A947-70E740481C1C}">
                 <a14:useLocalDpi xmlns:a14="http://schemas.microsoft.com/office/drawing/2010/main" val="0"/>
@@ -12258,11 +17471,7 @@
           <a:p>
             <a:r>
               <a:rPr lang="en-US" dirty="0" smtClean="0"/>
-              <a:t>Processed material gets formed into lysosomes or </a:t>
-            </a:r>
-            <a:r>
-              <a:rPr lang="en-US" smtClean="0"/>
-              <a:t>secretory vesicles   </a:t>
+              <a:t>Processed material gets formed into lysosomes or secretory vesicles   </a:t>
             </a:r>
             <a:endParaRPr lang="en-US" dirty="0"/>
           </a:p>
